--- a/slides/9_SocialNetworkAnalysis.pptx
+++ b/slides/9_SocialNetworkAnalysis.pptx
@@ -4780,8 +4780,8 @@
           </a:p>
         </p:txBody>
       </p:sp>
-      <mc:AlternateContent xmlns:mc="http://schemas.openxmlformats.org/markup-compatibility/2006" xmlns:a14="http://schemas.microsoft.com/office/drawing/2010/main">
-        <mc:Choice Requires="a14">
+      <mc:AlternateContent xmlns:mc="http://schemas.openxmlformats.org/markup-compatibility/2006">
+        <mc:Choice xmlns:a14="http://schemas.microsoft.com/office/drawing/2010/main" Requires="a14">
           <p:sp>
             <p:nvSpPr>
               <p:cNvPr id="3" name="Content Placeholder 2">
@@ -4815,7 +4815,7 @@
                 </a:pPr>
                 <a:r>
                   <a:rPr lang="en-US" b="1" dirty="0"/>
-                  <a:t>Cliques are fully connected components </a:t>
+                  <a:t>Cliques are fully connected regions </a:t>
                 </a:r>
                 <a:r>
                   <a:rPr lang="en-US" dirty="0"/>
@@ -5083,7 +5083,7 @@
             </p:txBody>
           </p:sp>
         </mc:Choice>
-        <mc:Fallback xmlns="">
+        <mc:Fallback>
           <p:sp>
             <p:nvSpPr>
               <p:cNvPr id="3" name="Content Placeholder 2">
@@ -8228,8 +8228,8 @@
           </a:p>
         </p:txBody>
       </p:sp>
-      <mc:AlternateContent xmlns:mc="http://schemas.openxmlformats.org/markup-compatibility/2006" xmlns:a14="http://schemas.microsoft.com/office/drawing/2010/main">
-        <mc:Choice Requires="a14">
+      <mc:AlternateContent xmlns:mc="http://schemas.openxmlformats.org/markup-compatibility/2006">
+        <mc:Choice xmlns:a14="http://schemas.microsoft.com/office/drawing/2010/main" Requires="a14">
           <p:sp>
             <p:nvSpPr>
               <p:cNvPr id="3" name="Content Placeholder 2">
@@ -8507,7 +8507,7 @@
               <a:p>
                 <a:r>
                   <a:rPr lang="en-US" dirty="0"/>
-                  <a:t>For large </a:t>
+                  <a:t>Large </a:t>
                 </a:r>
                 <a14:m>
                   <m:oMath xmlns:m="http://schemas.openxmlformats.org/officeDocument/2006/math">
@@ -8921,7 +8921,7 @@
             </p:txBody>
           </p:sp>
         </mc:Choice>
-        <mc:Fallback xmlns="">
+        <mc:Fallback>
           <p:sp>
             <p:nvSpPr>
               <p:cNvPr id="3" name="Content Placeholder 2">
@@ -9593,39 +9593,26 @@
                                   </p:childTnLst>
                                 </p:cTn>
                               </p:par>
+                            </p:childTnLst>
+                          </p:cTn>
+                        </p:par>
+                      </p:childTnLst>
+                    </p:cTn>
+                  </p:par>
+                  <p:par>
+                    <p:cTn id="15" fill="hold">
+                      <p:stCondLst>
+                        <p:cond delay="indefinite"/>
+                      </p:stCondLst>
+                      <p:childTnLst>
+                        <p:par>
+                          <p:cTn id="16" fill="hold">
+                            <p:stCondLst>
+                              <p:cond delay="0"/>
+                            </p:stCondLst>
+                            <p:childTnLst>
                               <p:par>
-                                <p:cTn id="15" presetID="1" presetClass="entr" presetSubtype="0" fill="hold" grpId="0" nodeType="withEffect">
-                                  <p:stCondLst>
-                                    <p:cond delay="0"/>
-                                  </p:stCondLst>
-                                  <p:childTnLst>
-                                    <p:set>
-                                      <p:cBhvr>
-                                        <p:cTn id="16" dur="1" fill="hold">
-                                          <p:stCondLst>
-                                            <p:cond delay="0"/>
-                                          </p:stCondLst>
-                                        </p:cTn>
-                                        <p:tgtEl>
-                                          <p:spTgt spid="3">
-                                            <p:txEl>
-                                              <p:pRg st="3" end="3"/>
-                                            </p:txEl>
-                                          </p:spTgt>
-                                        </p:tgtEl>
-                                        <p:attrNameLst>
-                                          <p:attrName>style.visibility</p:attrName>
-                                        </p:attrNameLst>
-                                      </p:cBhvr>
-                                      <p:to>
-                                        <p:strVal val="visible"/>
-                                      </p:to>
-                                    </p:set>
-                                  </p:childTnLst>
-                                </p:cTn>
-                              </p:par>
-                              <p:par>
-                                <p:cTn id="17" presetID="1" presetClass="entr" presetSubtype="0" fill="hold" grpId="0" nodeType="withEffect">
+                                <p:cTn id="17" presetID="1" presetClass="entr" presetSubtype="0" fill="hold" grpId="0" nodeType="clickEffect">
                                   <p:stCondLst>
                                     <p:cond delay="0"/>
                                   </p:stCondLst>
@@ -9640,7 +9627,7 @@
                                         <p:tgtEl>
                                           <p:spTgt spid="3">
                                             <p:txEl>
-                                              <p:pRg st="4" end="4"/>
+                                              <p:pRg st="3" end="3"/>
                                             </p:txEl>
                                           </p:spTgt>
                                         </p:tgtEl>
@@ -9689,7 +9676,7 @@
                                         <p:tgtEl>
                                           <p:spTgt spid="3">
                                             <p:txEl>
-                                              <p:pRg st="5" end="5"/>
+                                              <p:pRg st="4" end="4"/>
                                             </p:txEl>
                                           </p:spTgt>
                                         </p:tgtEl>
@@ -9738,7 +9725,7 @@
                                         <p:tgtEl>
                                           <p:spTgt spid="3">
                                             <p:txEl>
-                                              <p:pRg st="6" end="6"/>
+                                              <p:pRg st="5" end="5"/>
                                             </p:txEl>
                                           </p:spTgt>
                                         </p:tgtEl>
@@ -9787,7 +9774,7 @@
                                         <p:tgtEl>
                                           <p:spTgt spid="3">
                                             <p:txEl>
-                                              <p:pRg st="7" end="7"/>
+                                              <p:pRg st="6" end="6"/>
                                             </p:txEl>
                                           </p:spTgt>
                                         </p:tgtEl>
@@ -9829,6 +9816,55 @@
                                     <p:set>
                                       <p:cBhvr>
                                         <p:cTn id="34" dur="1" fill="hold">
+                                          <p:stCondLst>
+                                            <p:cond delay="0"/>
+                                          </p:stCondLst>
+                                        </p:cTn>
+                                        <p:tgtEl>
+                                          <p:spTgt spid="3">
+                                            <p:txEl>
+                                              <p:pRg st="7" end="7"/>
+                                            </p:txEl>
+                                          </p:spTgt>
+                                        </p:tgtEl>
+                                        <p:attrNameLst>
+                                          <p:attrName>style.visibility</p:attrName>
+                                        </p:attrNameLst>
+                                      </p:cBhvr>
+                                      <p:to>
+                                        <p:strVal val="visible"/>
+                                      </p:to>
+                                    </p:set>
+                                  </p:childTnLst>
+                                </p:cTn>
+                              </p:par>
+                            </p:childTnLst>
+                          </p:cTn>
+                        </p:par>
+                      </p:childTnLst>
+                    </p:cTn>
+                  </p:par>
+                  <p:par>
+                    <p:cTn id="35" fill="hold">
+                      <p:stCondLst>
+                        <p:cond delay="indefinite"/>
+                      </p:stCondLst>
+                      <p:childTnLst>
+                        <p:par>
+                          <p:cTn id="36" fill="hold">
+                            <p:stCondLst>
+                              <p:cond delay="0"/>
+                            </p:stCondLst>
+                            <p:childTnLst>
+                              <p:par>
+                                <p:cTn id="37" presetID="1" presetClass="entr" presetSubtype="0" fill="hold" grpId="0" nodeType="clickEffect">
+                                  <p:stCondLst>
+                                    <p:cond delay="0"/>
+                                  </p:stCondLst>
+                                  <p:childTnLst>
+                                    <p:set>
+                                      <p:cBhvr>
+                                        <p:cTn id="38" dur="1" fill="hold">
                                           <p:stCondLst>
                                             <p:cond delay="0"/>
                                           </p:stCondLst>
@@ -10393,13 +10429,13 @@
           <a:p>
             <a:r>
               <a:rPr lang="en-US" dirty="0"/>
-              <a:t>Empirically, we expect people both connected to each other to be more likely to be connected to each other </a:t>
+              <a:t>Empirically, we expect when a person is connected to 2 other people, the other people are more likely to be connected to each other </a:t>
             </a:r>
           </a:p>
           <a:p>
             <a:r>
               <a:rPr lang="en-US" dirty="0"/>
-              <a:t>In a random graph, two people connected are to a third by random coincidence:  </a:t>
+              <a:t>In a random graph, two people connected to a common individual will only be connected to each other by random coincidence:  </a:t>
             </a:r>
           </a:p>
           <a:p>
@@ -12959,6 +12995,87 @@
                                   </p:childTnLst>
                                 </p:cTn>
                               </p:par>
+                              <p:par>
+                                <p:cTn id="19" presetID="1" presetClass="entr" presetSubtype="0" fill="hold" grpId="0" nodeType="withEffect">
+                                  <p:stCondLst>
+                                    <p:cond delay="0"/>
+                                  </p:stCondLst>
+                                  <p:childTnLst>
+                                    <p:set>
+                                      <p:cBhvr>
+                                        <p:cTn id="20" dur="1" fill="hold">
+                                          <p:stCondLst>
+                                            <p:cond delay="0"/>
+                                          </p:stCondLst>
+                                        </p:cTn>
+                                        <p:tgtEl>
+                                          <p:spTgt spid="11"/>
+                                        </p:tgtEl>
+                                        <p:attrNameLst>
+                                          <p:attrName>style.visibility</p:attrName>
+                                        </p:attrNameLst>
+                                      </p:cBhvr>
+                                      <p:to>
+                                        <p:strVal val="visible"/>
+                                      </p:to>
+                                    </p:set>
+                                  </p:childTnLst>
+                                </p:cTn>
+                              </p:par>
+                              <p:par>
+                                <p:cTn id="21" presetID="1" presetClass="entr" presetSubtype="0" fill="hold" grpId="0" nodeType="withEffect">
+                                  <p:stCondLst>
+                                    <p:cond delay="0"/>
+                                  </p:stCondLst>
+                                  <p:childTnLst>
+                                    <p:set>
+                                      <p:cBhvr>
+                                        <p:cTn id="22" dur="1" fill="hold">
+                                          <p:stCondLst>
+                                            <p:cond delay="0"/>
+                                          </p:stCondLst>
+                                        </p:cTn>
+                                        <p:tgtEl>
+                                          <p:spTgt spid="10"/>
+                                        </p:tgtEl>
+                                        <p:attrNameLst>
+                                          <p:attrName>style.visibility</p:attrName>
+                                        </p:attrNameLst>
+                                      </p:cBhvr>
+                                      <p:to>
+                                        <p:strVal val="visible"/>
+                                      </p:to>
+                                    </p:set>
+                                  </p:childTnLst>
+                                </p:cTn>
+                              </p:par>
+                              <p:par>
+                                <p:cTn id="23" presetID="1" presetClass="entr" presetSubtype="0" fill="hold" grpId="0" nodeType="withEffect">
+                                  <p:stCondLst>
+                                    <p:cond delay="0"/>
+                                  </p:stCondLst>
+                                  <p:childTnLst>
+                                    <p:set>
+                                      <p:cBhvr>
+                                        <p:cTn id="24" dur="1" fill="hold">
+                                          <p:stCondLst>
+                                            <p:cond delay="0"/>
+                                          </p:stCondLst>
+                                        </p:cTn>
+                                        <p:tgtEl>
+                                          <p:spTgt spid="12"/>
+                                        </p:tgtEl>
+                                        <p:attrNameLst>
+                                          <p:attrName>style.visibility</p:attrName>
+                                        </p:attrNameLst>
+                                      </p:cBhvr>
+                                      <p:to>
+                                        <p:strVal val="visible"/>
+                                      </p:to>
+                                    </p:set>
+                                  </p:childTnLst>
+                                </p:cTn>
+                              </p:par>
                             </p:childTnLst>
                           </p:cTn>
                         </p:par>
@@ -12966,26 +13083,26 @@
                     </p:cTn>
                   </p:par>
                   <p:par>
-                    <p:cTn id="19" fill="hold">
+                    <p:cTn id="25" fill="hold">
                       <p:stCondLst>
                         <p:cond delay="indefinite"/>
                       </p:stCondLst>
                       <p:childTnLst>
                         <p:par>
-                          <p:cTn id="20" fill="hold">
+                          <p:cTn id="26" fill="hold">
                             <p:stCondLst>
                               <p:cond delay="0"/>
                             </p:stCondLst>
                             <p:childTnLst>
                               <p:par>
-                                <p:cTn id="21" presetID="1" presetClass="entr" presetSubtype="0" fill="hold" grpId="0" nodeType="clickEffect">
+                                <p:cTn id="27" presetID="1" presetClass="entr" presetSubtype="0" fill="hold" grpId="0" nodeType="clickEffect">
                                   <p:stCondLst>
                                     <p:cond delay="0"/>
                                   </p:stCondLst>
                                   <p:childTnLst>
                                     <p:set>
                                       <p:cBhvr>
-                                        <p:cTn id="22" dur="1" fill="hold">
+                                        <p:cTn id="28" dur="1" fill="hold">
                                           <p:stCondLst>
                                             <p:cond delay="0"/>
                                           </p:stCondLst>
@@ -13015,26 +13132,26 @@
                     </p:cTn>
                   </p:par>
                   <p:par>
-                    <p:cTn id="23" fill="hold">
+                    <p:cTn id="29" fill="hold">
                       <p:stCondLst>
                         <p:cond delay="indefinite"/>
                       </p:stCondLst>
                       <p:childTnLst>
                         <p:par>
-                          <p:cTn id="24" fill="hold">
+                          <p:cTn id="30" fill="hold">
                             <p:stCondLst>
                               <p:cond delay="0"/>
                             </p:stCondLst>
                             <p:childTnLst>
                               <p:par>
-                                <p:cTn id="25" presetID="1" presetClass="entr" presetSubtype="0" fill="hold" grpId="0" nodeType="clickEffect">
+                                <p:cTn id="31" presetID="1" presetClass="entr" presetSubtype="0" fill="hold" grpId="0" nodeType="clickEffect">
                                   <p:stCondLst>
                                     <p:cond delay="0"/>
                                   </p:stCondLst>
                                   <p:childTnLst>
                                     <p:set>
                                       <p:cBhvr>
-                                        <p:cTn id="26" dur="1" fill="hold">
+                                        <p:cTn id="32" dur="1" fill="hold">
                                           <p:stCondLst>
                                             <p:cond delay="0"/>
                                           </p:stCondLst>
@@ -13089,6 +13206,9 @@
       <p:bldP spid="4" grpId="0" animBg="1"/>
       <p:bldP spid="5" grpId="0" animBg="1"/>
       <p:bldP spid="6" grpId="0" animBg="1"/>
+      <p:bldP spid="10" grpId="0"/>
+      <p:bldP spid="11" grpId="0"/>
+      <p:bldP spid="12" grpId="0"/>
     </p:bldLst>
   </p:timing>
 </p:sld>
@@ -13992,8 +14112,8 @@
           </a:p>
         </p:txBody>
       </p:sp>
-      <mc:AlternateContent xmlns:mc="http://schemas.openxmlformats.org/markup-compatibility/2006" xmlns:a14="http://schemas.microsoft.com/office/drawing/2010/main">
-        <mc:Choice Requires="a14">
+      <mc:AlternateContent xmlns:mc="http://schemas.openxmlformats.org/markup-compatibility/2006">
+        <mc:Choice xmlns:a14="http://schemas.microsoft.com/office/drawing/2010/main" Requires="a14">
           <p:sp>
             <p:nvSpPr>
               <p:cNvPr id="3" name="Content Placeholder 2">
@@ -14227,7 +14347,7 @@
               <a:p>
                 <a:r>
                   <a:rPr lang="en-US" dirty="0"/>
-                  <a:t>Highly connected nodes of a graph has high correlation coefficients</a:t>
+                  <a:t>Highly connected nodes of a graph have high correlation coefficients</a:t>
                 </a:r>
               </a:p>
               <a:p>
@@ -14261,7 +14381,7 @@
             </p:txBody>
           </p:sp>
         </mc:Choice>
-        <mc:Fallback xmlns="">
+        <mc:Fallback>
           <p:sp>
             <p:nvSpPr>
               <p:cNvPr id="3" name="Content Placeholder 2">
@@ -15862,45 +15982,6 @@
             </a:r>
           </a:p>
           <a:p>
-            <a:r>
-              <a:rPr lang="en-US" dirty="0"/>
-              <a:t>Originally developed by </a:t>
-            </a:r>
-            <a:r>
-              <a:rPr lang="en-US" dirty="0">
-                <a:hlinkClick r:id="rId2"/>
-              </a:rPr>
-              <a:t>Konrad </a:t>
-            </a:r>
-            <a:r>
-              <a:rPr lang="en-US" dirty="0" err="1">
-                <a:hlinkClick r:id="rId2"/>
-              </a:rPr>
-              <a:t>Zuse</a:t>
-            </a:r>
-            <a:r>
-              <a:rPr lang="en-US" dirty="0">
-                <a:hlinkClick r:id="rId2"/>
-              </a:rPr>
-              <a:t>  </a:t>
-            </a:r>
-            <a:endParaRPr lang="en-US" dirty="0"/>
-          </a:p>
-          <a:p>
-            <a:pPr lvl="1"/>
-            <a:r>
-              <a:rPr lang="en-US" dirty="0"/>
-              <a:t>Computer science pioneer </a:t>
-            </a:r>
-          </a:p>
-          <a:p>
-            <a:pPr lvl="1"/>
-            <a:r>
-              <a:rPr lang="en-US" dirty="0"/>
-              <a:t>1945 PhD dissertation was rejected  </a:t>
-            </a:r>
-          </a:p>
-          <a:p>
             <a:pPr marL="0" indent="0">
               <a:buNone/>
             </a:pPr>
@@ -16169,117 +16250,6 @@
                                           <p:spTgt spid="3">
                                             <p:txEl>
                                               <p:pRg st="4" end="4"/>
-                                            </p:txEl>
-                                          </p:spTgt>
-                                        </p:tgtEl>
-                                        <p:attrNameLst>
-                                          <p:attrName>style.visibility</p:attrName>
-                                        </p:attrNameLst>
-                                      </p:cBhvr>
-                                      <p:to>
-                                        <p:strVal val="visible"/>
-                                      </p:to>
-                                    </p:set>
-                                  </p:childTnLst>
-                                </p:cTn>
-                              </p:par>
-                            </p:childTnLst>
-                          </p:cTn>
-                        </p:par>
-                      </p:childTnLst>
-                    </p:cTn>
-                  </p:par>
-                  <p:par>
-                    <p:cTn id="23" fill="hold">
-                      <p:stCondLst>
-                        <p:cond delay="indefinite"/>
-                      </p:stCondLst>
-                      <p:childTnLst>
-                        <p:par>
-                          <p:cTn id="24" fill="hold">
-                            <p:stCondLst>
-                              <p:cond delay="0"/>
-                            </p:stCondLst>
-                            <p:childTnLst>
-                              <p:par>
-                                <p:cTn id="25" presetID="1" presetClass="entr" presetSubtype="0" fill="hold" grpId="0" nodeType="clickEffect">
-                                  <p:stCondLst>
-                                    <p:cond delay="0"/>
-                                  </p:stCondLst>
-                                  <p:childTnLst>
-                                    <p:set>
-                                      <p:cBhvr>
-                                        <p:cTn id="26" dur="1" fill="hold">
-                                          <p:stCondLst>
-                                            <p:cond delay="0"/>
-                                          </p:stCondLst>
-                                        </p:cTn>
-                                        <p:tgtEl>
-                                          <p:spTgt spid="3">
-                                            <p:txEl>
-                                              <p:pRg st="5" end="5"/>
-                                            </p:txEl>
-                                          </p:spTgt>
-                                        </p:tgtEl>
-                                        <p:attrNameLst>
-                                          <p:attrName>style.visibility</p:attrName>
-                                        </p:attrNameLst>
-                                      </p:cBhvr>
-                                      <p:to>
-                                        <p:strVal val="visible"/>
-                                      </p:to>
-                                    </p:set>
-                                  </p:childTnLst>
-                                </p:cTn>
-                              </p:par>
-                              <p:par>
-                                <p:cTn id="27" presetID="1" presetClass="entr" presetSubtype="0" fill="hold" grpId="0" nodeType="withEffect">
-                                  <p:stCondLst>
-                                    <p:cond delay="0"/>
-                                  </p:stCondLst>
-                                  <p:childTnLst>
-                                    <p:set>
-                                      <p:cBhvr>
-                                        <p:cTn id="28" dur="1" fill="hold">
-                                          <p:stCondLst>
-                                            <p:cond delay="0"/>
-                                          </p:stCondLst>
-                                        </p:cTn>
-                                        <p:tgtEl>
-                                          <p:spTgt spid="3">
-                                            <p:txEl>
-                                              <p:pRg st="6" end="6"/>
-                                            </p:txEl>
-                                          </p:spTgt>
-                                        </p:tgtEl>
-                                        <p:attrNameLst>
-                                          <p:attrName>style.visibility</p:attrName>
-                                        </p:attrNameLst>
-                                      </p:cBhvr>
-                                      <p:to>
-                                        <p:strVal val="visible"/>
-                                      </p:to>
-                                    </p:set>
-                                  </p:childTnLst>
-                                </p:cTn>
-                              </p:par>
-                              <p:par>
-                                <p:cTn id="29" presetID="1" presetClass="entr" presetSubtype="0" fill="hold" grpId="0" nodeType="withEffect">
-                                  <p:stCondLst>
-                                    <p:cond delay="0"/>
-                                  </p:stCondLst>
-                                  <p:childTnLst>
-                                    <p:set>
-                                      <p:cBhvr>
-                                        <p:cTn id="30" dur="1" fill="hold">
-                                          <p:stCondLst>
-                                            <p:cond delay="0"/>
-                                          </p:stCondLst>
-                                        </p:cTn>
-                                        <p:tgtEl>
-                                          <p:spTgt spid="3">
-                                            <p:txEl>
-                                              <p:pRg st="7" end="7"/>
                                             </p:txEl>
                                           </p:spTgt>
                                         </p:tgtEl>
@@ -16898,7 +16868,7 @@
                                         <p:tgtEl>
                                           <p:spTgt spid="3">
                                             <p:txEl>
-                                              <p:pRg st="1" end="1"/>
+                                              <p:pRg st="0" end="0"/>
                                             </p:txEl>
                                           </p:spTgt>
                                         </p:tgtEl>
@@ -16947,7 +16917,7 @@
                                         <p:tgtEl>
                                           <p:spTgt spid="3">
                                             <p:txEl>
-                                              <p:pRg st="0" end="0"/>
+                                              <p:pRg st="1" end="1"/>
                                             </p:txEl>
                                           </p:spTgt>
                                         </p:tgtEl>
@@ -18602,7 +18572,7 @@
         </p:nvSpPr>
         <p:spPr>
           <a:xfrm>
-            <a:off x="9291083" y="2067563"/>
+            <a:off x="9091048" y="1636761"/>
             <a:ext cx="111642" cy="95693"/>
           </a:xfrm>
           <a:prstGeom prst="ellipse">
@@ -18694,7 +18664,7 @@
         </p:nvSpPr>
         <p:spPr>
           <a:xfrm>
-            <a:off x="10409274" y="4412512"/>
+            <a:off x="10207268" y="4245611"/>
             <a:ext cx="111642" cy="95693"/>
           </a:xfrm>
           <a:prstGeom prst="ellipse">
@@ -18740,7 +18710,7 @@
         </p:nvSpPr>
         <p:spPr>
           <a:xfrm>
-            <a:off x="7488864" y="4118344"/>
+            <a:off x="8516590" y="3828762"/>
             <a:ext cx="111642" cy="95693"/>
           </a:xfrm>
           <a:prstGeom prst="ellipse">
@@ -18786,7 +18756,7 @@
         </p:nvSpPr>
         <p:spPr>
           <a:xfrm>
-            <a:off x="11181020" y="3157869"/>
+            <a:off x="10797730" y="3029940"/>
             <a:ext cx="111642" cy="95693"/>
           </a:xfrm>
           <a:prstGeom prst="ellipse">
@@ -18832,7 +18802,7 @@
         </p:nvSpPr>
         <p:spPr>
           <a:xfrm>
-            <a:off x="9149316" y="4931735"/>
+            <a:off x="9415190" y="4342569"/>
             <a:ext cx="111642" cy="95693"/>
           </a:xfrm>
           <a:prstGeom prst="ellipse">
@@ -18970,7 +18940,7 @@
         </p:nvSpPr>
         <p:spPr>
           <a:xfrm>
-            <a:off x="10520916" y="1578340"/>
+            <a:off x="10254590" y="2295061"/>
             <a:ext cx="111642" cy="95693"/>
           </a:xfrm>
           <a:prstGeom prst="ellipse">
@@ -19216,15 +19186,15 @@
           </p:cNvPr>
           <p:cNvCxnSpPr>
             <a:cxnSpLocks/>
-            <a:stCxn id="7" idx="4"/>
-            <a:endCxn id="11" idx="7"/>
+            <a:stCxn id="7" idx="0"/>
+            <a:endCxn id="11" idx="0"/>
           </p:cNvCxnSpPr>
           <p:nvPr/>
         </p:nvCxnSpPr>
         <p:spPr>
           <a:xfrm flipV="1">
-            <a:off x="9037674" y="2081577"/>
-            <a:ext cx="348701" cy="617737"/>
+            <a:off x="9037674" y="1636761"/>
+            <a:ext cx="109195" cy="966860"/>
           </a:xfrm>
           <a:prstGeom prst="line">
             <a:avLst/>
@@ -19346,8 +19316,8 @@
         </p:nvCxnSpPr>
         <p:spPr>
           <a:xfrm flipV="1">
-            <a:off x="10068630" y="1660019"/>
-            <a:ext cx="468636" cy="1188924"/>
+            <a:off x="10068630" y="2376740"/>
+            <a:ext cx="202310" cy="472203"/>
           </a:xfrm>
           <a:prstGeom prst="line">
             <a:avLst/>
@@ -19388,7 +19358,7 @@
         <p:spPr>
           <a:xfrm>
             <a:off x="10068630" y="2848943"/>
-            <a:ext cx="1168211" cy="308926"/>
+            <a:ext cx="784921" cy="180997"/>
           </a:xfrm>
           <a:prstGeom prst="line">
             <a:avLst/>
@@ -19421,13 +19391,14 @@
           </p:cNvPr>
           <p:cNvCxnSpPr>
             <a:cxnSpLocks/>
+            <a:stCxn id="11" idx="7"/>
           </p:cNvCxnSpPr>
           <p:nvPr/>
         </p:nvCxnSpPr>
         <p:spPr>
           <a:xfrm flipH="1" flipV="1">
-            <a:off x="8529042" y="1406584"/>
-            <a:ext cx="815647" cy="683140"/>
+            <a:off x="8529044" y="1406585"/>
+            <a:ext cx="657296" cy="244190"/>
           </a:xfrm>
           <a:prstGeom prst="line">
             <a:avLst/>
@@ -19502,14 +19473,13 @@
           <p:cNvCxnSpPr>
             <a:cxnSpLocks/>
             <a:stCxn id="8" idx="4"/>
-            <a:endCxn id="16" idx="5"/>
           </p:cNvCxnSpPr>
           <p:nvPr/>
         </p:nvCxnSpPr>
         <p:spPr>
-          <a:xfrm flipH="1">
-            <a:off x="9244608" y="3890622"/>
-            <a:ext cx="200270" cy="1122792"/>
+          <a:xfrm>
+            <a:off x="9444878" y="3890622"/>
+            <a:ext cx="14792" cy="500676"/>
           </a:xfrm>
           <a:prstGeom prst="line">
             <a:avLst/>
@@ -19542,14 +19512,14 @@
           </p:cNvPr>
           <p:cNvCxnSpPr>
             <a:cxnSpLocks/>
-            <a:endCxn id="13" idx="4"/>
+            <a:stCxn id="8" idx="5"/>
           </p:cNvCxnSpPr>
           <p:nvPr/>
         </p:nvCxnSpPr>
         <p:spPr>
           <a:xfrm>
-            <a:off x="9420043" y="3819207"/>
-            <a:ext cx="1045052" cy="688998"/>
+            <a:off x="9484349" y="3876608"/>
+            <a:ext cx="744198" cy="450007"/>
           </a:xfrm>
           <a:prstGeom prst="line">
             <a:avLst/>
@@ -19588,9 +19558,9 @@
           <p:nvPr/>
         </p:nvCxnSpPr>
         <p:spPr>
-          <a:xfrm flipV="1">
-            <a:off x="7584156" y="3890622"/>
-            <a:ext cx="1860722" cy="241736"/>
+          <a:xfrm>
+            <a:off x="8611882" y="3842776"/>
+            <a:ext cx="832996" cy="47846"/>
           </a:xfrm>
           <a:prstGeom prst="line">
             <a:avLst/>
@@ -19671,7 +19641,7 @@
         </p:nvCxnSpPr>
         <p:spPr>
           <a:xfrm flipH="1" flipV="1">
-            <a:off x="9802776" y="897050"/>
+            <a:off x="9536450" y="1613771"/>
             <a:ext cx="773961" cy="681290"/>
           </a:xfrm>
           <a:prstGeom prst="line">
@@ -19713,7 +19683,7 @@
         </p:nvCxnSpPr>
         <p:spPr>
           <a:xfrm flipH="1">
-            <a:off x="10616208" y="1150139"/>
+            <a:off x="10349882" y="1866860"/>
             <a:ext cx="810248" cy="442215"/>
           </a:xfrm>
           <a:prstGeom prst="line">
@@ -19749,14 +19719,14 @@
           </p:cNvPr>
           <p:cNvCxnSpPr>
             <a:cxnSpLocks/>
-            <a:endCxn id="15" idx="1"/>
+            <a:endCxn id="15" idx="5"/>
           </p:cNvCxnSpPr>
           <p:nvPr/>
         </p:nvCxnSpPr>
         <p:spPr>
           <a:xfrm flipH="1" flipV="1">
-            <a:off x="11197370" y="3171883"/>
-            <a:ext cx="339440" cy="528250"/>
+            <a:off x="10893022" y="3111619"/>
+            <a:ext cx="523138" cy="633374"/>
           </a:xfrm>
           <a:prstGeom prst="line">
             <a:avLst/>
@@ -19791,14 +19761,14 @@
           </p:cNvPr>
           <p:cNvCxnSpPr>
             <a:cxnSpLocks/>
-            <a:endCxn id="13" idx="2"/>
+            <a:endCxn id="13" idx="7"/>
           </p:cNvCxnSpPr>
           <p:nvPr/>
         </p:nvCxnSpPr>
         <p:spPr>
           <a:xfrm flipH="1" flipV="1">
-            <a:off x="10409274" y="4460359"/>
-            <a:ext cx="883388" cy="310872"/>
+            <a:off x="10302560" y="4259625"/>
+            <a:ext cx="947060" cy="816760"/>
           </a:xfrm>
           <a:prstGeom prst="line">
             <a:avLst/>
@@ -19839,7 +19809,7 @@
         </p:nvCxnSpPr>
         <p:spPr>
           <a:xfrm flipH="1" flipV="1">
-            <a:off x="9244608" y="5013414"/>
+            <a:off x="9510482" y="4424248"/>
             <a:ext cx="1276308" cy="1012462"/>
           </a:xfrm>
           <a:prstGeom prst="line">
@@ -19875,13 +19845,12 @@
           </p:cNvPr>
           <p:cNvCxnSpPr>
             <a:cxnSpLocks/>
-            <a:endCxn id="16" idx="1"/>
           </p:cNvCxnSpPr>
           <p:nvPr/>
         </p:nvCxnSpPr>
         <p:spPr>
           <a:xfrm flipV="1">
-            <a:off x="9037674" y="4945749"/>
+            <a:off x="9313033" y="4391298"/>
             <a:ext cx="127992" cy="867042"/>
           </a:xfrm>
           <a:prstGeom prst="line">
@@ -19923,7 +19892,7 @@
         </p:nvCxnSpPr>
         <p:spPr>
           <a:xfrm flipV="1">
-            <a:off x="7091917" y="4200023"/>
+            <a:off x="8119643" y="3910441"/>
             <a:ext cx="413297" cy="662907"/>
           </a:xfrm>
           <a:prstGeom prst="line">
@@ -19965,7 +19934,7 @@
         </p:nvCxnSpPr>
         <p:spPr>
           <a:xfrm>
-            <a:off x="6345423" y="3794501"/>
+            <a:off x="7373149" y="3504919"/>
             <a:ext cx="1199262" cy="323843"/>
           </a:xfrm>
           <a:prstGeom prst="line">
@@ -20128,15 +20097,15 @@
           </p:cNvPr>
           <p:cNvCxnSpPr>
             <a:cxnSpLocks/>
-            <a:stCxn id="14" idx="4"/>
+            <a:stCxn id="14" idx="0"/>
             <a:endCxn id="16" idx="4"/>
           </p:cNvCxnSpPr>
           <p:nvPr/>
         </p:nvCxnSpPr>
         <p:spPr>
           <a:xfrm>
-            <a:off x="7544685" y="4214037"/>
-            <a:ext cx="1660452" cy="813391"/>
+            <a:off x="8572411" y="3828762"/>
+            <a:ext cx="898600" cy="609500"/>
           </a:xfrm>
           <a:prstGeom prst="line">
             <a:avLst/>
@@ -24614,43 +24583,21 @@
                                   </p:childTnLst>
                                 </p:cTn>
                               </p:par>
-                            </p:childTnLst>
-                          </p:cTn>
-                        </p:par>
-                      </p:childTnLst>
-                    </p:cTn>
-                  </p:par>
-                  <p:par>
-                    <p:cTn id="51" fill="hold">
-                      <p:stCondLst>
-                        <p:cond delay="indefinite"/>
-                      </p:stCondLst>
-                      <p:childTnLst>
-                        <p:par>
-                          <p:cTn id="52" fill="hold">
-                            <p:stCondLst>
-                              <p:cond delay="0"/>
-                            </p:stCondLst>
-                            <p:childTnLst>
                               <p:par>
-                                <p:cTn id="53" presetID="1" presetClass="entr" presetSubtype="0" fill="hold" nodeType="clickEffect">
+                                <p:cTn id="51" presetID="1" presetClass="entr" presetSubtype="0" fill="hold" grpId="0" nodeType="withEffect">
                                   <p:stCondLst>
                                     <p:cond delay="0"/>
                                   </p:stCondLst>
                                   <p:childTnLst>
                                     <p:set>
                                       <p:cBhvr>
-                                        <p:cTn id="54" dur="1" fill="hold">
+                                        <p:cTn id="52" dur="1" fill="hold">
                                           <p:stCondLst>
                                             <p:cond delay="0"/>
                                           </p:stCondLst>
                                         </p:cTn>
                                         <p:tgtEl>
-                                          <p:spTgt spid="3">
-                                            <p:txEl>
-                                              <p:pRg st="5" end="5"/>
-                                            </p:txEl>
-                                          </p:spTgt>
+                                          <p:spTgt spid="36"/>
                                         </p:tgtEl>
                                         <p:attrNameLst>
                                           <p:attrName>style.visibility</p:attrName>
@@ -24663,8 +24610,26 @@
                                   </p:childTnLst>
                                 </p:cTn>
                               </p:par>
+                            </p:childTnLst>
+                          </p:cTn>
+                        </p:par>
+                      </p:childTnLst>
+                    </p:cTn>
+                  </p:par>
+                  <p:par>
+                    <p:cTn id="53" fill="hold">
+                      <p:stCondLst>
+                        <p:cond delay="indefinite"/>
+                      </p:stCondLst>
+                      <p:childTnLst>
+                        <p:par>
+                          <p:cTn id="54" fill="hold">
+                            <p:stCondLst>
+                              <p:cond delay="0"/>
+                            </p:stCondLst>
+                            <p:childTnLst>
                               <p:par>
-                                <p:cTn id="55" presetID="1" presetClass="entr" presetSubtype="0" fill="hold" grpId="0" nodeType="withEffect">
+                                <p:cTn id="55" presetID="1" presetClass="entr" presetSubtype="0" fill="hold" nodeType="clickEffect">
                                   <p:stCondLst>
                                     <p:cond delay="0"/>
                                   </p:stCondLst>
@@ -24677,7 +24642,11 @@
                                           </p:stCondLst>
                                         </p:cTn>
                                         <p:tgtEl>
-                                          <p:spTgt spid="36"/>
+                                          <p:spTgt spid="3">
+                                            <p:txEl>
+                                              <p:pRg st="5" end="5"/>
+                                            </p:txEl>
+                                          </p:spTgt>
                                         </p:tgtEl>
                                         <p:attrNameLst>
                                           <p:attrName>style.visibility</p:attrName>
@@ -26971,15 +26940,33 @@
                                   </p:childTnLst>
                                 </p:cTn>
                               </p:par>
+                            </p:childTnLst>
+                          </p:cTn>
+                        </p:par>
+                      </p:childTnLst>
+                    </p:cTn>
+                  </p:par>
+                  <p:par>
+                    <p:cTn id="11" fill="hold">
+                      <p:stCondLst>
+                        <p:cond delay="indefinite"/>
+                      </p:stCondLst>
+                      <p:childTnLst>
+                        <p:par>
+                          <p:cTn id="12" fill="hold">
+                            <p:stCondLst>
+                              <p:cond delay="0"/>
+                            </p:stCondLst>
+                            <p:childTnLst>
                               <p:par>
-                                <p:cTn id="11" presetID="1" presetClass="entr" presetSubtype="0" fill="hold" grpId="0" nodeType="withEffect">
+                                <p:cTn id="13" presetID="1" presetClass="entr" presetSubtype="0" fill="hold" grpId="0" nodeType="clickEffect">
                                   <p:stCondLst>
                                     <p:cond delay="0"/>
                                   </p:stCondLst>
                                   <p:childTnLst>
                                     <p:set>
                                       <p:cBhvr>
-                                        <p:cTn id="12" dur="1" fill="hold">
+                                        <p:cTn id="14" dur="1" fill="hold">
                                           <p:stCondLst>
                                             <p:cond delay="0"/>
                                           </p:stCondLst>
@@ -27002,70 +26989,26 @@
                                   </p:childTnLst>
                                 </p:cTn>
                               </p:par>
+                            </p:childTnLst>
+                          </p:cTn>
+                        </p:par>
+                      </p:childTnLst>
+                    </p:cTn>
+                  </p:par>
+                  <p:par>
+                    <p:cTn id="15" fill="hold">
+                      <p:stCondLst>
+                        <p:cond delay="indefinite"/>
+                      </p:stCondLst>
+                      <p:childTnLst>
+                        <p:par>
+                          <p:cTn id="16" fill="hold">
+                            <p:stCondLst>
+                              <p:cond delay="0"/>
+                            </p:stCondLst>
+                            <p:childTnLst>
                               <p:par>
-                                <p:cTn id="13" presetID="1" presetClass="entr" presetSubtype="0" fill="hold" grpId="0" nodeType="withEffect">
-                                  <p:stCondLst>
-                                    <p:cond delay="0"/>
-                                  </p:stCondLst>
-                                  <p:childTnLst>
-                                    <p:set>
-                                      <p:cBhvr>
-                                        <p:cTn id="14" dur="1" fill="hold">
-                                          <p:stCondLst>
-                                            <p:cond delay="0"/>
-                                          </p:stCondLst>
-                                        </p:cTn>
-                                        <p:tgtEl>
-                                          <p:spTgt spid="3">
-                                            <p:txEl>
-                                              <p:pRg st="3" end="3"/>
-                                            </p:txEl>
-                                          </p:spTgt>
-                                        </p:tgtEl>
-                                        <p:attrNameLst>
-                                          <p:attrName>style.visibility</p:attrName>
-                                        </p:attrNameLst>
-                                      </p:cBhvr>
-                                      <p:to>
-                                        <p:strVal val="visible"/>
-                                      </p:to>
-                                    </p:set>
-                                  </p:childTnLst>
-                                </p:cTn>
-                              </p:par>
-                              <p:par>
-                                <p:cTn id="15" presetID="1" presetClass="entr" presetSubtype="0" fill="hold" grpId="0" nodeType="withEffect">
-                                  <p:stCondLst>
-                                    <p:cond delay="0"/>
-                                  </p:stCondLst>
-                                  <p:childTnLst>
-                                    <p:set>
-                                      <p:cBhvr>
-                                        <p:cTn id="16" dur="1" fill="hold">
-                                          <p:stCondLst>
-                                            <p:cond delay="0"/>
-                                          </p:stCondLst>
-                                        </p:cTn>
-                                        <p:tgtEl>
-                                          <p:spTgt spid="3">
-                                            <p:txEl>
-                                              <p:pRg st="4" end="4"/>
-                                            </p:txEl>
-                                          </p:spTgt>
-                                        </p:tgtEl>
-                                        <p:attrNameLst>
-                                          <p:attrName>style.visibility</p:attrName>
-                                        </p:attrNameLst>
-                                      </p:cBhvr>
-                                      <p:to>
-                                        <p:strVal val="visible"/>
-                                      </p:to>
-                                    </p:set>
-                                  </p:childTnLst>
-                                </p:cTn>
-                              </p:par>
-                              <p:par>
-                                <p:cTn id="17" presetID="1" presetClass="entr" presetSubtype="0" fill="hold" grpId="0" nodeType="withEffect">
+                                <p:cTn id="17" presetID="1" presetClass="entr" presetSubtype="0" fill="hold" grpId="0" nodeType="clickEffect">
                                   <p:stCondLst>
                                     <p:cond delay="0"/>
                                   </p:stCondLst>
@@ -27080,7 +27023,7 @@
                                         <p:tgtEl>
                                           <p:spTgt spid="3">
                                             <p:txEl>
-                                              <p:pRg st="5" end="5"/>
+                                              <p:pRg st="3" end="3"/>
                                             </p:txEl>
                                           </p:spTgt>
                                         </p:tgtEl>
@@ -27129,7 +27072,7 @@
                                         <p:tgtEl>
                                           <p:spTgt spid="3">
                                             <p:txEl>
-                                              <p:pRg st="6" end="6"/>
+                                              <p:pRg st="4" end="4"/>
                                             </p:txEl>
                                           </p:spTgt>
                                         </p:tgtEl>
@@ -27171,6 +27114,104 @@
                                     <p:set>
                                       <p:cBhvr>
                                         <p:cTn id="26" dur="1" fill="hold">
+                                          <p:stCondLst>
+                                            <p:cond delay="0"/>
+                                          </p:stCondLst>
+                                        </p:cTn>
+                                        <p:tgtEl>
+                                          <p:spTgt spid="3">
+                                            <p:txEl>
+                                              <p:pRg st="5" end="5"/>
+                                            </p:txEl>
+                                          </p:spTgt>
+                                        </p:tgtEl>
+                                        <p:attrNameLst>
+                                          <p:attrName>style.visibility</p:attrName>
+                                        </p:attrNameLst>
+                                      </p:cBhvr>
+                                      <p:to>
+                                        <p:strVal val="visible"/>
+                                      </p:to>
+                                    </p:set>
+                                  </p:childTnLst>
+                                </p:cTn>
+                              </p:par>
+                            </p:childTnLst>
+                          </p:cTn>
+                        </p:par>
+                      </p:childTnLst>
+                    </p:cTn>
+                  </p:par>
+                  <p:par>
+                    <p:cTn id="27" fill="hold">
+                      <p:stCondLst>
+                        <p:cond delay="indefinite"/>
+                      </p:stCondLst>
+                      <p:childTnLst>
+                        <p:par>
+                          <p:cTn id="28" fill="hold">
+                            <p:stCondLst>
+                              <p:cond delay="0"/>
+                            </p:stCondLst>
+                            <p:childTnLst>
+                              <p:par>
+                                <p:cTn id="29" presetID="1" presetClass="entr" presetSubtype="0" fill="hold" grpId="0" nodeType="clickEffect">
+                                  <p:stCondLst>
+                                    <p:cond delay="0"/>
+                                  </p:stCondLst>
+                                  <p:childTnLst>
+                                    <p:set>
+                                      <p:cBhvr>
+                                        <p:cTn id="30" dur="1" fill="hold">
+                                          <p:stCondLst>
+                                            <p:cond delay="0"/>
+                                          </p:stCondLst>
+                                        </p:cTn>
+                                        <p:tgtEl>
+                                          <p:spTgt spid="3">
+                                            <p:txEl>
+                                              <p:pRg st="6" end="6"/>
+                                            </p:txEl>
+                                          </p:spTgt>
+                                        </p:tgtEl>
+                                        <p:attrNameLst>
+                                          <p:attrName>style.visibility</p:attrName>
+                                        </p:attrNameLst>
+                                      </p:cBhvr>
+                                      <p:to>
+                                        <p:strVal val="visible"/>
+                                      </p:to>
+                                    </p:set>
+                                  </p:childTnLst>
+                                </p:cTn>
+                              </p:par>
+                            </p:childTnLst>
+                          </p:cTn>
+                        </p:par>
+                      </p:childTnLst>
+                    </p:cTn>
+                  </p:par>
+                  <p:par>
+                    <p:cTn id="31" fill="hold">
+                      <p:stCondLst>
+                        <p:cond delay="indefinite"/>
+                      </p:stCondLst>
+                      <p:childTnLst>
+                        <p:par>
+                          <p:cTn id="32" fill="hold">
+                            <p:stCondLst>
+                              <p:cond delay="0"/>
+                            </p:stCondLst>
+                            <p:childTnLst>
+                              <p:par>
+                                <p:cTn id="33" presetID="1" presetClass="entr" presetSubtype="0" fill="hold" grpId="0" nodeType="clickEffect">
+                                  <p:stCondLst>
+                                    <p:cond delay="0"/>
+                                  </p:stCondLst>
+                                  <p:childTnLst>
+                                    <p:set>
+                                      <p:cBhvr>
+                                        <p:cTn id="34" dur="1" fill="hold">
                                           <p:stCondLst>
                                             <p:cond delay="0"/>
                                           </p:stCondLst>
@@ -29048,8 +29089,8 @@
           </a:p>
         </p:txBody>
       </p:sp>
-      <mc:AlternateContent xmlns:mc="http://schemas.openxmlformats.org/markup-compatibility/2006" xmlns:a14="http://schemas.microsoft.com/office/drawing/2010/main">
-        <mc:Choice Requires="a14">
+      <mc:AlternateContent xmlns:mc="http://schemas.openxmlformats.org/markup-compatibility/2006">
+        <mc:Choice xmlns:a14="http://schemas.microsoft.com/office/drawing/2010/main" Requires="a14">
           <p:sp>
             <p:nvSpPr>
               <p:cNvPr id="3" name="Content Placeholder 2">
@@ -29254,10 +29295,10 @@
                       </m:e>
                       <m:sub>
                         <m:r>
-                          <a:rPr lang="en-US" i="1">
+                          <a:rPr lang="en-US" b="0" i="1" smtClean="0">
                             <a:latin typeface="Cambria Math" panose="02040503050406030204" pitchFamily="18" charset="0"/>
                           </a:rPr>
-                          <m:t>𝑖</m:t>
+                          <m:t>𝑗</m:t>
                         </m:r>
                       </m:sub>
                     </m:sSub>
@@ -29705,7 +29746,7 @@
             </p:txBody>
           </p:sp>
         </mc:Choice>
-        <mc:Fallback xmlns="">
+        <mc:Fallback>
           <p:sp>
             <p:nvSpPr>
               <p:cNvPr id="3" name="Content Placeholder 2">
@@ -31232,6 +31273,196 @@
   <p:clrMapOvr>
     <a:masterClrMapping/>
   </p:clrMapOvr>
+  <p:timing>
+    <p:tnLst>
+      <p:par>
+        <p:cTn id="1" dur="indefinite" restart="never" nodeType="tmRoot">
+          <p:childTnLst>
+            <p:seq concurrent="1" nextAc="seek">
+              <p:cTn id="2" dur="indefinite" nodeType="mainSeq">
+                <p:childTnLst>
+                  <p:par>
+                    <p:cTn id="3" fill="hold">
+                      <p:stCondLst>
+                        <p:cond delay="indefinite"/>
+                      </p:stCondLst>
+                      <p:childTnLst>
+                        <p:par>
+                          <p:cTn id="4" fill="hold">
+                            <p:stCondLst>
+                              <p:cond delay="0"/>
+                            </p:stCondLst>
+                            <p:childTnLst>
+                              <p:par>
+                                <p:cTn id="5" presetID="1" presetClass="entr" presetSubtype="0" fill="hold" nodeType="clickEffect">
+                                  <p:stCondLst>
+                                    <p:cond delay="0"/>
+                                  </p:stCondLst>
+                                  <p:childTnLst>
+                                    <p:set>
+                                      <p:cBhvr>
+                                        <p:cTn id="6" dur="1" fill="hold">
+                                          <p:stCondLst>
+                                            <p:cond delay="0"/>
+                                          </p:stCondLst>
+                                        </p:cTn>
+                                        <p:tgtEl>
+                                          <p:spTgt spid="3">
+                                            <p:txEl>
+                                              <p:pRg st="1" end="1"/>
+                                            </p:txEl>
+                                          </p:spTgt>
+                                        </p:tgtEl>
+                                        <p:attrNameLst>
+                                          <p:attrName>style.visibility</p:attrName>
+                                        </p:attrNameLst>
+                                      </p:cBhvr>
+                                      <p:to>
+                                        <p:strVal val="visible"/>
+                                      </p:to>
+                                    </p:set>
+                                  </p:childTnLst>
+                                </p:cTn>
+                              </p:par>
+                              <p:par>
+                                <p:cTn id="7" presetID="1" presetClass="entr" presetSubtype="0" fill="hold" nodeType="withEffect">
+                                  <p:stCondLst>
+                                    <p:cond delay="0"/>
+                                  </p:stCondLst>
+                                  <p:childTnLst>
+                                    <p:set>
+                                      <p:cBhvr>
+                                        <p:cTn id="8" dur="1" fill="hold">
+                                          <p:stCondLst>
+                                            <p:cond delay="0"/>
+                                          </p:stCondLst>
+                                        </p:cTn>
+                                        <p:tgtEl>
+                                          <p:spTgt spid="3">
+                                            <p:txEl>
+                                              <p:pRg st="2" end="2"/>
+                                            </p:txEl>
+                                          </p:spTgt>
+                                        </p:tgtEl>
+                                        <p:attrNameLst>
+                                          <p:attrName>style.visibility</p:attrName>
+                                        </p:attrNameLst>
+                                      </p:cBhvr>
+                                      <p:to>
+                                        <p:strVal val="visible"/>
+                                      </p:to>
+                                    </p:set>
+                                  </p:childTnLst>
+                                </p:cTn>
+                              </p:par>
+                            </p:childTnLst>
+                          </p:cTn>
+                        </p:par>
+                      </p:childTnLst>
+                    </p:cTn>
+                  </p:par>
+                  <p:par>
+                    <p:cTn id="9" fill="hold">
+                      <p:stCondLst>
+                        <p:cond delay="indefinite"/>
+                      </p:stCondLst>
+                      <p:childTnLst>
+                        <p:par>
+                          <p:cTn id="10" fill="hold">
+                            <p:stCondLst>
+                              <p:cond delay="0"/>
+                            </p:stCondLst>
+                            <p:childTnLst>
+                              <p:par>
+                                <p:cTn id="11" presetID="1" presetClass="entr" presetSubtype="0" fill="hold" nodeType="clickEffect">
+                                  <p:stCondLst>
+                                    <p:cond delay="0"/>
+                                  </p:stCondLst>
+                                  <p:childTnLst>
+                                    <p:set>
+                                      <p:cBhvr>
+                                        <p:cTn id="12" dur="1" fill="hold">
+                                          <p:stCondLst>
+                                            <p:cond delay="0"/>
+                                          </p:stCondLst>
+                                        </p:cTn>
+                                        <p:tgtEl>
+                                          <p:spTgt spid="3">
+                                            <p:txEl>
+                                              <p:pRg st="3" end="3"/>
+                                            </p:txEl>
+                                          </p:spTgt>
+                                        </p:tgtEl>
+                                        <p:attrNameLst>
+                                          <p:attrName>style.visibility</p:attrName>
+                                        </p:attrNameLst>
+                                      </p:cBhvr>
+                                      <p:to>
+                                        <p:strVal val="visible"/>
+                                      </p:to>
+                                    </p:set>
+                                  </p:childTnLst>
+                                </p:cTn>
+                              </p:par>
+                              <p:par>
+                                <p:cTn id="13" presetID="1" presetClass="entr" presetSubtype="0" fill="hold" nodeType="withEffect">
+                                  <p:stCondLst>
+                                    <p:cond delay="0"/>
+                                  </p:stCondLst>
+                                  <p:childTnLst>
+                                    <p:set>
+                                      <p:cBhvr>
+                                        <p:cTn id="14" dur="1" fill="hold">
+                                          <p:stCondLst>
+                                            <p:cond delay="0"/>
+                                          </p:stCondLst>
+                                        </p:cTn>
+                                        <p:tgtEl>
+                                          <p:spTgt spid="3">
+                                            <p:txEl>
+                                              <p:pRg st="4" end="4"/>
+                                            </p:txEl>
+                                          </p:spTgt>
+                                        </p:tgtEl>
+                                        <p:attrNameLst>
+                                          <p:attrName>style.visibility</p:attrName>
+                                        </p:attrNameLst>
+                                      </p:cBhvr>
+                                      <p:to>
+                                        <p:strVal val="visible"/>
+                                      </p:to>
+                                    </p:set>
+                                  </p:childTnLst>
+                                </p:cTn>
+                              </p:par>
+                            </p:childTnLst>
+                          </p:cTn>
+                        </p:par>
+                      </p:childTnLst>
+                    </p:cTn>
+                  </p:par>
+                </p:childTnLst>
+              </p:cTn>
+              <p:prevCondLst>
+                <p:cond evt="onPrev" delay="0">
+                  <p:tgtEl>
+                    <p:sldTgt/>
+                  </p:tgtEl>
+                </p:cond>
+              </p:prevCondLst>
+              <p:nextCondLst>
+                <p:cond evt="onNext" delay="0">
+                  <p:tgtEl>
+                    <p:sldTgt/>
+                  </p:tgtEl>
+                </p:cond>
+              </p:nextCondLst>
+            </p:seq>
+          </p:childTnLst>
+        </p:cTn>
+      </p:par>
+    </p:tnLst>
+  </p:timing>
 </p:sld>
 </file>
 
@@ -31890,39 +32121,26 @@
                                   </p:childTnLst>
                                 </p:cTn>
                               </p:par>
+                            </p:childTnLst>
+                          </p:cTn>
+                        </p:par>
+                      </p:childTnLst>
+                    </p:cTn>
+                  </p:par>
+                  <p:par>
+                    <p:cTn id="15" fill="hold">
+                      <p:stCondLst>
+                        <p:cond delay="indefinite"/>
+                      </p:stCondLst>
+                      <p:childTnLst>
+                        <p:par>
+                          <p:cTn id="16" fill="hold">
+                            <p:stCondLst>
+                              <p:cond delay="0"/>
+                            </p:stCondLst>
+                            <p:childTnLst>
                               <p:par>
-                                <p:cTn id="15" presetID="1" presetClass="entr" presetSubtype="0" fill="hold" grpId="0" nodeType="withEffect">
-                                  <p:stCondLst>
-                                    <p:cond delay="0"/>
-                                  </p:stCondLst>
-                                  <p:childTnLst>
-                                    <p:set>
-                                      <p:cBhvr>
-                                        <p:cTn id="16" dur="1" fill="hold">
-                                          <p:stCondLst>
-                                            <p:cond delay="0"/>
-                                          </p:stCondLst>
-                                        </p:cTn>
-                                        <p:tgtEl>
-                                          <p:spTgt spid="3">
-                                            <p:txEl>
-                                              <p:pRg st="6" end="6"/>
-                                            </p:txEl>
-                                          </p:spTgt>
-                                        </p:tgtEl>
-                                        <p:attrNameLst>
-                                          <p:attrName>style.visibility</p:attrName>
-                                        </p:attrNameLst>
-                                      </p:cBhvr>
-                                      <p:to>
-                                        <p:strVal val="visible"/>
-                                      </p:to>
-                                    </p:set>
-                                  </p:childTnLst>
-                                </p:cTn>
-                              </p:par>
-                              <p:par>
-                                <p:cTn id="17" presetID="1" presetClass="entr" presetSubtype="0" fill="hold" grpId="0" nodeType="withEffect">
+                                <p:cTn id="17" presetID="1" presetClass="entr" presetSubtype="0" fill="hold" grpId="0" nodeType="clickEffect">
                                   <p:stCondLst>
                                     <p:cond delay="0"/>
                                   </p:stCondLst>
@@ -31937,7 +32155,7 @@
                                         <p:tgtEl>
                                           <p:spTgt spid="3">
                                             <p:txEl>
-                                              <p:pRg st="7" end="7"/>
+                                              <p:pRg st="6" end="6"/>
                                             </p:txEl>
                                           </p:spTgt>
                                         </p:tgtEl>
@@ -31979,6 +32197,55 @@
                                     <p:set>
                                       <p:cBhvr>
                                         <p:cTn id="22" dur="1" fill="hold">
+                                          <p:stCondLst>
+                                            <p:cond delay="0"/>
+                                          </p:stCondLst>
+                                        </p:cTn>
+                                        <p:tgtEl>
+                                          <p:spTgt spid="3">
+                                            <p:txEl>
+                                              <p:pRg st="7" end="7"/>
+                                            </p:txEl>
+                                          </p:spTgt>
+                                        </p:tgtEl>
+                                        <p:attrNameLst>
+                                          <p:attrName>style.visibility</p:attrName>
+                                        </p:attrNameLst>
+                                      </p:cBhvr>
+                                      <p:to>
+                                        <p:strVal val="visible"/>
+                                      </p:to>
+                                    </p:set>
+                                  </p:childTnLst>
+                                </p:cTn>
+                              </p:par>
+                            </p:childTnLst>
+                          </p:cTn>
+                        </p:par>
+                      </p:childTnLst>
+                    </p:cTn>
+                  </p:par>
+                  <p:par>
+                    <p:cTn id="23" fill="hold">
+                      <p:stCondLst>
+                        <p:cond delay="indefinite"/>
+                      </p:stCondLst>
+                      <p:childTnLst>
+                        <p:par>
+                          <p:cTn id="24" fill="hold">
+                            <p:stCondLst>
+                              <p:cond delay="0"/>
+                            </p:stCondLst>
+                            <p:childTnLst>
+                              <p:par>
+                                <p:cTn id="25" presetID="1" presetClass="entr" presetSubtype="0" fill="hold" grpId="0" nodeType="clickEffect">
+                                  <p:stCondLst>
+                                    <p:cond delay="0"/>
+                                  </p:stCondLst>
+                                  <p:childTnLst>
+                                    <p:set>
+                                      <p:cBhvr>
+                                        <p:cTn id="26" dur="1" fill="hold">
                                           <p:stCondLst>
                                             <p:cond delay="0"/>
                                           </p:stCondLst>
@@ -32123,7 +32390,7 @@
             </a:pPr>
             <a:r>
               <a:rPr lang="en-US" dirty="0"/>
-              <a:t>Many heuristics for community search with modularity</a:t>
+              <a:t>Many heuristics for community search to maximize modularity</a:t>
             </a:r>
           </a:p>
           <a:p>
@@ -32156,18 +32423,6 @@
           <a:p>
             <a:r>
               <a:rPr lang="en-US" dirty="0"/>
-              <a:t>Greedy reallocation of community assignments </a:t>
-            </a:r>
-          </a:p>
-          <a:p>
-            <a:r>
-              <a:rPr lang="en-US" dirty="0"/>
-              <a:t>Spectral Modularity Maximization </a:t>
-            </a:r>
-          </a:p>
-          <a:p>
-            <a:r>
-              <a:rPr lang="en-US" dirty="0"/>
               <a:t>Optimization algorithms </a:t>
             </a:r>
           </a:p>
@@ -32183,6 +32438,18 @@
             <a:r>
               <a:rPr lang="en-US" dirty="0"/>
               <a:t>Maximum likelihood methods </a:t>
+            </a:r>
+          </a:p>
+          <a:p>
+            <a:r>
+              <a:rPr lang="en-US" dirty="0"/>
+              <a:t>Greedy reallocation of community assignments </a:t>
+            </a:r>
+          </a:p>
+          <a:p>
+            <a:r>
+              <a:rPr lang="en-US" dirty="0"/>
+              <a:t>Spectral Modularity Maximization </a:t>
             </a:r>
           </a:p>
           <a:p>
@@ -32594,15 +32861,33 @@
                                   </p:childTnLst>
                                 </p:cTn>
                               </p:par>
+                            </p:childTnLst>
+                          </p:cTn>
+                        </p:par>
+                      </p:childTnLst>
+                    </p:cTn>
+                  </p:par>
+                  <p:par>
+                    <p:cTn id="35" fill="hold">
+                      <p:stCondLst>
+                        <p:cond delay="indefinite"/>
+                      </p:stCondLst>
+                      <p:childTnLst>
+                        <p:par>
+                          <p:cTn id="36" fill="hold">
+                            <p:stCondLst>
+                              <p:cond delay="0"/>
+                            </p:stCondLst>
+                            <p:childTnLst>
                               <p:par>
-                                <p:cTn id="35" presetID="1" presetClass="entr" presetSubtype="0" fill="hold" grpId="0" nodeType="withEffect">
+                                <p:cTn id="37" presetID="1" presetClass="entr" presetSubtype="0" fill="hold" grpId="0" nodeType="clickEffect">
                                   <p:stCondLst>
                                     <p:cond delay="0"/>
                                   </p:stCondLst>
                                   <p:childTnLst>
                                     <p:set>
                                       <p:cBhvr>
-                                        <p:cTn id="36" dur="1" fill="hold">
+                                        <p:cTn id="38" dur="1" fill="hold">
                                           <p:stCondLst>
                                             <p:cond delay="0"/>
                                           </p:stCondLst>
@@ -32625,15 +32910,33 @@
                                   </p:childTnLst>
                                 </p:cTn>
                               </p:par>
+                            </p:childTnLst>
+                          </p:cTn>
+                        </p:par>
+                      </p:childTnLst>
+                    </p:cTn>
+                  </p:par>
+                  <p:par>
+                    <p:cTn id="39" fill="hold">
+                      <p:stCondLst>
+                        <p:cond delay="indefinite"/>
+                      </p:stCondLst>
+                      <p:childTnLst>
+                        <p:par>
+                          <p:cTn id="40" fill="hold">
+                            <p:stCondLst>
+                              <p:cond delay="0"/>
+                            </p:stCondLst>
+                            <p:childTnLst>
                               <p:par>
-                                <p:cTn id="37" presetID="1" presetClass="entr" presetSubtype="0" fill="hold" grpId="0" nodeType="withEffect">
+                                <p:cTn id="41" presetID="1" presetClass="entr" presetSubtype="0" fill="hold" grpId="0" nodeType="clickEffect">
                                   <p:stCondLst>
                                     <p:cond delay="0"/>
                                   </p:stCondLst>
                                   <p:childTnLst>
                                     <p:set>
                                       <p:cBhvr>
-                                        <p:cTn id="38" dur="1" fill="hold">
+                                        <p:cTn id="42" dur="1" fill="hold">
                                           <p:stCondLst>
                                             <p:cond delay="0"/>
                                           </p:stCondLst>
@@ -36911,26 +37214,35 @@
                                   </p:childTnLst>
                                 </p:cTn>
                               </p:par>
-                            </p:childTnLst>
-                          </p:cTn>
-                        </p:par>
-                      </p:childTnLst>
-                    </p:cTn>
-                  </p:par>
-                  <p:par>
-                    <p:cTn id="7" fill="hold">
-                      <p:stCondLst>
-                        <p:cond delay="indefinite"/>
-                      </p:stCondLst>
-                      <p:childTnLst>
-                        <p:par>
-                          <p:cTn id="8" fill="hold">
-                            <p:stCondLst>
-                              <p:cond delay="0"/>
-                            </p:stCondLst>
-                            <p:childTnLst>
                               <p:par>
-                                <p:cTn id="9" presetID="1" presetClass="entr" presetSubtype="0" fill="hold" nodeType="clickEffect">
+                                <p:cTn id="7" presetID="1" presetClass="entr" presetSubtype="0" fill="hold" nodeType="withEffect">
+                                  <p:stCondLst>
+                                    <p:cond delay="0"/>
+                                  </p:stCondLst>
+                                  <p:childTnLst>
+                                    <p:set>
+                                      <p:cBhvr>
+                                        <p:cTn id="8" dur="1" fill="hold">
+                                          <p:stCondLst>
+                                            <p:cond delay="0"/>
+                                          </p:stCondLst>
+                                        </p:cTn>
+                                        <p:tgtEl>
+                                          <p:spTgt spid="1026"/>
+                                        </p:tgtEl>
+                                        <p:attrNameLst>
+                                          <p:attrName>style.visibility</p:attrName>
+                                        </p:attrNameLst>
+                                      </p:cBhvr>
+                                      <p:to>
+                                        <p:strVal val="visible"/>
+                                      </p:to>
+                                    </p:set>
+                                  </p:childTnLst>
+                                </p:cTn>
+                              </p:par>
+                              <p:par>
+                                <p:cTn id="9" presetID="1" presetClass="entr" presetSubtype="0" fill="hold" nodeType="withEffect">
                                   <p:stCondLst>
                                     <p:cond delay="0"/>
                                   </p:stCondLst>
@@ -36945,7 +37257,7 @@
                                         <p:tgtEl>
                                           <p:spTgt spid="3">
                                             <p:txEl>
-                                              <p:pRg st="2" end="2"/>
+                                              <p:pRg st="6" end="6"/>
                                             </p:txEl>
                                           </p:spTgt>
                                         </p:tgtEl>
@@ -36994,7 +37306,7 @@
                                         <p:tgtEl>
                                           <p:spTgt spid="3">
                                             <p:txEl>
-                                              <p:pRg st="3" end="3"/>
+                                              <p:pRg st="2" end="2"/>
                                             </p:txEl>
                                           </p:spTgt>
                                         </p:tgtEl>
@@ -37043,36 +37355,9 @@
                                         <p:tgtEl>
                                           <p:spTgt spid="3">
                                             <p:txEl>
-                                              <p:pRg st="4" end="4"/>
+                                              <p:pRg st="3" end="3"/>
                                             </p:txEl>
                                           </p:spTgt>
-                                        </p:tgtEl>
-                                        <p:attrNameLst>
-                                          <p:attrName>style.visibility</p:attrName>
-                                        </p:attrNameLst>
-                                      </p:cBhvr>
-                                      <p:to>
-                                        <p:strVal val="visible"/>
-                                      </p:to>
-                                    </p:set>
-                                  </p:childTnLst>
-                                </p:cTn>
-                              </p:par>
-                              <p:par>
-                                <p:cTn id="19" presetID="1" presetClass="entr" presetSubtype="0" fill="hold" nodeType="withEffect">
-                                  <p:stCondLst>
-                                    <p:cond delay="0"/>
-                                  </p:stCondLst>
-                                  <p:childTnLst>
-                                    <p:set>
-                                      <p:cBhvr>
-                                        <p:cTn id="20" dur="1" fill="hold">
-                                          <p:stCondLst>
-                                            <p:cond delay="0"/>
-                                          </p:stCondLst>
-                                        </p:cTn>
-                                        <p:tgtEl>
-                                          <p:spTgt spid="1026"/>
                                         </p:tgtEl>
                                         <p:attrNameLst>
                                           <p:attrName>style.visibility</p:attrName>
@@ -37092,26 +37377,26 @@
                     </p:cTn>
                   </p:par>
                   <p:par>
-                    <p:cTn id="21" fill="hold">
+                    <p:cTn id="19" fill="hold">
                       <p:stCondLst>
                         <p:cond delay="indefinite"/>
                       </p:stCondLst>
                       <p:childTnLst>
                         <p:par>
-                          <p:cTn id="22" fill="hold">
+                          <p:cTn id="20" fill="hold">
                             <p:stCondLst>
                               <p:cond delay="0"/>
                             </p:stCondLst>
                             <p:childTnLst>
                               <p:par>
-                                <p:cTn id="23" presetID="1" presetClass="entr" presetSubtype="0" fill="hold" nodeType="clickEffect">
+                                <p:cTn id="21" presetID="1" presetClass="entr" presetSubtype="0" fill="hold" nodeType="clickEffect">
                                   <p:stCondLst>
                                     <p:cond delay="0"/>
                                   </p:stCondLst>
                                   <p:childTnLst>
                                     <p:set>
                                       <p:cBhvr>
-                                        <p:cTn id="24" dur="1" fill="hold">
+                                        <p:cTn id="22" dur="1" fill="hold">
                                           <p:stCondLst>
                                             <p:cond delay="0"/>
                                           </p:stCondLst>
@@ -37119,7 +37404,7 @@
                                         <p:tgtEl>
                                           <p:spTgt spid="3">
                                             <p:txEl>
-                                              <p:pRg st="6" end="6"/>
+                                              <p:pRg st="4" end="4"/>
                                             </p:txEl>
                                           </p:spTgt>
                                         </p:tgtEl>
@@ -37220,8 +37505,8 @@
           </a:p>
         </p:txBody>
       </p:sp>
-      <mc:AlternateContent xmlns:mc="http://schemas.openxmlformats.org/markup-compatibility/2006" xmlns:a14="http://schemas.microsoft.com/office/drawing/2010/main">
-        <mc:Choice Requires="a14">
+      <mc:AlternateContent xmlns:mc="http://schemas.openxmlformats.org/markup-compatibility/2006">
+        <mc:Choice xmlns:a14="http://schemas.microsoft.com/office/drawing/2010/main" Requires="a14">
           <p:sp>
             <p:nvSpPr>
               <p:cNvPr id="3" name="Content Placeholder 2">
@@ -37246,7 +37531,7 @@
             </p:spPr>
             <p:txBody>
               <a:bodyPr>
-                <a:normAutofit/>
+                <a:normAutofit fontScale="92500"/>
               </a:bodyPr>
               <a:lstStyle/>
               <a:p>
@@ -37264,7 +37549,7 @@
               <a:p>
                 <a:r>
                   <a:rPr lang="en-US" dirty="0"/>
-                  <a:t>The constrained problem is then:  </a:t>
+                  <a:t>The constrained problem:  </a:t>
                 </a:r>
               </a:p>
               <a:p>
@@ -37582,7 +37867,7 @@
               <a:p>
                 <a:r>
                   <a:rPr lang="en-US" dirty="0"/>
-                  <a:t>We can find the minimum by setting the derivative to 0   </a:t>
+                  <a:t>We can find the minimum by setting the derivative with respect to the community assignments to 0   </a:t>
                 </a:r>
               </a:p>
               <a:p>
@@ -37960,7 +38245,7 @@
             </p:txBody>
           </p:sp>
         </mc:Choice>
-        <mc:Fallback xmlns="">
+        <mc:Fallback>
           <p:sp>
             <p:nvSpPr>
               <p:cNvPr id="3" name="Content Placeholder 2">
@@ -37985,7 +38270,7 @@
               <a:blipFill>
                 <a:blip r:embed="rId2"/>
                 <a:stretch>
-                  <a:fillRect l="-1129" t="-1899"/>
+                  <a:fillRect l="-1016" t="-1788"/>
                 </a:stretch>
               </a:blipFill>
             </p:spPr>
@@ -38050,38 +38335,7 @@
                                         <p:tgtEl>
                                           <p:spTgt spid="3">
                                             <p:txEl>
-                                              <p:pRg st="1" end="1"/>
-                                            </p:txEl>
-                                          </p:spTgt>
-                                        </p:tgtEl>
-                                        <p:attrNameLst>
-                                          <p:attrName>style.visibility</p:attrName>
-                                        </p:attrNameLst>
-                                      </p:cBhvr>
-                                      <p:to>
-                                        <p:strVal val="visible"/>
-                                      </p:to>
-                                    </p:set>
-                                  </p:childTnLst>
-                                </p:cTn>
-                              </p:par>
-                              <p:par>
-                                <p:cTn id="7" presetID="1" presetClass="entr" presetSubtype="0" fill="hold" nodeType="withEffect">
-                                  <p:stCondLst>
-                                    <p:cond delay="0"/>
-                                  </p:stCondLst>
-                                  <p:childTnLst>
-                                    <p:set>
-                                      <p:cBhvr>
-                                        <p:cTn id="8" dur="1" fill="hold">
-                                          <p:stCondLst>
-                                            <p:cond delay="0"/>
-                                          </p:stCondLst>
-                                        </p:cTn>
-                                        <p:tgtEl>
-                                          <p:spTgt spid="3">
-                                            <p:txEl>
-                                              <p:pRg st="2" end="2"/>
+                                              <p:pRg st="3" end="3"/>
                                             </p:txEl>
                                           </p:spTgt>
                                         </p:tgtEl>
@@ -38103,57 +38357,26 @@
                     </p:cTn>
                   </p:par>
                   <p:par>
-                    <p:cTn id="9" fill="hold">
+                    <p:cTn id="7" fill="hold">
                       <p:stCondLst>
                         <p:cond delay="indefinite"/>
                       </p:stCondLst>
                       <p:childTnLst>
                         <p:par>
-                          <p:cTn id="10" fill="hold">
+                          <p:cTn id="8" fill="hold">
                             <p:stCondLst>
                               <p:cond delay="0"/>
                             </p:stCondLst>
                             <p:childTnLst>
                               <p:par>
-                                <p:cTn id="11" presetID="1" presetClass="entr" presetSubtype="0" fill="hold" nodeType="clickEffect">
+                                <p:cTn id="9" presetID="1" presetClass="entr" presetSubtype="0" fill="hold" nodeType="clickEffect">
                                   <p:stCondLst>
                                     <p:cond delay="0"/>
                                   </p:stCondLst>
                                   <p:childTnLst>
                                     <p:set>
                                       <p:cBhvr>
-                                        <p:cTn id="12" dur="1" fill="hold">
-                                          <p:stCondLst>
-                                            <p:cond delay="0"/>
-                                          </p:stCondLst>
-                                        </p:cTn>
-                                        <p:tgtEl>
-                                          <p:spTgt spid="3">
-                                            <p:txEl>
-                                              <p:pRg st="3" end="3"/>
-                                            </p:txEl>
-                                          </p:spTgt>
-                                        </p:tgtEl>
-                                        <p:attrNameLst>
-                                          <p:attrName>style.visibility</p:attrName>
-                                        </p:attrNameLst>
-                                      </p:cBhvr>
-                                      <p:to>
-                                        <p:strVal val="visible"/>
-                                      </p:to>
-                                    </p:set>
-                                  </p:childTnLst>
-                                </p:cTn>
-                              </p:par>
-                              <p:par>
-                                <p:cTn id="13" presetID="1" presetClass="entr" presetSubtype="0" fill="hold" nodeType="withEffect">
-                                  <p:stCondLst>
-                                    <p:cond delay="0"/>
-                                  </p:stCondLst>
-                                  <p:childTnLst>
-                                    <p:set>
-                                      <p:cBhvr>
-                                        <p:cTn id="14" dur="1" fill="hold">
+                                        <p:cTn id="10" dur="1" fill="hold">
                                           <p:stCondLst>
                                             <p:cond delay="0"/>
                                           </p:stCondLst>
@@ -38176,33 +38399,15 @@
                                   </p:childTnLst>
                                 </p:cTn>
                               </p:par>
-                            </p:childTnLst>
-                          </p:cTn>
-                        </p:par>
-                      </p:childTnLst>
-                    </p:cTn>
-                  </p:par>
-                  <p:par>
-                    <p:cTn id="15" fill="hold">
-                      <p:stCondLst>
-                        <p:cond delay="indefinite"/>
-                      </p:stCondLst>
-                      <p:childTnLst>
-                        <p:par>
-                          <p:cTn id="16" fill="hold">
-                            <p:stCondLst>
-                              <p:cond delay="0"/>
-                            </p:stCondLst>
-                            <p:childTnLst>
                               <p:par>
-                                <p:cTn id="17" presetID="1" presetClass="entr" presetSubtype="0" fill="hold" nodeType="clickEffect">
+                                <p:cTn id="11" presetID="1" presetClass="entr" presetSubtype="0" fill="hold" nodeType="withEffect">
                                   <p:stCondLst>
                                     <p:cond delay="0"/>
                                   </p:stCondLst>
                                   <p:childTnLst>
                                     <p:set>
                                       <p:cBhvr>
-                                        <p:cTn id="18" dur="1" fill="hold">
+                                        <p:cTn id="12" dur="1" fill="hold">
                                           <p:stCondLst>
                                             <p:cond delay="0"/>
                                           </p:stCondLst>
@@ -38232,26 +38437,26 @@
                     </p:cTn>
                   </p:par>
                   <p:par>
-                    <p:cTn id="19" fill="hold">
+                    <p:cTn id="13" fill="hold">
                       <p:stCondLst>
                         <p:cond delay="indefinite"/>
                       </p:stCondLst>
                       <p:childTnLst>
                         <p:par>
-                          <p:cTn id="20" fill="hold">
+                          <p:cTn id="14" fill="hold">
                             <p:stCondLst>
                               <p:cond delay="0"/>
                             </p:stCondLst>
                             <p:childTnLst>
                               <p:par>
-                                <p:cTn id="21" presetID="1" presetClass="entr" presetSubtype="0" fill="hold" nodeType="clickEffect">
+                                <p:cTn id="15" presetID="1" presetClass="entr" presetSubtype="0" fill="hold" nodeType="clickEffect">
                                   <p:stCondLst>
                                     <p:cond delay="0"/>
                                   </p:stCondLst>
                                   <p:childTnLst>
                                     <p:set>
                                       <p:cBhvr>
-                                        <p:cTn id="22" dur="1" fill="hold">
+                                        <p:cTn id="16" dur="1" fill="hold">
                                           <p:stCondLst>
                                             <p:cond delay="0"/>
                                           </p:stCondLst>
@@ -38275,14 +38480,14 @@
                                 </p:cTn>
                               </p:par>
                               <p:par>
-                                <p:cTn id="23" presetID="1" presetClass="entr" presetSubtype="0" fill="hold" nodeType="withEffect">
+                                <p:cTn id="17" presetID="1" presetClass="entr" presetSubtype="0" fill="hold" nodeType="withEffect">
                                   <p:stCondLst>
                                     <p:cond delay="0"/>
                                   </p:stCondLst>
                                   <p:childTnLst>
                                     <p:set>
                                       <p:cBhvr>
-                                        <p:cTn id="24" dur="1" fill="hold">
+                                        <p:cTn id="18" dur="1" fill="hold">
                                           <p:stCondLst>
                                             <p:cond delay="0"/>
                                           </p:stCondLst>
@@ -40009,8 +40214,8 @@
           </a:p>
         </p:txBody>
       </p:sp>
-      <mc:AlternateContent xmlns:mc="http://schemas.openxmlformats.org/markup-compatibility/2006" xmlns:a14="http://schemas.microsoft.com/office/drawing/2010/main">
-        <mc:Choice Requires="a14">
+      <mc:AlternateContent xmlns:mc="http://schemas.openxmlformats.org/markup-compatibility/2006">
+        <mc:Choice xmlns:a14="http://schemas.microsoft.com/office/drawing/2010/main" Requires="a14">
           <p:sp>
             <p:nvSpPr>
               <p:cNvPr id="3" name="Content Placeholder 2">
@@ -40298,15 +40503,12 @@
                 <a:pPr marL="0" indent="0">
                   <a:buNone/>
                 </a:pPr>
-                <a:r>
-                  <a:rPr lang="en-US" dirty="0"/>
-                  <a:t>  </a:t>
-                </a:r>
+                <a:endParaRPr lang="en-US" dirty="0"/>
               </a:p>
             </p:txBody>
           </p:sp>
         </mc:Choice>
-        <mc:Fallback xmlns="">
+        <mc:Fallback>
           <p:sp>
             <p:nvSpPr>
               <p:cNvPr id="3" name="Content Placeholder 2">
@@ -40360,6 +40562,343 @@
   <p:clrMapOvr>
     <a:masterClrMapping/>
   </p:clrMapOvr>
+  <p:timing>
+    <p:tnLst>
+      <p:par>
+        <p:cTn id="1" dur="indefinite" restart="never" nodeType="tmRoot">
+          <p:childTnLst>
+            <p:seq concurrent="1" nextAc="seek">
+              <p:cTn id="2" dur="indefinite" nodeType="mainSeq">
+                <p:childTnLst>
+                  <p:par>
+                    <p:cTn id="3" fill="hold">
+                      <p:stCondLst>
+                        <p:cond delay="indefinite"/>
+                      </p:stCondLst>
+                      <p:childTnLst>
+                        <p:par>
+                          <p:cTn id="4" fill="hold">
+                            <p:stCondLst>
+                              <p:cond delay="0"/>
+                            </p:stCondLst>
+                            <p:childTnLst>
+                              <p:par>
+                                <p:cTn id="5" presetID="1" presetClass="entr" presetSubtype="0" fill="hold" nodeType="clickEffect">
+                                  <p:stCondLst>
+                                    <p:cond delay="0"/>
+                                  </p:stCondLst>
+                                  <p:childTnLst>
+                                    <p:set>
+                                      <p:cBhvr>
+                                        <p:cTn id="6" dur="1" fill="hold">
+                                          <p:stCondLst>
+                                            <p:cond delay="0"/>
+                                          </p:stCondLst>
+                                        </p:cTn>
+                                        <p:tgtEl>
+                                          <p:spTgt spid="3">
+                                            <p:txEl>
+                                              <p:pRg st="1" end="1"/>
+                                            </p:txEl>
+                                          </p:spTgt>
+                                        </p:tgtEl>
+                                        <p:attrNameLst>
+                                          <p:attrName>style.visibility</p:attrName>
+                                        </p:attrNameLst>
+                                      </p:cBhvr>
+                                      <p:to>
+                                        <p:strVal val="visible"/>
+                                      </p:to>
+                                    </p:set>
+                                  </p:childTnLst>
+                                </p:cTn>
+                              </p:par>
+                              <p:par>
+                                <p:cTn id="7" presetID="1" presetClass="entr" presetSubtype="0" fill="hold" nodeType="withEffect">
+                                  <p:stCondLst>
+                                    <p:cond delay="0"/>
+                                  </p:stCondLst>
+                                  <p:childTnLst>
+                                    <p:set>
+                                      <p:cBhvr>
+                                        <p:cTn id="8" dur="1" fill="hold">
+                                          <p:stCondLst>
+                                            <p:cond delay="0"/>
+                                          </p:stCondLst>
+                                        </p:cTn>
+                                        <p:tgtEl>
+                                          <p:spTgt spid="3">
+                                            <p:txEl>
+                                              <p:pRg st="2" end="2"/>
+                                            </p:txEl>
+                                          </p:spTgt>
+                                        </p:tgtEl>
+                                        <p:attrNameLst>
+                                          <p:attrName>style.visibility</p:attrName>
+                                        </p:attrNameLst>
+                                      </p:cBhvr>
+                                      <p:to>
+                                        <p:strVal val="visible"/>
+                                      </p:to>
+                                    </p:set>
+                                  </p:childTnLst>
+                                </p:cTn>
+                              </p:par>
+                            </p:childTnLst>
+                          </p:cTn>
+                        </p:par>
+                      </p:childTnLst>
+                    </p:cTn>
+                  </p:par>
+                  <p:par>
+                    <p:cTn id="9" fill="hold">
+                      <p:stCondLst>
+                        <p:cond delay="indefinite"/>
+                      </p:stCondLst>
+                      <p:childTnLst>
+                        <p:par>
+                          <p:cTn id="10" fill="hold">
+                            <p:stCondLst>
+                              <p:cond delay="0"/>
+                            </p:stCondLst>
+                            <p:childTnLst>
+                              <p:par>
+                                <p:cTn id="11" presetID="1" presetClass="entr" presetSubtype="0" fill="hold" nodeType="clickEffect">
+                                  <p:stCondLst>
+                                    <p:cond delay="0"/>
+                                  </p:stCondLst>
+                                  <p:childTnLst>
+                                    <p:set>
+                                      <p:cBhvr>
+                                        <p:cTn id="12" dur="1" fill="hold">
+                                          <p:stCondLst>
+                                            <p:cond delay="0"/>
+                                          </p:stCondLst>
+                                        </p:cTn>
+                                        <p:tgtEl>
+                                          <p:spTgt spid="3">
+                                            <p:txEl>
+                                              <p:pRg st="3" end="3"/>
+                                            </p:txEl>
+                                          </p:spTgt>
+                                        </p:tgtEl>
+                                        <p:attrNameLst>
+                                          <p:attrName>style.visibility</p:attrName>
+                                        </p:attrNameLst>
+                                      </p:cBhvr>
+                                      <p:to>
+                                        <p:strVal val="visible"/>
+                                      </p:to>
+                                    </p:set>
+                                  </p:childTnLst>
+                                </p:cTn>
+                              </p:par>
+                              <p:par>
+                                <p:cTn id="13" presetID="1" presetClass="entr" presetSubtype="0" fill="hold" nodeType="withEffect">
+                                  <p:stCondLst>
+                                    <p:cond delay="0"/>
+                                  </p:stCondLst>
+                                  <p:childTnLst>
+                                    <p:set>
+                                      <p:cBhvr>
+                                        <p:cTn id="14" dur="1" fill="hold">
+                                          <p:stCondLst>
+                                            <p:cond delay="0"/>
+                                          </p:stCondLst>
+                                        </p:cTn>
+                                        <p:tgtEl>
+                                          <p:spTgt spid="3">
+                                            <p:txEl>
+                                              <p:pRg st="4" end="4"/>
+                                            </p:txEl>
+                                          </p:spTgt>
+                                        </p:tgtEl>
+                                        <p:attrNameLst>
+                                          <p:attrName>style.visibility</p:attrName>
+                                        </p:attrNameLst>
+                                      </p:cBhvr>
+                                      <p:to>
+                                        <p:strVal val="visible"/>
+                                      </p:to>
+                                    </p:set>
+                                  </p:childTnLst>
+                                </p:cTn>
+                              </p:par>
+                            </p:childTnLst>
+                          </p:cTn>
+                        </p:par>
+                      </p:childTnLst>
+                    </p:cTn>
+                  </p:par>
+                  <p:par>
+                    <p:cTn id="15" fill="hold">
+                      <p:stCondLst>
+                        <p:cond delay="indefinite"/>
+                      </p:stCondLst>
+                      <p:childTnLst>
+                        <p:par>
+                          <p:cTn id="16" fill="hold">
+                            <p:stCondLst>
+                              <p:cond delay="0"/>
+                            </p:stCondLst>
+                            <p:childTnLst>
+                              <p:par>
+                                <p:cTn id="17" presetID="1" presetClass="entr" presetSubtype="0" fill="hold" nodeType="clickEffect">
+                                  <p:stCondLst>
+                                    <p:cond delay="0"/>
+                                  </p:stCondLst>
+                                  <p:childTnLst>
+                                    <p:set>
+                                      <p:cBhvr>
+                                        <p:cTn id="18" dur="1" fill="hold">
+                                          <p:stCondLst>
+                                            <p:cond delay="0"/>
+                                          </p:stCondLst>
+                                        </p:cTn>
+                                        <p:tgtEl>
+                                          <p:spTgt spid="3">
+                                            <p:txEl>
+                                              <p:pRg st="5" end="5"/>
+                                            </p:txEl>
+                                          </p:spTgt>
+                                        </p:tgtEl>
+                                        <p:attrNameLst>
+                                          <p:attrName>style.visibility</p:attrName>
+                                        </p:attrNameLst>
+                                      </p:cBhvr>
+                                      <p:to>
+                                        <p:strVal val="visible"/>
+                                      </p:to>
+                                    </p:set>
+                                  </p:childTnLst>
+                                </p:cTn>
+                              </p:par>
+                            </p:childTnLst>
+                          </p:cTn>
+                        </p:par>
+                      </p:childTnLst>
+                    </p:cTn>
+                  </p:par>
+                  <p:par>
+                    <p:cTn id="19" fill="hold">
+                      <p:stCondLst>
+                        <p:cond delay="indefinite"/>
+                      </p:stCondLst>
+                      <p:childTnLst>
+                        <p:par>
+                          <p:cTn id="20" fill="hold">
+                            <p:stCondLst>
+                              <p:cond delay="0"/>
+                            </p:stCondLst>
+                            <p:childTnLst>
+                              <p:par>
+                                <p:cTn id="21" presetID="1" presetClass="entr" presetSubtype="0" fill="hold" nodeType="clickEffect">
+                                  <p:stCondLst>
+                                    <p:cond delay="0"/>
+                                  </p:stCondLst>
+                                  <p:childTnLst>
+                                    <p:set>
+                                      <p:cBhvr>
+                                        <p:cTn id="22" dur="1" fill="hold">
+                                          <p:stCondLst>
+                                            <p:cond delay="0"/>
+                                          </p:stCondLst>
+                                        </p:cTn>
+                                        <p:tgtEl>
+                                          <p:spTgt spid="3">
+                                            <p:txEl>
+                                              <p:pRg st="6" end="6"/>
+                                            </p:txEl>
+                                          </p:spTgt>
+                                        </p:tgtEl>
+                                        <p:attrNameLst>
+                                          <p:attrName>style.visibility</p:attrName>
+                                        </p:attrNameLst>
+                                      </p:cBhvr>
+                                      <p:to>
+                                        <p:strVal val="visible"/>
+                                      </p:to>
+                                    </p:set>
+                                  </p:childTnLst>
+                                </p:cTn>
+                              </p:par>
+                            </p:childTnLst>
+                          </p:cTn>
+                        </p:par>
+                      </p:childTnLst>
+                    </p:cTn>
+                  </p:par>
+                  <p:par>
+                    <p:cTn id="23" fill="hold">
+                      <p:stCondLst>
+                        <p:cond delay="indefinite"/>
+                      </p:stCondLst>
+                      <p:childTnLst>
+                        <p:par>
+                          <p:cTn id="24" fill="hold">
+                            <p:stCondLst>
+                              <p:cond delay="0"/>
+                            </p:stCondLst>
+                            <p:childTnLst>
+                              <p:par>
+                                <p:cTn id="25" presetID="1" presetClass="entr" presetSubtype="0" fill="hold" nodeType="clickEffect">
+                                  <p:stCondLst>
+                                    <p:cond delay="0"/>
+                                  </p:stCondLst>
+                                  <p:childTnLst>
+                                    <p:set>
+                                      <p:cBhvr>
+                                        <p:cTn id="26" dur="1" fill="hold">
+                                          <p:stCondLst>
+                                            <p:cond delay="0"/>
+                                          </p:stCondLst>
+                                        </p:cTn>
+                                        <p:tgtEl>
+                                          <p:spTgt spid="3">
+                                            <p:txEl>
+                                              <p:pRg st="7" end="7"/>
+                                            </p:txEl>
+                                          </p:spTgt>
+                                        </p:tgtEl>
+                                        <p:attrNameLst>
+                                          <p:attrName>style.visibility</p:attrName>
+                                        </p:attrNameLst>
+                                      </p:cBhvr>
+                                      <p:to>
+                                        <p:strVal val="visible"/>
+                                      </p:to>
+                                    </p:set>
+                                  </p:childTnLst>
+                                </p:cTn>
+                              </p:par>
+                            </p:childTnLst>
+                          </p:cTn>
+                        </p:par>
+                      </p:childTnLst>
+                    </p:cTn>
+                  </p:par>
+                </p:childTnLst>
+              </p:cTn>
+              <p:prevCondLst>
+                <p:cond evt="onPrev" delay="0">
+                  <p:tgtEl>
+                    <p:sldTgt/>
+                  </p:tgtEl>
+                </p:cond>
+              </p:prevCondLst>
+              <p:nextCondLst>
+                <p:cond evt="onNext" delay="0">
+                  <p:tgtEl>
+                    <p:sldTgt/>
+                  </p:tgtEl>
+                </p:cond>
+              </p:nextCondLst>
+            </p:seq>
+          </p:childTnLst>
+        </p:cTn>
+      </p:par>
+    </p:tnLst>
+  </p:timing>
 </p:sld>
 </file>
 
@@ -40471,7 +41010,7 @@
           <a:p>
             <a:r>
               <a:rPr lang="en-US" dirty="0"/>
-              <a:t>Discover and partition distinct groups from the networks</a:t>
+              <a:t>Discover and partition distinct communities within the networks</a:t>
             </a:r>
           </a:p>
           <a:p>
@@ -41077,7 +41616,7 @@
             <a:pPr lvl="1"/>
             <a:r>
               <a:rPr lang="en-US" dirty="0"/>
-              <a:t>Homophily leads to denser connections in social networks </a:t>
+              <a:t>Homophily leads to denser connections within communities</a:t>
             </a:r>
           </a:p>
           <a:p>
@@ -41090,7 +41629,7 @@
             <a:pPr lvl="1"/>
             <a:r>
               <a:rPr lang="en-US" dirty="0"/>
-              <a:t>Fewer connections be nodes of different communities </a:t>
+              <a:t>Fewer connections between nodes of different communities </a:t>
             </a:r>
           </a:p>
           <a:p>
@@ -43453,7 +43992,7 @@
                                         <p:tgtEl>
                                           <p:spTgt spid="3">
                                             <p:txEl>
-                                              <p:pRg st="8" end="8"/>
+                                              <p:pRg st="7" end="7"/>
                                             </p:txEl>
                                           </p:spTgt>
                                         </p:tgtEl>
@@ -43502,7 +44041,7 @@
                                         <p:tgtEl>
                                           <p:spTgt spid="3">
                                             <p:txEl>
-                                              <p:pRg st="7" end="7"/>
+                                              <p:pRg st="8" end="8"/>
                                             </p:txEl>
                                           </p:spTgt>
                                         </p:tgtEl>

--- a/slides/9_SocialNetworkAnalysis.pptx
+++ b/slides/9_SocialNetworkAnalysis.pptx
@@ -4142,8 +4142,8 @@
           </a:p>
         </p:txBody>
       </p:sp>
-      <mc:AlternateContent xmlns:mc="http://schemas.openxmlformats.org/markup-compatibility/2006">
-        <mc:Choice xmlns:a14="http://schemas.microsoft.com/office/drawing/2010/main" Requires="a14">
+      <mc:AlternateContent xmlns:mc="http://schemas.openxmlformats.org/markup-compatibility/2006" xmlns:a14="http://schemas.microsoft.com/office/drawing/2010/main">
+        <mc:Choice Requires="a14">
           <p:sp>
             <p:nvSpPr>
               <p:cNvPr id="3" name="Content Placeholder 2">
@@ -4460,7 +4460,7 @@
             </p:txBody>
           </p:sp>
         </mc:Choice>
-        <mc:Fallback>
+        <mc:Fallback xmlns="">
           <p:sp>
             <p:nvSpPr>
               <p:cNvPr id="3" name="Content Placeholder 2">
@@ -4780,8 +4780,8 @@
           </a:p>
         </p:txBody>
       </p:sp>
-      <mc:AlternateContent xmlns:mc="http://schemas.openxmlformats.org/markup-compatibility/2006">
-        <mc:Choice xmlns:a14="http://schemas.microsoft.com/office/drawing/2010/main" Requires="a14">
+      <mc:AlternateContent xmlns:mc="http://schemas.openxmlformats.org/markup-compatibility/2006" xmlns:a14="http://schemas.microsoft.com/office/drawing/2010/main">
+        <mc:Choice Requires="a14">
           <p:sp>
             <p:nvSpPr>
               <p:cNvPr id="3" name="Content Placeholder 2">
@@ -5083,7 +5083,7 @@
             </p:txBody>
           </p:sp>
         </mc:Choice>
-        <mc:Fallback>
+        <mc:Fallback xmlns="">
           <p:sp>
             <p:nvSpPr>
               <p:cNvPr id="3" name="Content Placeholder 2">
@@ -8228,8 +8228,8 @@
           </a:p>
         </p:txBody>
       </p:sp>
-      <mc:AlternateContent xmlns:mc="http://schemas.openxmlformats.org/markup-compatibility/2006">
-        <mc:Choice xmlns:a14="http://schemas.microsoft.com/office/drawing/2010/main" Requires="a14">
+      <mc:AlternateContent xmlns:mc="http://schemas.openxmlformats.org/markup-compatibility/2006" xmlns:a14="http://schemas.microsoft.com/office/drawing/2010/main">
+        <mc:Choice Requires="a14">
           <p:sp>
             <p:nvSpPr>
               <p:cNvPr id="3" name="Content Placeholder 2">
@@ -8921,7 +8921,7 @@
             </p:txBody>
           </p:sp>
         </mc:Choice>
-        <mc:Fallback>
+        <mc:Fallback xmlns="">
           <p:sp>
             <p:nvSpPr>
               <p:cNvPr id="3" name="Content Placeholder 2">
@@ -14112,8 +14112,8 @@
           </a:p>
         </p:txBody>
       </p:sp>
-      <mc:AlternateContent xmlns:mc="http://schemas.openxmlformats.org/markup-compatibility/2006">
-        <mc:Choice xmlns:a14="http://schemas.microsoft.com/office/drawing/2010/main" Requires="a14">
+      <mc:AlternateContent xmlns:mc="http://schemas.openxmlformats.org/markup-compatibility/2006" xmlns:a14="http://schemas.microsoft.com/office/drawing/2010/main">
+        <mc:Choice Requires="a14">
           <p:sp>
             <p:nvSpPr>
               <p:cNvPr id="3" name="Content Placeholder 2">
@@ -14381,7 +14381,7 @@
             </p:txBody>
           </p:sp>
         </mc:Choice>
-        <mc:Fallback>
+        <mc:Fallback xmlns="">
           <p:sp>
             <p:nvSpPr>
               <p:cNvPr id="3" name="Content Placeholder 2">
@@ -21954,8 +21954,8 @@
           </a:p>
         </p:txBody>
       </p:sp>
-      <mc:AlternateContent xmlns:mc="http://schemas.openxmlformats.org/markup-compatibility/2006">
-        <mc:Choice xmlns:a14="http://schemas.microsoft.com/office/drawing/2010/main" Requires="a14">
+      <mc:AlternateContent xmlns:mc="http://schemas.openxmlformats.org/markup-compatibility/2006" xmlns:a14="http://schemas.microsoft.com/office/drawing/2010/main">
+        <mc:Choice Requires="a14">
           <p:sp>
             <p:nvSpPr>
               <p:cNvPr id="3" name="Content Placeholder 2">
@@ -22119,7 +22119,7 @@
             </p:txBody>
           </p:sp>
         </mc:Choice>
-        <mc:Fallback>
+        <mc:Fallback xmlns="">
           <p:sp>
             <p:nvSpPr>
               <p:cNvPr id="3" name="Content Placeholder 2">
@@ -22702,8 +22702,8 @@
           </a:p>
         </p:txBody>
       </p:sp>
-      <mc:AlternateContent xmlns:mc="http://schemas.openxmlformats.org/markup-compatibility/2006">
-        <mc:Choice xmlns:a14="http://schemas.microsoft.com/office/drawing/2010/main" Requires="a14">
+      <mc:AlternateContent xmlns:mc="http://schemas.openxmlformats.org/markup-compatibility/2006" xmlns:a14="http://schemas.microsoft.com/office/drawing/2010/main">
+        <mc:Choice Requires="a14">
           <p:sp>
             <p:nvSpPr>
               <p:cNvPr id="3" name="Content Placeholder 2">
@@ -22909,7 +22909,13 @@
                             <a:rPr lang="en-US" b="0" i="1" smtClean="0">
                               <a:latin typeface="Cambria Math" panose="02040503050406030204" pitchFamily="18" charset="0"/>
                             </a:rPr>
-                            <m:t>𝑠𝑡</m:t>
+                            <m:t>𝑠</m:t>
+                          </m:r>
+                          <m:r>
+                            <a:rPr lang="en-US" b="0" i="1" smtClean="0">
+                              <a:latin typeface="Cambria Math" panose="02040503050406030204" pitchFamily="18" charset="0"/>
+                            </a:rPr>
+                            <m:t>𝑡</m:t>
                           </m:r>
                         </m:sub>
                         <m:sup/>
@@ -23030,7 +23036,7 @@
             </p:txBody>
           </p:sp>
         </mc:Choice>
-        <mc:Fallback>
+        <mc:Fallback xmlns="">
           <p:sp>
             <p:nvSpPr>
               <p:cNvPr id="3" name="Content Placeholder 2">
@@ -25833,8 +25839,8 @@
           </a:p>
         </p:txBody>
       </p:sp>
-      <mc:AlternateContent xmlns:mc="http://schemas.openxmlformats.org/markup-compatibility/2006">
-        <mc:Choice xmlns:a14="http://schemas.microsoft.com/office/drawing/2010/main" Requires="a14">
+      <mc:AlternateContent xmlns:mc="http://schemas.openxmlformats.org/markup-compatibility/2006" xmlns:a14="http://schemas.microsoft.com/office/drawing/2010/main">
+        <mc:Choice Requires="a14">
           <p:sp>
             <p:nvSpPr>
               <p:cNvPr id="38" name="TextBox 37">
@@ -25903,7 +25909,7 @@
             </p:txBody>
           </p:sp>
         </mc:Choice>
-        <mc:Fallback>
+        <mc:Fallback xmlns="">
           <p:sp>
             <p:nvSpPr>
               <p:cNvPr id="38" name="TextBox 37">
@@ -25948,8 +25954,8 @@
           </p:sp>
         </mc:Fallback>
       </mc:AlternateContent>
-      <mc:AlternateContent xmlns:mc="http://schemas.openxmlformats.org/markup-compatibility/2006">
-        <mc:Choice xmlns:a14="http://schemas.microsoft.com/office/drawing/2010/main" Requires="a14">
+      <mc:AlternateContent xmlns:mc="http://schemas.openxmlformats.org/markup-compatibility/2006" xmlns:a14="http://schemas.microsoft.com/office/drawing/2010/main">
+        <mc:Choice Requires="a14">
           <p:sp>
             <p:nvSpPr>
               <p:cNvPr id="39" name="TextBox 38">
@@ -26018,7 +26024,7 @@
             </p:txBody>
           </p:sp>
         </mc:Choice>
-        <mc:Fallback>
+        <mc:Fallback xmlns="">
           <p:sp>
             <p:nvSpPr>
               <p:cNvPr id="39" name="TextBox 38">
@@ -26063,8 +26069,8 @@
           </p:sp>
         </mc:Fallback>
       </mc:AlternateContent>
-      <mc:AlternateContent xmlns:mc="http://schemas.openxmlformats.org/markup-compatibility/2006">
-        <mc:Choice xmlns:a14="http://schemas.microsoft.com/office/drawing/2010/main" Requires="a14">
+      <mc:AlternateContent xmlns:mc="http://schemas.openxmlformats.org/markup-compatibility/2006" xmlns:a14="http://schemas.microsoft.com/office/drawing/2010/main">
+        <mc:Choice Requires="a14">
           <p:sp>
             <p:nvSpPr>
               <p:cNvPr id="40" name="TextBox 39">
@@ -26133,7 +26139,7 @@
             </p:txBody>
           </p:sp>
         </mc:Choice>
-        <mc:Fallback>
+        <mc:Fallback xmlns="">
           <p:sp>
             <p:nvSpPr>
               <p:cNvPr id="40" name="TextBox 39">
@@ -26178,8 +26184,8 @@
           </p:sp>
         </mc:Fallback>
       </mc:AlternateContent>
-      <mc:AlternateContent xmlns:mc="http://schemas.openxmlformats.org/markup-compatibility/2006">
-        <mc:Choice xmlns:a14="http://schemas.microsoft.com/office/drawing/2010/main" Requires="a14">
+      <mc:AlternateContent xmlns:mc="http://schemas.openxmlformats.org/markup-compatibility/2006" xmlns:a14="http://schemas.microsoft.com/office/drawing/2010/main">
+        <mc:Choice Requires="a14">
           <p:sp>
             <p:nvSpPr>
               <p:cNvPr id="41" name="TextBox 40">
@@ -26248,7 +26254,7 @@
             </p:txBody>
           </p:sp>
         </mc:Choice>
-        <mc:Fallback>
+        <mc:Fallback xmlns="">
           <p:sp>
             <p:nvSpPr>
               <p:cNvPr id="41" name="TextBox 40">
@@ -29089,8 +29095,8 @@
           </a:p>
         </p:txBody>
       </p:sp>
-      <mc:AlternateContent xmlns:mc="http://schemas.openxmlformats.org/markup-compatibility/2006">
-        <mc:Choice xmlns:a14="http://schemas.microsoft.com/office/drawing/2010/main" Requires="a14">
+      <mc:AlternateContent xmlns:mc="http://schemas.openxmlformats.org/markup-compatibility/2006" xmlns:a14="http://schemas.microsoft.com/office/drawing/2010/main">
+        <mc:Choice Requires="a14">
           <p:sp>
             <p:nvSpPr>
               <p:cNvPr id="3" name="Content Placeholder 2">
@@ -29746,7 +29752,7 @@
             </p:txBody>
           </p:sp>
         </mc:Choice>
-        <mc:Fallback>
+        <mc:Fallback xmlns="">
           <p:sp>
             <p:nvSpPr>
               <p:cNvPr id="3" name="Content Placeholder 2">
@@ -36217,8 +36223,8 @@
           </a:p>
         </p:txBody>
       </p:sp>
-      <mc:AlternateContent xmlns:mc="http://schemas.openxmlformats.org/markup-compatibility/2006" xmlns:a14="http://schemas.microsoft.com/office/drawing/2010/main">
-        <mc:Choice Requires="a14">
+      <mc:AlternateContent xmlns:mc="http://schemas.openxmlformats.org/markup-compatibility/2006">
+        <mc:Choice xmlns:a14="http://schemas.microsoft.com/office/drawing/2010/main" Requires="a14">
           <p:sp>
             <p:nvSpPr>
               <p:cNvPr id="3" name="Content Placeholder 2">
@@ -36588,7 +36594,7 @@
                         <a:rPr lang="en-US" b="0" i="1" smtClean="0">
                           <a:latin typeface="Cambria Math" panose="02040503050406030204" pitchFamily="18" charset="0"/>
                         </a:rPr>
-                        <m:t>+</m:t>
+                        <m:t>−</m:t>
                       </m:r>
                       <m:r>
                         <a:rPr lang="en-US" b="0" i="1" smtClean="0">
@@ -36703,7 +36709,7 @@
             </p:txBody>
           </p:sp>
         </mc:Choice>
-        <mc:Fallback xmlns="">
+        <mc:Fallback>
           <p:sp>
             <p:nvSpPr>
               <p:cNvPr id="3" name="Content Placeholder 2">
@@ -36757,196 +36763,6 @@
   <p:clrMapOvr>
     <a:masterClrMapping/>
   </p:clrMapOvr>
-  <p:timing>
-    <p:tnLst>
-      <p:par>
-        <p:cTn id="1" dur="indefinite" restart="never" nodeType="tmRoot">
-          <p:childTnLst>
-            <p:seq concurrent="1" nextAc="seek">
-              <p:cTn id="2" dur="indefinite" nodeType="mainSeq">
-                <p:childTnLst>
-                  <p:par>
-                    <p:cTn id="3" fill="hold">
-                      <p:stCondLst>
-                        <p:cond delay="indefinite"/>
-                      </p:stCondLst>
-                      <p:childTnLst>
-                        <p:par>
-                          <p:cTn id="4" fill="hold">
-                            <p:stCondLst>
-                              <p:cond delay="0"/>
-                            </p:stCondLst>
-                            <p:childTnLst>
-                              <p:par>
-                                <p:cTn id="5" presetID="1" presetClass="entr" presetSubtype="0" fill="hold" nodeType="clickEffect">
-                                  <p:stCondLst>
-                                    <p:cond delay="0"/>
-                                  </p:stCondLst>
-                                  <p:childTnLst>
-                                    <p:set>
-                                      <p:cBhvr>
-                                        <p:cTn id="6" dur="1" fill="hold">
-                                          <p:stCondLst>
-                                            <p:cond delay="0"/>
-                                          </p:stCondLst>
-                                        </p:cTn>
-                                        <p:tgtEl>
-                                          <p:spTgt spid="3">
-                                            <p:txEl>
-                                              <p:pRg st="3" end="3"/>
-                                            </p:txEl>
-                                          </p:spTgt>
-                                        </p:tgtEl>
-                                        <p:attrNameLst>
-                                          <p:attrName>style.visibility</p:attrName>
-                                        </p:attrNameLst>
-                                      </p:cBhvr>
-                                      <p:to>
-                                        <p:strVal val="visible"/>
-                                      </p:to>
-                                    </p:set>
-                                  </p:childTnLst>
-                                </p:cTn>
-                              </p:par>
-                              <p:par>
-                                <p:cTn id="7" presetID="1" presetClass="entr" presetSubtype="0" fill="hold" nodeType="withEffect">
-                                  <p:stCondLst>
-                                    <p:cond delay="0"/>
-                                  </p:stCondLst>
-                                  <p:childTnLst>
-                                    <p:set>
-                                      <p:cBhvr>
-                                        <p:cTn id="8" dur="1" fill="hold">
-                                          <p:stCondLst>
-                                            <p:cond delay="0"/>
-                                          </p:stCondLst>
-                                        </p:cTn>
-                                        <p:tgtEl>
-                                          <p:spTgt spid="3">
-                                            <p:txEl>
-                                              <p:pRg st="4" end="4"/>
-                                            </p:txEl>
-                                          </p:spTgt>
-                                        </p:tgtEl>
-                                        <p:attrNameLst>
-                                          <p:attrName>style.visibility</p:attrName>
-                                        </p:attrNameLst>
-                                      </p:cBhvr>
-                                      <p:to>
-                                        <p:strVal val="visible"/>
-                                      </p:to>
-                                    </p:set>
-                                  </p:childTnLst>
-                                </p:cTn>
-                              </p:par>
-                            </p:childTnLst>
-                          </p:cTn>
-                        </p:par>
-                      </p:childTnLst>
-                    </p:cTn>
-                  </p:par>
-                  <p:par>
-                    <p:cTn id="9" fill="hold">
-                      <p:stCondLst>
-                        <p:cond delay="indefinite"/>
-                      </p:stCondLst>
-                      <p:childTnLst>
-                        <p:par>
-                          <p:cTn id="10" fill="hold">
-                            <p:stCondLst>
-                              <p:cond delay="0"/>
-                            </p:stCondLst>
-                            <p:childTnLst>
-                              <p:par>
-                                <p:cTn id="11" presetID="1" presetClass="entr" presetSubtype="0" fill="hold" nodeType="clickEffect">
-                                  <p:stCondLst>
-                                    <p:cond delay="0"/>
-                                  </p:stCondLst>
-                                  <p:childTnLst>
-                                    <p:set>
-                                      <p:cBhvr>
-                                        <p:cTn id="12" dur="1" fill="hold">
-                                          <p:stCondLst>
-                                            <p:cond delay="0"/>
-                                          </p:stCondLst>
-                                        </p:cTn>
-                                        <p:tgtEl>
-                                          <p:spTgt spid="3">
-                                            <p:txEl>
-                                              <p:pRg st="5" end="5"/>
-                                            </p:txEl>
-                                          </p:spTgt>
-                                        </p:tgtEl>
-                                        <p:attrNameLst>
-                                          <p:attrName>style.visibility</p:attrName>
-                                        </p:attrNameLst>
-                                      </p:cBhvr>
-                                      <p:to>
-                                        <p:strVal val="visible"/>
-                                      </p:to>
-                                    </p:set>
-                                  </p:childTnLst>
-                                </p:cTn>
-                              </p:par>
-                              <p:par>
-                                <p:cTn id="13" presetID="1" presetClass="entr" presetSubtype="0" fill="hold" nodeType="withEffect">
-                                  <p:stCondLst>
-                                    <p:cond delay="0"/>
-                                  </p:stCondLst>
-                                  <p:childTnLst>
-                                    <p:set>
-                                      <p:cBhvr>
-                                        <p:cTn id="14" dur="1" fill="hold">
-                                          <p:stCondLst>
-                                            <p:cond delay="0"/>
-                                          </p:stCondLst>
-                                        </p:cTn>
-                                        <p:tgtEl>
-                                          <p:spTgt spid="3">
-                                            <p:txEl>
-                                              <p:pRg st="6" end="6"/>
-                                            </p:txEl>
-                                          </p:spTgt>
-                                        </p:tgtEl>
-                                        <p:attrNameLst>
-                                          <p:attrName>style.visibility</p:attrName>
-                                        </p:attrNameLst>
-                                      </p:cBhvr>
-                                      <p:to>
-                                        <p:strVal val="visible"/>
-                                      </p:to>
-                                    </p:set>
-                                  </p:childTnLst>
-                                </p:cTn>
-                              </p:par>
-                            </p:childTnLst>
-                          </p:cTn>
-                        </p:par>
-                      </p:childTnLst>
-                    </p:cTn>
-                  </p:par>
-                </p:childTnLst>
-              </p:cTn>
-              <p:prevCondLst>
-                <p:cond evt="onPrev" delay="0">
-                  <p:tgtEl>
-                    <p:sldTgt/>
-                  </p:tgtEl>
-                </p:cond>
-              </p:prevCondLst>
-              <p:nextCondLst>
-                <p:cond evt="onNext" delay="0">
-                  <p:tgtEl>
-                    <p:sldTgt/>
-                  </p:tgtEl>
-                </p:cond>
-              </p:nextCondLst>
-            </p:seq>
-          </p:childTnLst>
-        </p:cTn>
-      </p:par>
-    </p:tnLst>
-  </p:timing>
 </p:sld>
 </file>
 
@@ -37663,7 +37479,7 @@
                         <a:rPr lang="en-US" b="0" i="1" smtClean="0">
                           <a:latin typeface="Cambria Math" panose="02040503050406030204" pitchFamily="18" charset="0"/>
                         </a:rPr>
-                        <m:t>+</m:t>
+                        <m:t>−</m:t>
                       </m:r>
                       <m:r>
                         <a:rPr lang="en-US" b="0" i="1" smtClean="0">
@@ -38299,245 +38115,6 @@
   <p:clrMapOvr>
     <a:masterClrMapping/>
   </p:clrMapOvr>
-  <p:timing>
-    <p:tnLst>
-      <p:par>
-        <p:cTn id="1" dur="indefinite" restart="never" nodeType="tmRoot">
-          <p:childTnLst>
-            <p:seq concurrent="1" nextAc="seek">
-              <p:cTn id="2" dur="indefinite" nodeType="mainSeq">
-                <p:childTnLst>
-                  <p:par>
-                    <p:cTn id="3" fill="hold">
-                      <p:stCondLst>
-                        <p:cond delay="indefinite"/>
-                      </p:stCondLst>
-                      <p:childTnLst>
-                        <p:par>
-                          <p:cTn id="4" fill="hold">
-                            <p:stCondLst>
-                              <p:cond delay="0"/>
-                            </p:stCondLst>
-                            <p:childTnLst>
-                              <p:par>
-                                <p:cTn id="5" presetID="1" presetClass="entr" presetSubtype="0" fill="hold" nodeType="clickEffect">
-                                  <p:stCondLst>
-                                    <p:cond delay="0"/>
-                                  </p:stCondLst>
-                                  <p:childTnLst>
-                                    <p:set>
-                                      <p:cBhvr>
-                                        <p:cTn id="6" dur="1" fill="hold">
-                                          <p:stCondLst>
-                                            <p:cond delay="0"/>
-                                          </p:stCondLst>
-                                        </p:cTn>
-                                        <p:tgtEl>
-                                          <p:spTgt spid="3">
-                                            <p:txEl>
-                                              <p:pRg st="3" end="3"/>
-                                            </p:txEl>
-                                          </p:spTgt>
-                                        </p:tgtEl>
-                                        <p:attrNameLst>
-                                          <p:attrName>style.visibility</p:attrName>
-                                        </p:attrNameLst>
-                                      </p:cBhvr>
-                                      <p:to>
-                                        <p:strVal val="visible"/>
-                                      </p:to>
-                                    </p:set>
-                                  </p:childTnLst>
-                                </p:cTn>
-                              </p:par>
-                            </p:childTnLst>
-                          </p:cTn>
-                        </p:par>
-                      </p:childTnLst>
-                    </p:cTn>
-                  </p:par>
-                  <p:par>
-                    <p:cTn id="7" fill="hold">
-                      <p:stCondLst>
-                        <p:cond delay="indefinite"/>
-                      </p:stCondLst>
-                      <p:childTnLst>
-                        <p:par>
-                          <p:cTn id="8" fill="hold">
-                            <p:stCondLst>
-                              <p:cond delay="0"/>
-                            </p:stCondLst>
-                            <p:childTnLst>
-                              <p:par>
-                                <p:cTn id="9" presetID="1" presetClass="entr" presetSubtype="0" fill="hold" nodeType="clickEffect">
-                                  <p:stCondLst>
-                                    <p:cond delay="0"/>
-                                  </p:stCondLst>
-                                  <p:childTnLst>
-                                    <p:set>
-                                      <p:cBhvr>
-                                        <p:cTn id="10" dur="1" fill="hold">
-                                          <p:stCondLst>
-                                            <p:cond delay="0"/>
-                                          </p:stCondLst>
-                                        </p:cTn>
-                                        <p:tgtEl>
-                                          <p:spTgt spid="3">
-                                            <p:txEl>
-                                              <p:pRg st="4" end="4"/>
-                                            </p:txEl>
-                                          </p:spTgt>
-                                        </p:tgtEl>
-                                        <p:attrNameLst>
-                                          <p:attrName>style.visibility</p:attrName>
-                                        </p:attrNameLst>
-                                      </p:cBhvr>
-                                      <p:to>
-                                        <p:strVal val="visible"/>
-                                      </p:to>
-                                    </p:set>
-                                  </p:childTnLst>
-                                </p:cTn>
-                              </p:par>
-                              <p:par>
-                                <p:cTn id="11" presetID="1" presetClass="entr" presetSubtype="0" fill="hold" nodeType="withEffect">
-                                  <p:stCondLst>
-                                    <p:cond delay="0"/>
-                                  </p:stCondLst>
-                                  <p:childTnLst>
-                                    <p:set>
-                                      <p:cBhvr>
-                                        <p:cTn id="12" dur="1" fill="hold">
-                                          <p:stCondLst>
-                                            <p:cond delay="0"/>
-                                          </p:stCondLst>
-                                        </p:cTn>
-                                        <p:tgtEl>
-                                          <p:spTgt spid="3">
-                                            <p:txEl>
-                                              <p:pRg st="5" end="5"/>
-                                            </p:txEl>
-                                          </p:spTgt>
-                                        </p:tgtEl>
-                                        <p:attrNameLst>
-                                          <p:attrName>style.visibility</p:attrName>
-                                        </p:attrNameLst>
-                                      </p:cBhvr>
-                                      <p:to>
-                                        <p:strVal val="visible"/>
-                                      </p:to>
-                                    </p:set>
-                                  </p:childTnLst>
-                                </p:cTn>
-                              </p:par>
-                            </p:childTnLst>
-                          </p:cTn>
-                        </p:par>
-                      </p:childTnLst>
-                    </p:cTn>
-                  </p:par>
-                  <p:par>
-                    <p:cTn id="13" fill="hold">
-                      <p:stCondLst>
-                        <p:cond delay="indefinite"/>
-                      </p:stCondLst>
-                      <p:childTnLst>
-                        <p:par>
-                          <p:cTn id="14" fill="hold">
-                            <p:stCondLst>
-                              <p:cond delay="0"/>
-                            </p:stCondLst>
-                            <p:childTnLst>
-                              <p:par>
-                                <p:cTn id="15" presetID="1" presetClass="entr" presetSubtype="0" fill="hold" nodeType="clickEffect">
-                                  <p:stCondLst>
-                                    <p:cond delay="0"/>
-                                  </p:stCondLst>
-                                  <p:childTnLst>
-                                    <p:set>
-                                      <p:cBhvr>
-                                        <p:cTn id="16" dur="1" fill="hold">
-                                          <p:stCondLst>
-                                            <p:cond delay="0"/>
-                                          </p:stCondLst>
-                                        </p:cTn>
-                                        <p:tgtEl>
-                                          <p:spTgt spid="3">
-                                            <p:txEl>
-                                              <p:pRg st="6" end="6"/>
-                                            </p:txEl>
-                                          </p:spTgt>
-                                        </p:tgtEl>
-                                        <p:attrNameLst>
-                                          <p:attrName>style.visibility</p:attrName>
-                                        </p:attrNameLst>
-                                      </p:cBhvr>
-                                      <p:to>
-                                        <p:strVal val="visible"/>
-                                      </p:to>
-                                    </p:set>
-                                  </p:childTnLst>
-                                </p:cTn>
-                              </p:par>
-                              <p:par>
-                                <p:cTn id="17" presetID="1" presetClass="entr" presetSubtype="0" fill="hold" nodeType="withEffect">
-                                  <p:stCondLst>
-                                    <p:cond delay="0"/>
-                                  </p:stCondLst>
-                                  <p:childTnLst>
-                                    <p:set>
-                                      <p:cBhvr>
-                                        <p:cTn id="18" dur="1" fill="hold">
-                                          <p:stCondLst>
-                                            <p:cond delay="0"/>
-                                          </p:stCondLst>
-                                        </p:cTn>
-                                        <p:tgtEl>
-                                          <p:spTgt spid="3">
-                                            <p:txEl>
-                                              <p:pRg st="7" end="7"/>
-                                            </p:txEl>
-                                          </p:spTgt>
-                                        </p:tgtEl>
-                                        <p:attrNameLst>
-                                          <p:attrName>style.visibility</p:attrName>
-                                        </p:attrNameLst>
-                                      </p:cBhvr>
-                                      <p:to>
-                                        <p:strVal val="visible"/>
-                                      </p:to>
-                                    </p:set>
-                                  </p:childTnLst>
-                                </p:cTn>
-                              </p:par>
-                            </p:childTnLst>
-                          </p:cTn>
-                        </p:par>
-                      </p:childTnLst>
-                    </p:cTn>
-                  </p:par>
-                </p:childTnLst>
-              </p:cTn>
-              <p:prevCondLst>
-                <p:cond evt="onPrev" delay="0">
-                  <p:tgtEl>
-                    <p:sldTgt/>
-                  </p:tgtEl>
-                </p:cond>
-              </p:prevCondLst>
-              <p:nextCondLst>
-                <p:cond evt="onNext" delay="0">
-                  <p:tgtEl>
-                    <p:sldTgt/>
-                  </p:tgtEl>
-                </p:cond>
-              </p:nextCondLst>
-            </p:seq>
-          </p:childTnLst>
-        </p:cTn>
-      </p:par>
-    </p:tnLst>
-  </p:timing>
 </p:sld>
 </file>
 
@@ -40214,8 +39791,8 @@
           </a:p>
         </p:txBody>
       </p:sp>
-      <mc:AlternateContent xmlns:mc="http://schemas.openxmlformats.org/markup-compatibility/2006">
-        <mc:Choice xmlns:a14="http://schemas.microsoft.com/office/drawing/2010/main" Requires="a14">
+      <mc:AlternateContent xmlns:mc="http://schemas.openxmlformats.org/markup-compatibility/2006" xmlns:a14="http://schemas.microsoft.com/office/drawing/2010/main">
+        <mc:Choice Requires="a14">
           <p:sp>
             <p:nvSpPr>
               <p:cNvPr id="3" name="Content Placeholder 2">
@@ -40508,7 +40085,7 @@
             </p:txBody>
           </p:sp>
         </mc:Choice>
-        <mc:Fallback>
+        <mc:Fallback xmlns="">
           <p:sp>
             <p:nvSpPr>
               <p:cNvPr id="3" name="Content Placeholder 2">
@@ -43366,8 +42943,8 @@
           </a:p>
         </p:txBody>
       </p:sp>
-      <mc:AlternateContent xmlns:mc="http://schemas.openxmlformats.org/markup-compatibility/2006">
-        <mc:Choice xmlns:a14="http://schemas.microsoft.com/office/drawing/2010/main" Requires="a14">
+      <mc:AlternateContent xmlns:mc="http://schemas.openxmlformats.org/markup-compatibility/2006" xmlns:a14="http://schemas.microsoft.com/office/drawing/2010/main">
+        <mc:Choice Requires="a14">
           <p:sp>
             <p:nvSpPr>
               <p:cNvPr id="3" name="Content Placeholder 2">
@@ -43559,7 +43136,7 @@
             </p:txBody>
           </p:sp>
         </mc:Choice>
-        <mc:Fallback>
+        <mc:Fallback xmlns="">
           <p:sp>
             <p:nvSpPr>
               <p:cNvPr id="3" name="Content Placeholder 2">

--- a/slides/9_SocialNetworkAnalysis.pptx
+++ b/slides/9_SocialNetworkAnalysis.pptx
@@ -238,7 +238,7 @@
           <a:p>
             <a:fld id="{D0D7D09A-089B-49AD-9380-9EDF59B0FA35}" type="datetimeFigureOut">
               <a:rPr lang="en-US" smtClean="0"/>
-              <a:t>7/28/2021</a:t>
+              <a:t>7/30/2021</a:t>
             </a:fld>
             <a:endParaRPr lang="en-US"/>
           </a:p>
@@ -652,7 +652,7 @@
           <a:p>
             <a:fld id="{66F7C53C-E5B1-464F-8287-06D868EDC1EC}" type="datetimeFigureOut">
               <a:rPr lang="en-US" smtClean="0"/>
-              <a:t>7/28/2021</a:t>
+              <a:t>7/30/2021</a:t>
             </a:fld>
             <a:endParaRPr lang="en-US"/>
           </a:p>
@@ -850,7 +850,7 @@
           <a:p>
             <a:fld id="{66F7C53C-E5B1-464F-8287-06D868EDC1EC}" type="datetimeFigureOut">
               <a:rPr lang="en-US" smtClean="0"/>
-              <a:t>7/28/2021</a:t>
+              <a:t>7/30/2021</a:t>
             </a:fld>
             <a:endParaRPr lang="en-US"/>
           </a:p>
@@ -1058,7 +1058,7 @@
           <a:p>
             <a:fld id="{66F7C53C-E5B1-464F-8287-06D868EDC1EC}" type="datetimeFigureOut">
               <a:rPr lang="en-US" smtClean="0"/>
-              <a:t>7/28/2021</a:t>
+              <a:t>7/30/2021</a:t>
             </a:fld>
             <a:endParaRPr lang="en-US"/>
           </a:p>
@@ -1256,7 +1256,7 @@
           <a:p>
             <a:fld id="{66F7C53C-E5B1-464F-8287-06D868EDC1EC}" type="datetimeFigureOut">
               <a:rPr lang="en-US" smtClean="0"/>
-              <a:t>7/28/2021</a:t>
+              <a:t>7/30/2021</a:t>
             </a:fld>
             <a:endParaRPr lang="en-US"/>
           </a:p>
@@ -1531,7 +1531,7 @@
           <a:p>
             <a:fld id="{66F7C53C-E5B1-464F-8287-06D868EDC1EC}" type="datetimeFigureOut">
               <a:rPr lang="en-US" smtClean="0"/>
-              <a:t>7/28/2021</a:t>
+              <a:t>7/30/2021</a:t>
             </a:fld>
             <a:endParaRPr lang="en-US"/>
           </a:p>
@@ -1796,7 +1796,7 @@
           <a:p>
             <a:fld id="{66F7C53C-E5B1-464F-8287-06D868EDC1EC}" type="datetimeFigureOut">
               <a:rPr lang="en-US" smtClean="0"/>
-              <a:t>7/28/2021</a:t>
+              <a:t>7/30/2021</a:t>
             </a:fld>
             <a:endParaRPr lang="en-US"/>
           </a:p>
@@ -2208,7 +2208,7 @@
           <a:p>
             <a:fld id="{66F7C53C-E5B1-464F-8287-06D868EDC1EC}" type="datetimeFigureOut">
               <a:rPr lang="en-US" smtClean="0"/>
-              <a:t>7/28/2021</a:t>
+              <a:t>7/30/2021</a:t>
             </a:fld>
             <a:endParaRPr lang="en-US"/>
           </a:p>
@@ -2349,7 +2349,7 @@
           <a:p>
             <a:fld id="{66F7C53C-E5B1-464F-8287-06D868EDC1EC}" type="datetimeFigureOut">
               <a:rPr lang="en-US" smtClean="0"/>
-              <a:t>7/28/2021</a:t>
+              <a:t>7/30/2021</a:t>
             </a:fld>
             <a:endParaRPr lang="en-US"/>
           </a:p>
@@ -2462,7 +2462,7 @@
           <a:p>
             <a:fld id="{66F7C53C-E5B1-464F-8287-06D868EDC1EC}" type="datetimeFigureOut">
               <a:rPr lang="en-US" smtClean="0"/>
-              <a:t>7/28/2021</a:t>
+              <a:t>7/30/2021</a:t>
             </a:fld>
             <a:endParaRPr lang="en-US"/>
           </a:p>
@@ -2773,7 +2773,7 @@
           <a:p>
             <a:fld id="{66F7C53C-E5B1-464F-8287-06D868EDC1EC}" type="datetimeFigureOut">
               <a:rPr lang="en-US" smtClean="0"/>
-              <a:t>7/28/2021</a:t>
+              <a:t>7/30/2021</a:t>
             </a:fld>
             <a:endParaRPr lang="en-US"/>
           </a:p>
@@ -3061,7 +3061,7 @@
           <a:p>
             <a:fld id="{66F7C53C-E5B1-464F-8287-06D868EDC1EC}" type="datetimeFigureOut">
               <a:rPr lang="en-US" smtClean="0"/>
-              <a:t>7/28/2021</a:t>
+              <a:t>7/30/2021</a:t>
             </a:fld>
             <a:endParaRPr lang="en-US"/>
           </a:p>
@@ -3302,7 +3302,7 @@
           <a:p>
             <a:fld id="{66F7C53C-E5B1-464F-8287-06D868EDC1EC}" type="datetimeFigureOut">
               <a:rPr lang="en-US" smtClean="0"/>
-              <a:t>7/28/2021</a:t>
+              <a:t>7/30/2021</a:t>
             </a:fld>
             <a:endParaRPr lang="en-US"/>
           </a:p>
@@ -4142,8 +4142,8 @@
           </a:p>
         </p:txBody>
       </p:sp>
-      <mc:AlternateContent xmlns:mc="http://schemas.openxmlformats.org/markup-compatibility/2006" xmlns:a14="http://schemas.microsoft.com/office/drawing/2010/main">
-        <mc:Choice Requires="a14">
+      <mc:AlternateContent xmlns:mc="http://schemas.openxmlformats.org/markup-compatibility/2006">
+        <mc:Choice xmlns:a14="http://schemas.microsoft.com/office/drawing/2010/main" Requires="a14">
           <p:sp>
             <p:nvSpPr>
               <p:cNvPr id="3" name="Content Placeholder 2">
@@ -4191,7 +4191,7 @@
                 </a:r>
                 <a:r>
                   <a:rPr lang="en-US" dirty="0"/>
-                  <a:t>is the average distance from a node to all other nodes in a graph component </a:t>
+                  <a:t>is the average inverse distance from a node to all other nodes in a graph component </a:t>
                 </a:r>
               </a:p>
               <a:p>
@@ -4460,7 +4460,7 @@
             </p:txBody>
           </p:sp>
         </mc:Choice>
-        <mc:Fallback xmlns="">
+        <mc:Fallback>
           <p:sp>
             <p:nvSpPr>
               <p:cNvPr id="3" name="Content Placeholder 2">
@@ -4485,7 +4485,7 @@
               <a:blipFill>
                 <a:blip r:embed="rId2"/>
                 <a:stretch>
-                  <a:fillRect l="-1159" t="-1790"/>
+                  <a:fillRect l="-1159" t="-1790" r="-1333"/>
                 </a:stretch>
               </a:blipFill>
             </p:spPr>
@@ -36477,235 +36477,6 @@
                 </a14:m>
                 <a:endParaRPr lang="en-US" dirty="0"/>
               </a:p>
-              <a:p>
-                <a:r>
-                  <a:rPr lang="en-US" dirty="0"/>
-                  <a:t>The constrained problem is then:  </a:t>
-                </a:r>
-              </a:p>
-              <a:p>
-                <a:pPr marL="0" indent="0">
-                  <a:buNone/>
-                </a:pPr>
-                <a14:m>
-                  <m:oMathPara xmlns:m="http://schemas.openxmlformats.org/officeDocument/2006/math">
-                    <m:oMathParaPr>
-                      <m:jc m:val="centerGroup"/>
-                    </m:oMathParaPr>
-                    <m:oMath xmlns:m="http://schemas.openxmlformats.org/officeDocument/2006/math">
-                      <m:func>
-                        <m:funcPr>
-                          <m:ctrlPr>
-                            <a:rPr lang="en-US" i="1" smtClean="0">
-                              <a:latin typeface="Cambria Math" panose="02040503050406030204" pitchFamily="18" charset="0"/>
-                            </a:rPr>
-                          </m:ctrlPr>
-                        </m:funcPr>
-                        <m:fName>
-                          <m:limLow>
-                            <m:limLowPr>
-                              <m:ctrlPr>
-                                <a:rPr lang="en-US" i="1" smtClean="0">
-                                  <a:latin typeface="Cambria Math" panose="02040503050406030204" pitchFamily="18" charset="0"/>
-                                </a:rPr>
-                              </m:ctrlPr>
-                            </m:limLowPr>
-                            <m:e>
-                              <m:r>
-                                <m:rPr>
-                                  <m:sty m:val="p"/>
-                                </m:rPr>
-                                <a:rPr lang="en-US" i="0" smtClean="0">
-                                  <a:latin typeface="Cambria Math" panose="02040503050406030204" pitchFamily="18" charset="0"/>
-                                </a:rPr>
-                                <m:t>max</m:t>
-                              </m:r>
-                            </m:e>
-                            <m:lim>
-                              <m:r>
-                                <a:rPr lang="en-US" b="0" i="1" smtClean="0">
-                                  <a:latin typeface="Cambria Math" panose="02040503050406030204" pitchFamily="18" charset="0"/>
-                                </a:rPr>
-                                <m:t>𝑠</m:t>
-                              </m:r>
-                            </m:lim>
-                          </m:limLow>
-                        </m:fName>
-                        <m:e>
-                          <m:f>
-                            <m:fPr>
-                              <m:ctrlPr>
-                                <a:rPr lang="en-US" i="1">
-                                  <a:latin typeface="Cambria Math" panose="02040503050406030204" pitchFamily="18" charset="0"/>
-                                </a:rPr>
-                              </m:ctrlPr>
-                            </m:fPr>
-                            <m:num>
-                              <m:r>
-                                <a:rPr lang="en-US" i="1">
-                                  <a:latin typeface="Cambria Math" panose="02040503050406030204" pitchFamily="18" charset="0"/>
-                                </a:rPr>
-                                <m:t>1</m:t>
-                              </m:r>
-                            </m:num>
-                            <m:den>
-                              <m:r>
-                                <a:rPr lang="en-US" i="1">
-                                  <a:latin typeface="Cambria Math" panose="02040503050406030204" pitchFamily="18" charset="0"/>
-                                </a:rPr>
-                                <m:t>2</m:t>
-                              </m:r>
-                            </m:den>
-                          </m:f>
-                          <m:sSup>
-                            <m:sSupPr>
-                              <m:ctrlPr>
-                                <a:rPr lang="en-US" i="1">
-                                  <a:latin typeface="Cambria Math" panose="02040503050406030204" pitchFamily="18" charset="0"/>
-                                </a:rPr>
-                              </m:ctrlPr>
-                            </m:sSupPr>
-                            <m:e>
-                              <m:r>
-                                <a:rPr lang="en-US" i="1">
-                                  <a:latin typeface="Cambria Math" panose="02040503050406030204" pitchFamily="18" charset="0"/>
-                                </a:rPr>
-                                <m:t>𝑠</m:t>
-                              </m:r>
-                            </m:e>
-                            <m:sup>
-                              <m:r>
-                                <a:rPr lang="en-US" i="1">
-                                  <a:latin typeface="Cambria Math" panose="02040503050406030204" pitchFamily="18" charset="0"/>
-                                </a:rPr>
-                                <m:t>𝑇</m:t>
-                              </m:r>
-                            </m:sup>
-                          </m:sSup>
-                          <m:r>
-                            <a:rPr lang="en-US" i="1">
-                              <a:latin typeface="Cambria Math" panose="02040503050406030204" pitchFamily="18" charset="0"/>
-                            </a:rPr>
-                            <m:t>𝐵𝑠</m:t>
-                          </m:r>
-                        </m:e>
-                      </m:func>
-                      <m:r>
-                        <a:rPr lang="en-US" b="0" i="1" smtClean="0">
-                          <a:latin typeface="Cambria Math" panose="02040503050406030204" pitchFamily="18" charset="0"/>
-                        </a:rPr>
-                        <m:t>−</m:t>
-                      </m:r>
-                      <m:r>
-                        <a:rPr lang="en-US" b="0" i="1" smtClean="0">
-                          <a:latin typeface="Cambria Math" panose="02040503050406030204" pitchFamily="18" charset="0"/>
-                          <a:ea typeface="Cambria Math" panose="02040503050406030204" pitchFamily="18" charset="0"/>
-                        </a:rPr>
-                        <m:t>𝜆</m:t>
-                      </m:r>
-                      <m:sSup>
-                        <m:sSupPr>
-                          <m:ctrlPr>
-                            <a:rPr lang="en-US" i="1">
-                              <a:latin typeface="Cambria Math" panose="02040503050406030204" pitchFamily="18" charset="0"/>
-                            </a:rPr>
-                          </m:ctrlPr>
-                        </m:sSupPr>
-                        <m:e>
-                          <m:r>
-                            <a:rPr lang="en-US" i="1">
-                              <a:latin typeface="Cambria Math" panose="02040503050406030204" pitchFamily="18" charset="0"/>
-                            </a:rPr>
-                            <m:t>𝑠</m:t>
-                          </m:r>
-                        </m:e>
-                        <m:sup>
-                          <m:r>
-                            <a:rPr lang="en-US" i="1">
-                              <a:latin typeface="Cambria Math" panose="02040503050406030204" pitchFamily="18" charset="0"/>
-                            </a:rPr>
-                            <m:t>𝑇</m:t>
-                          </m:r>
-                        </m:sup>
-                      </m:sSup>
-                      <m:r>
-                        <a:rPr lang="en-US" i="1">
-                          <a:latin typeface="Cambria Math" panose="02040503050406030204" pitchFamily="18" charset="0"/>
-                        </a:rPr>
-                        <m:t>𝑠</m:t>
-                      </m:r>
-                      <m:r>
-                        <a:rPr lang="en-US" b="0" i="1" smtClean="0">
-                          <a:latin typeface="Cambria Math" panose="02040503050406030204" pitchFamily="18" charset="0"/>
-                        </a:rPr>
-                        <m:t>,  </m:t>
-                      </m:r>
-                      <m:r>
-                        <a:rPr lang="en-US" b="0" i="1" smtClean="0">
-                          <a:latin typeface="Cambria Math" panose="02040503050406030204" pitchFamily="18" charset="0"/>
-                        </a:rPr>
-                        <m:t>𝑤h𝑒𝑟𝑒</m:t>
-                      </m:r>
-                      <m:r>
-                        <a:rPr lang="en-US" b="0" i="1" smtClean="0">
-                          <a:latin typeface="Cambria Math" panose="02040503050406030204" pitchFamily="18" charset="0"/>
-                        </a:rPr>
-                        <m:t> </m:t>
-                      </m:r>
-                      <m:r>
-                        <a:rPr lang="en-US" b="0" i="1" smtClean="0">
-                          <a:latin typeface="Cambria Math" panose="02040503050406030204" pitchFamily="18" charset="0"/>
-                          <a:ea typeface="Cambria Math" panose="02040503050406030204" pitchFamily="18" charset="0"/>
-                        </a:rPr>
-                        <m:t>𝜆</m:t>
-                      </m:r>
-                      <m:r>
-                        <a:rPr lang="en-US" b="0" i="1" smtClean="0">
-                          <a:latin typeface="Cambria Math" panose="02040503050406030204" pitchFamily="18" charset="0"/>
-                          <a:ea typeface="Cambria Math" panose="02040503050406030204" pitchFamily="18" charset="0"/>
-                        </a:rPr>
-                        <m:t> </m:t>
-                      </m:r>
-                      <m:r>
-                        <a:rPr lang="en-US" b="0" i="1" smtClean="0">
-                          <a:latin typeface="Cambria Math" panose="02040503050406030204" pitchFamily="18" charset="0"/>
-                          <a:ea typeface="Cambria Math" panose="02040503050406030204" pitchFamily="18" charset="0"/>
-                        </a:rPr>
-                        <m:t>𝑖𝑠</m:t>
-                      </m:r>
-                      <m:r>
-                        <a:rPr lang="en-US" b="0" i="1" smtClean="0">
-                          <a:latin typeface="Cambria Math" panose="02040503050406030204" pitchFamily="18" charset="0"/>
-                          <a:ea typeface="Cambria Math" panose="02040503050406030204" pitchFamily="18" charset="0"/>
-                        </a:rPr>
-                        <m:t> </m:t>
-                      </m:r>
-                      <m:r>
-                        <a:rPr lang="en-US" b="1" i="1" smtClean="0">
-                          <a:latin typeface="Cambria Math" panose="02040503050406030204" pitchFamily="18" charset="0"/>
-                          <a:ea typeface="Cambria Math" panose="02040503050406030204" pitchFamily="18" charset="0"/>
-                        </a:rPr>
-                        <m:t>𝑳𝒂𝒈𝒓𝒂𝒏𝒈𝒆</m:t>
-                      </m:r>
-                      <m:r>
-                        <a:rPr lang="en-US" b="1" i="1" smtClean="0">
-                          <a:latin typeface="Cambria Math" panose="02040503050406030204" pitchFamily="18" charset="0"/>
-                          <a:ea typeface="Cambria Math" panose="02040503050406030204" pitchFamily="18" charset="0"/>
-                        </a:rPr>
-                        <m:t> </m:t>
-                      </m:r>
-                      <m:r>
-                        <a:rPr lang="en-US" b="1" i="1" smtClean="0">
-                          <a:latin typeface="Cambria Math" panose="02040503050406030204" pitchFamily="18" charset="0"/>
-                          <a:ea typeface="Cambria Math" panose="02040503050406030204" pitchFamily="18" charset="0"/>
-                        </a:rPr>
-                        <m:t>𝒎𝒖𝒍𝒕𝒊𝒑𝒍𝒊𝒆𝒓</m:t>
-                      </m:r>
-                    </m:oMath>
-                  </m:oMathPara>
-                </a14:m>
-                <a:endParaRPr lang="en-US" b="1" dirty="0"/>
-              </a:p>
             </p:txBody>
           </p:sp>
         </mc:Choice>
@@ -37347,7 +37118,7 @@
             </p:spPr>
             <p:txBody>
               <a:bodyPr>
-                <a:normAutofit fontScale="92500"/>
+                <a:normAutofit fontScale="92500" lnSpcReduction="20000"/>
               </a:bodyPr>
               <a:lstStyle/>
               <a:p>
@@ -37417,113 +37188,246 @@
                           </m:limLow>
                         </m:fName>
                         <m:e>
-                          <m:f>
-                            <m:fPr>
+                          <m:nary>
+                            <m:naryPr>
+                              <m:chr m:val="∑"/>
+                              <m:supHide m:val="on"/>
                               <m:ctrlPr>
                                 <a:rPr lang="en-US" i="1">
                                   <a:latin typeface="Cambria Math" panose="02040503050406030204" pitchFamily="18" charset="0"/>
                                 </a:rPr>
                               </m:ctrlPr>
-                            </m:fPr>
-                            <m:num>
+                            </m:naryPr>
+                            <m:sub>
+                              <m:r>
+                                <m:rPr>
+                                  <m:brk m:alnAt="7"/>
+                                </m:rPr>
+                                <a:rPr lang="en-US" i="1">
+                                  <a:latin typeface="Cambria Math" panose="02040503050406030204" pitchFamily="18" charset="0"/>
+                                </a:rPr>
+                                <m:t>𝑗</m:t>
+                              </m:r>
                               <m:r>
                                 <a:rPr lang="en-US" i="1">
                                   <a:latin typeface="Cambria Math" panose="02040503050406030204" pitchFamily="18" charset="0"/>
                                 </a:rPr>
-                                <m:t>1</m:t>
+                                <m:t>,</m:t>
                               </m:r>
-                            </m:num>
-                            <m:den>
                               <m:r>
                                 <a:rPr lang="en-US" i="1">
                                   <a:latin typeface="Cambria Math" panose="02040503050406030204" pitchFamily="18" charset="0"/>
                                 </a:rPr>
-                                <m:t>2</m:t>
+                                <m:t>𝑘</m:t>
                               </m:r>
-                            </m:den>
-                          </m:f>
-                          <m:sSup>
-                            <m:sSupPr>
+                            </m:sub>
+                            <m:sup/>
+                            <m:e>
+                              <m:sSub>
+                                <m:sSubPr>
+                                  <m:ctrlPr>
+                                    <a:rPr lang="en-US" i="1">
+                                      <a:latin typeface="Cambria Math" panose="02040503050406030204" pitchFamily="18" charset="0"/>
+                                    </a:rPr>
+                                  </m:ctrlPr>
+                                </m:sSubPr>
+                                <m:e>
+                                  <m:r>
+                                    <a:rPr lang="en-US" i="1">
+                                      <a:latin typeface="Cambria Math" panose="02040503050406030204" pitchFamily="18" charset="0"/>
+                                    </a:rPr>
+                                    <m:t>𝐵</m:t>
+                                  </m:r>
+                                </m:e>
+                                <m:sub>
+                                  <m:r>
+                                    <a:rPr lang="en-US" i="1">
+                                      <a:latin typeface="Cambria Math" panose="02040503050406030204" pitchFamily="18" charset="0"/>
+                                    </a:rPr>
+                                    <m:t>𝑗</m:t>
+                                  </m:r>
+                                  <m:r>
+                                    <a:rPr lang="en-US" i="1">
+                                      <a:latin typeface="Cambria Math" panose="02040503050406030204" pitchFamily="18" charset="0"/>
+                                    </a:rPr>
+                                    <m:t>,</m:t>
+                                  </m:r>
+                                  <m:r>
+                                    <a:rPr lang="en-US" i="1">
+                                      <a:latin typeface="Cambria Math" panose="02040503050406030204" pitchFamily="18" charset="0"/>
+                                    </a:rPr>
+                                    <m:t>𝑘</m:t>
+                                  </m:r>
+                                </m:sub>
+                              </m:sSub>
+                              <m:sSub>
+                                <m:sSubPr>
+                                  <m:ctrlPr>
+                                    <a:rPr lang="en-US" i="1">
+                                      <a:latin typeface="Cambria Math" panose="02040503050406030204" pitchFamily="18" charset="0"/>
+                                    </a:rPr>
+                                  </m:ctrlPr>
+                                </m:sSubPr>
+                                <m:e>
+                                  <m:r>
+                                    <a:rPr lang="en-US" i="1">
+                                      <a:latin typeface="Cambria Math" panose="02040503050406030204" pitchFamily="18" charset="0"/>
+                                    </a:rPr>
+                                    <m:t>𝑠</m:t>
+                                  </m:r>
+                                </m:e>
+                                <m:sub>
+                                  <m:r>
+                                    <a:rPr lang="en-US" i="1">
+                                      <a:latin typeface="Cambria Math" panose="02040503050406030204" pitchFamily="18" charset="0"/>
+                                    </a:rPr>
+                                    <m:t>𝑗</m:t>
+                                  </m:r>
+                                </m:sub>
+                              </m:sSub>
+                              <m:sSub>
+                                <m:sSubPr>
+                                  <m:ctrlPr>
+                                    <a:rPr lang="en-US" i="1">
+                                      <a:latin typeface="Cambria Math" panose="02040503050406030204" pitchFamily="18" charset="0"/>
+                                    </a:rPr>
+                                  </m:ctrlPr>
+                                </m:sSubPr>
+                                <m:e>
+                                  <m:r>
+                                    <a:rPr lang="en-US" i="1">
+                                      <a:latin typeface="Cambria Math" panose="02040503050406030204" pitchFamily="18" charset="0"/>
+                                    </a:rPr>
+                                    <m:t>𝑠</m:t>
+                                  </m:r>
+                                </m:e>
+                                <m:sub>
+                                  <m:r>
+                                    <a:rPr lang="en-US" i="1">
+                                      <a:latin typeface="Cambria Math" panose="02040503050406030204" pitchFamily="18" charset="0"/>
+                                    </a:rPr>
+                                    <m:t>𝑘</m:t>
+                                  </m:r>
+                                </m:sub>
+                              </m:sSub>
+                              <m:r>
+                                <a:rPr lang="en-US" i="1">
+                                  <a:latin typeface="Cambria Math" panose="02040503050406030204" pitchFamily="18" charset="0"/>
+                                </a:rPr>
+                                <m:t>+</m:t>
+                              </m:r>
+                            </m:e>
+                          </m:nary>
+                          <m:r>
+                            <a:rPr lang="en-US" i="1">
+                              <a:latin typeface="Cambria Math" panose="02040503050406030204" pitchFamily="18" charset="0"/>
+                              <a:ea typeface="Cambria Math" panose="02040503050406030204" pitchFamily="18" charset="0"/>
+                            </a:rPr>
+                            <m:t>𝜆</m:t>
+                          </m:r>
+                          <m:d>
+                            <m:dPr>
                               <m:ctrlPr>
                                 <a:rPr lang="en-US" i="1">
                                   <a:latin typeface="Cambria Math" panose="02040503050406030204" pitchFamily="18" charset="0"/>
+                                  <a:ea typeface="Cambria Math" panose="02040503050406030204" pitchFamily="18" charset="0"/>
                                 </a:rPr>
                               </m:ctrlPr>
-                            </m:sSupPr>
+                            </m:dPr>
                             <m:e>
                               <m:r>
                                 <a:rPr lang="en-US" i="1">
                                   <a:latin typeface="Cambria Math" panose="02040503050406030204" pitchFamily="18" charset="0"/>
+                                  <a:ea typeface="Cambria Math" panose="02040503050406030204" pitchFamily="18" charset="0"/>
                                 </a:rPr>
-                                <m:t>𝑠</m:t>
+                                <m:t>𝑛</m:t>
                               </m:r>
-                            </m:e>
-                            <m:sup>
                               <m:r>
                                 <a:rPr lang="en-US" i="1">
                                   <a:latin typeface="Cambria Math" panose="02040503050406030204" pitchFamily="18" charset="0"/>
+                                  <a:ea typeface="Cambria Math" panose="02040503050406030204" pitchFamily="18" charset="0"/>
                                 </a:rPr>
-                                <m:t>𝑇</m:t>
+                                <m:t>−</m:t>
                               </m:r>
-                            </m:sup>
-                          </m:sSup>
-                          <m:r>
-                            <a:rPr lang="en-US" i="1">
-                              <a:latin typeface="Cambria Math" panose="02040503050406030204" pitchFamily="18" charset="0"/>
-                            </a:rPr>
-                            <m:t>𝐵𝑠</m:t>
-                          </m:r>
+                              <m:nary>
+                                <m:naryPr>
+                                  <m:chr m:val="∑"/>
+                                  <m:supHide m:val="on"/>
+                                  <m:ctrlPr>
+                                    <a:rPr lang="en-US" i="1">
+                                      <a:latin typeface="Cambria Math" panose="02040503050406030204" pitchFamily="18" charset="0"/>
+                                      <a:ea typeface="Cambria Math" panose="02040503050406030204" pitchFamily="18" charset="0"/>
+                                    </a:rPr>
+                                  </m:ctrlPr>
+                                </m:naryPr>
+                                <m:sub>
+                                  <m:r>
+                                    <m:rPr>
+                                      <m:brk m:alnAt="7"/>
+                                    </m:rPr>
+                                    <a:rPr lang="en-US" i="1">
+                                      <a:latin typeface="Cambria Math" panose="02040503050406030204" pitchFamily="18" charset="0"/>
+                                      <a:ea typeface="Cambria Math" panose="02040503050406030204" pitchFamily="18" charset="0"/>
+                                    </a:rPr>
+                                    <m:t>𝑖</m:t>
+                                  </m:r>
+                                </m:sub>
+                                <m:sup/>
+                                <m:e>
+                                  <m:sSubSup>
+                                    <m:sSubSupPr>
+                                      <m:ctrlPr>
+                                        <a:rPr lang="en-US" i="1">
+                                          <a:latin typeface="Cambria Math" panose="02040503050406030204" pitchFamily="18" charset="0"/>
+                                          <a:ea typeface="Cambria Math" panose="02040503050406030204" pitchFamily="18" charset="0"/>
+                                        </a:rPr>
+                                      </m:ctrlPr>
+                                    </m:sSubSupPr>
+                                    <m:e>
+                                      <m:r>
+                                        <a:rPr lang="en-US" i="1">
+                                          <a:latin typeface="Cambria Math" panose="02040503050406030204" pitchFamily="18" charset="0"/>
+                                          <a:ea typeface="Cambria Math" panose="02040503050406030204" pitchFamily="18" charset="0"/>
+                                        </a:rPr>
+                                        <m:t>𝑠</m:t>
+                                      </m:r>
+                                    </m:e>
+                                    <m:sub>
+                                      <m:r>
+                                        <a:rPr lang="en-US" i="1">
+                                          <a:latin typeface="Cambria Math" panose="02040503050406030204" pitchFamily="18" charset="0"/>
+                                          <a:ea typeface="Cambria Math" panose="02040503050406030204" pitchFamily="18" charset="0"/>
+                                        </a:rPr>
+                                        <m:t>𝑖</m:t>
+                                      </m:r>
+                                    </m:sub>
+                                    <m:sup>
+                                      <m:r>
+                                        <a:rPr lang="en-US" i="1">
+                                          <a:latin typeface="Cambria Math" panose="02040503050406030204" pitchFamily="18" charset="0"/>
+                                          <a:ea typeface="Cambria Math" panose="02040503050406030204" pitchFamily="18" charset="0"/>
+                                        </a:rPr>
+                                        <m:t>2</m:t>
+                                      </m:r>
+                                    </m:sup>
+                                  </m:sSubSup>
+                                </m:e>
+                              </m:nary>
+                            </m:e>
+                          </m:d>
                         </m:e>
                       </m:func>
                       <m:r>
                         <a:rPr lang="en-US" b="0" i="1" smtClean="0">
                           <a:latin typeface="Cambria Math" panose="02040503050406030204" pitchFamily="18" charset="0"/>
                         </a:rPr>
-                        <m:t>−</m:t>
-                      </m:r>
-                      <m:r>
-                        <a:rPr lang="en-US" b="0" i="1" smtClean="0">
-                          <a:latin typeface="Cambria Math" panose="02040503050406030204" pitchFamily="18" charset="0"/>
-                          <a:ea typeface="Cambria Math" panose="02040503050406030204" pitchFamily="18" charset="0"/>
-                        </a:rPr>
-                        <m:t>𝜆</m:t>
-                      </m:r>
-                      <m:sSup>
-                        <m:sSupPr>
-                          <m:ctrlPr>
-                            <a:rPr lang="en-US" i="1">
-                              <a:latin typeface="Cambria Math" panose="02040503050406030204" pitchFamily="18" charset="0"/>
-                            </a:rPr>
-                          </m:ctrlPr>
-                        </m:sSupPr>
-                        <m:e>
-                          <m:r>
-                            <a:rPr lang="en-US" i="1">
-                              <a:latin typeface="Cambria Math" panose="02040503050406030204" pitchFamily="18" charset="0"/>
-                            </a:rPr>
-                            <m:t>𝑠</m:t>
-                          </m:r>
-                        </m:e>
-                        <m:sup>
-                          <m:r>
-                            <a:rPr lang="en-US" i="1">
-                              <a:latin typeface="Cambria Math" panose="02040503050406030204" pitchFamily="18" charset="0"/>
-                            </a:rPr>
-                            <m:t>𝑇</m:t>
-                          </m:r>
-                        </m:sup>
-                      </m:sSup>
-                      <m:r>
-                        <a:rPr lang="en-US" i="1">
-                          <a:latin typeface="Cambria Math" panose="02040503050406030204" pitchFamily="18" charset="0"/>
-                        </a:rPr>
-                        <m:t>𝑠</m:t>
+                        <m:t>, </m:t>
                       </m:r>
                       <m:r>
                         <a:rPr lang="en-US" b="0" i="1" smtClean="0">
                           <a:latin typeface="Cambria Math" panose="02040503050406030204" pitchFamily="18" charset="0"/>
                         </a:rPr>
-                        <m:t>,  </m:t>
+                        <m:t> </m:t>
                       </m:r>
                       <m:r>
                         <a:rPr lang="en-US" b="0" i="1" smtClean="0">
@@ -38086,7 +37990,7 @@
               <a:blipFill>
                 <a:blip r:embed="rId2"/>
                 <a:stretch>
-                  <a:fillRect l="-1016" t="-1788"/>
+                  <a:fillRect l="-1016" t="-2905"/>
                 </a:stretch>
               </a:blipFill>
             </p:spPr>
@@ -42943,8 +42847,8 @@
           </a:p>
         </p:txBody>
       </p:sp>
-      <mc:AlternateContent xmlns:mc="http://schemas.openxmlformats.org/markup-compatibility/2006" xmlns:a14="http://schemas.microsoft.com/office/drawing/2010/main">
-        <mc:Choice Requires="a14">
+      <mc:AlternateContent xmlns:mc="http://schemas.openxmlformats.org/markup-compatibility/2006">
+        <mc:Choice xmlns:a14="http://schemas.microsoft.com/office/drawing/2010/main" Requires="a14">
           <p:sp>
             <p:nvSpPr>
               <p:cNvPr id="3" name="Content Placeholder 2">
@@ -43048,7 +42952,7 @@
                 </a:r>
                 <a:r>
                   <a:rPr lang="en-US" dirty="0"/>
-                  <a:t>is the average distance from a node to all other nodes in a graph component </a:t>
+                  <a:t>is the average inverse distance from a node to all other nodes in a graph component </a:t>
                 </a:r>
               </a:p>
               <a:p>
@@ -43136,7 +43040,7 @@
             </p:txBody>
           </p:sp>
         </mc:Choice>
-        <mc:Fallback xmlns="">
+        <mc:Fallback>
           <p:sp>
             <p:nvSpPr>
               <p:cNvPr id="3" name="Content Placeholder 2">
@@ -43161,7 +43065,7 @@
               <a:blipFill>
                 <a:blip r:embed="rId2"/>
                 <a:stretch>
-                  <a:fillRect l="-1159" t="-2461" r="-348"/>
+                  <a:fillRect l="-1159" t="-2461"/>
                 </a:stretch>
               </a:blipFill>
             </p:spPr>

--- a/slides/9_SocialNetworkAnalysis.pptx
+++ b/slides/9_SocialNetworkAnalysis.pptx
@@ -5,7 +5,7 @@
     <p:sldMasterId id="2147483648" r:id="rId1"/>
   </p:sldMasterIdLst>
   <p:notesMasterIdLst>
-    <p:notesMasterId r:id="rId46"/>
+    <p:notesMasterId r:id="rId52"/>
   </p:notesMasterIdLst>
   <p:sldIdLst>
     <p:sldId id="275" r:id="rId2"/>
@@ -19,39 +19,45 @@
     <p:sldId id="373" r:id="rId10"/>
     <p:sldId id="382" r:id="rId11"/>
     <p:sldId id="385" r:id="rId12"/>
-    <p:sldId id="349" r:id="rId13"/>
-    <p:sldId id="350" r:id="rId14"/>
-    <p:sldId id="352" r:id="rId15"/>
-    <p:sldId id="369" r:id="rId16"/>
-    <p:sldId id="355" r:id="rId17"/>
-    <p:sldId id="359" r:id="rId18"/>
-    <p:sldId id="360" r:id="rId19"/>
-    <p:sldId id="361" r:id="rId20"/>
-    <p:sldId id="381" r:id="rId21"/>
-    <p:sldId id="377" r:id="rId22"/>
-    <p:sldId id="379" r:id="rId23"/>
-    <p:sldId id="380" r:id="rId24"/>
-    <p:sldId id="351" r:id="rId25"/>
-    <p:sldId id="347" r:id="rId26"/>
-    <p:sldId id="383" r:id="rId27"/>
-    <p:sldId id="378" r:id="rId28"/>
-    <p:sldId id="384" r:id="rId29"/>
-    <p:sldId id="358" r:id="rId30"/>
-    <p:sldId id="354" r:id="rId31"/>
-    <p:sldId id="356" r:id="rId32"/>
-    <p:sldId id="357" r:id="rId33"/>
-    <p:sldId id="364" r:id="rId34"/>
-    <p:sldId id="365" r:id="rId35"/>
-    <p:sldId id="366" r:id="rId36"/>
-    <p:sldId id="367" r:id="rId37"/>
-    <p:sldId id="371" r:id="rId38"/>
-    <p:sldId id="368" r:id="rId39"/>
-    <p:sldId id="372" r:id="rId40"/>
-    <p:sldId id="374" r:id="rId41"/>
-    <p:sldId id="375" r:id="rId42"/>
-    <p:sldId id="370" r:id="rId43"/>
-    <p:sldId id="376" r:id="rId44"/>
-    <p:sldId id="387" r:id="rId45"/>
+    <p:sldId id="391" r:id="rId13"/>
+    <p:sldId id="349" r:id="rId14"/>
+    <p:sldId id="350" r:id="rId15"/>
+    <p:sldId id="352" r:id="rId16"/>
+    <p:sldId id="369" r:id="rId17"/>
+    <p:sldId id="355" r:id="rId18"/>
+    <p:sldId id="359" r:id="rId19"/>
+    <p:sldId id="390" r:id="rId20"/>
+    <p:sldId id="360" r:id="rId21"/>
+    <p:sldId id="361" r:id="rId22"/>
+    <p:sldId id="392" r:id="rId23"/>
+    <p:sldId id="393" r:id="rId24"/>
+    <p:sldId id="381" r:id="rId25"/>
+    <p:sldId id="377" r:id="rId26"/>
+    <p:sldId id="379" r:id="rId27"/>
+    <p:sldId id="380" r:id="rId28"/>
+    <p:sldId id="351" r:id="rId29"/>
+    <p:sldId id="347" r:id="rId30"/>
+    <p:sldId id="383" r:id="rId31"/>
+    <p:sldId id="378" r:id="rId32"/>
+    <p:sldId id="384" r:id="rId33"/>
+    <p:sldId id="358" r:id="rId34"/>
+    <p:sldId id="389" r:id="rId35"/>
+    <p:sldId id="354" r:id="rId36"/>
+    <p:sldId id="356" r:id="rId37"/>
+    <p:sldId id="357" r:id="rId38"/>
+    <p:sldId id="364" r:id="rId39"/>
+    <p:sldId id="365" r:id="rId40"/>
+    <p:sldId id="366" r:id="rId41"/>
+    <p:sldId id="367" r:id="rId42"/>
+    <p:sldId id="371" r:id="rId43"/>
+    <p:sldId id="368" r:id="rId44"/>
+    <p:sldId id="372" r:id="rId45"/>
+    <p:sldId id="374" r:id="rId46"/>
+    <p:sldId id="375" r:id="rId47"/>
+    <p:sldId id="370" r:id="rId48"/>
+    <p:sldId id="376" r:id="rId49"/>
+    <p:sldId id="394" r:id="rId50"/>
+    <p:sldId id="388" r:id="rId51"/>
   </p:sldIdLst>
   <p:sldSz cx="12192000" cy="6858000"/>
   <p:notesSz cx="6858000" cy="9144000"/>
@@ -240,7 +246,7 @@
           <a:p>
             <a:fld id="{D0D7D09A-089B-49AD-9380-9EDF59B0FA35}" type="datetimeFigureOut">
               <a:rPr lang="en-US" smtClean="0"/>
-              <a:t>7/21/2022</a:t>
+              <a:t>7/24/2022</a:t>
             </a:fld>
             <a:endParaRPr lang="en-US"/>
           </a:p>
@@ -654,7 +660,7 @@
           <a:p>
             <a:fld id="{66F7C53C-E5B1-464F-8287-06D868EDC1EC}" type="datetimeFigureOut">
               <a:rPr lang="en-US" smtClean="0"/>
-              <a:t>7/21/2022</a:t>
+              <a:t>7/24/2022</a:t>
             </a:fld>
             <a:endParaRPr lang="en-US"/>
           </a:p>
@@ -852,7 +858,7 @@
           <a:p>
             <a:fld id="{66F7C53C-E5B1-464F-8287-06D868EDC1EC}" type="datetimeFigureOut">
               <a:rPr lang="en-US" smtClean="0"/>
-              <a:t>7/21/2022</a:t>
+              <a:t>7/24/2022</a:t>
             </a:fld>
             <a:endParaRPr lang="en-US"/>
           </a:p>
@@ -1060,7 +1066,7 @@
           <a:p>
             <a:fld id="{66F7C53C-E5B1-464F-8287-06D868EDC1EC}" type="datetimeFigureOut">
               <a:rPr lang="en-US" smtClean="0"/>
-              <a:t>7/21/2022</a:t>
+              <a:t>7/24/2022</a:t>
             </a:fld>
             <a:endParaRPr lang="en-US"/>
           </a:p>
@@ -1258,7 +1264,7 @@
           <a:p>
             <a:fld id="{66F7C53C-E5B1-464F-8287-06D868EDC1EC}" type="datetimeFigureOut">
               <a:rPr lang="en-US" smtClean="0"/>
-              <a:t>7/21/2022</a:t>
+              <a:t>7/24/2022</a:t>
             </a:fld>
             <a:endParaRPr lang="en-US"/>
           </a:p>
@@ -1533,7 +1539,7 @@
           <a:p>
             <a:fld id="{66F7C53C-E5B1-464F-8287-06D868EDC1EC}" type="datetimeFigureOut">
               <a:rPr lang="en-US" smtClean="0"/>
-              <a:t>7/21/2022</a:t>
+              <a:t>7/24/2022</a:t>
             </a:fld>
             <a:endParaRPr lang="en-US"/>
           </a:p>
@@ -1798,7 +1804,7 @@
           <a:p>
             <a:fld id="{66F7C53C-E5B1-464F-8287-06D868EDC1EC}" type="datetimeFigureOut">
               <a:rPr lang="en-US" smtClean="0"/>
-              <a:t>7/21/2022</a:t>
+              <a:t>7/24/2022</a:t>
             </a:fld>
             <a:endParaRPr lang="en-US"/>
           </a:p>
@@ -2210,7 +2216,7 @@
           <a:p>
             <a:fld id="{66F7C53C-E5B1-464F-8287-06D868EDC1EC}" type="datetimeFigureOut">
               <a:rPr lang="en-US" smtClean="0"/>
-              <a:t>7/21/2022</a:t>
+              <a:t>7/24/2022</a:t>
             </a:fld>
             <a:endParaRPr lang="en-US"/>
           </a:p>
@@ -2351,7 +2357,7 @@
           <a:p>
             <a:fld id="{66F7C53C-E5B1-464F-8287-06D868EDC1EC}" type="datetimeFigureOut">
               <a:rPr lang="en-US" smtClean="0"/>
-              <a:t>7/21/2022</a:t>
+              <a:t>7/24/2022</a:t>
             </a:fld>
             <a:endParaRPr lang="en-US"/>
           </a:p>
@@ -2464,7 +2470,7 @@
           <a:p>
             <a:fld id="{66F7C53C-E5B1-464F-8287-06D868EDC1EC}" type="datetimeFigureOut">
               <a:rPr lang="en-US" smtClean="0"/>
-              <a:t>7/21/2022</a:t>
+              <a:t>7/24/2022</a:t>
             </a:fld>
             <a:endParaRPr lang="en-US"/>
           </a:p>
@@ -2775,7 +2781,7 @@
           <a:p>
             <a:fld id="{66F7C53C-E5B1-464F-8287-06D868EDC1EC}" type="datetimeFigureOut">
               <a:rPr lang="en-US" smtClean="0"/>
-              <a:t>7/21/2022</a:t>
+              <a:t>7/24/2022</a:t>
             </a:fld>
             <a:endParaRPr lang="en-US"/>
           </a:p>
@@ -3063,7 +3069,7 @@
           <a:p>
             <a:fld id="{66F7C53C-E5B1-464F-8287-06D868EDC1EC}" type="datetimeFigureOut">
               <a:rPr lang="en-US" smtClean="0"/>
-              <a:t>7/21/2022</a:t>
+              <a:t>7/24/2022</a:t>
             </a:fld>
             <a:endParaRPr lang="en-US"/>
           </a:p>
@@ -3304,7 +3310,7 @@
           <a:p>
             <a:fld id="{66F7C53C-E5B1-464F-8287-06D868EDC1EC}" type="datetimeFigureOut">
               <a:rPr lang="en-US" smtClean="0"/>
-              <a:t>7/21/2022</a:t>
+              <a:t>7/24/2022</a:t>
             </a:fld>
             <a:endParaRPr lang="en-US"/>
           </a:p>
@@ -5610,6 +5616,149 @@
 </file>
 
 <file path=ppt/slides/slide12.xml><?xml version="1.0" encoding="utf-8"?>
+<p:sld xmlns:a="http://schemas.openxmlformats.org/drawingml/2006/main" xmlns:r="http://schemas.openxmlformats.org/officeDocument/2006/relationships" xmlns:p="http://schemas.openxmlformats.org/presentationml/2006/main">
+  <p:cSld>
+    <p:spTree>
+      <p:nvGrpSpPr>
+        <p:cNvPr id="1" name=""/>
+        <p:cNvGrpSpPr/>
+        <p:nvPr/>
+      </p:nvGrpSpPr>
+      <p:grpSpPr>
+        <a:xfrm>
+          <a:off x="0" y="0"/>
+          <a:ext cx="0" cy="0"/>
+          <a:chOff x="0" y="0"/>
+          <a:chExt cx="0" cy="0"/>
+        </a:xfrm>
+      </p:grpSpPr>
+      <p:sp>
+        <p:nvSpPr>
+          <p:cNvPr id="2" name="Title 1">
+            <a:extLst>
+              <a:ext uri="{FF2B5EF4-FFF2-40B4-BE49-F238E27FC236}">
+                <a16:creationId xmlns:a16="http://schemas.microsoft.com/office/drawing/2014/main" id="{3B3EA3CE-8DB0-40A5-B4A6-AFCE2156CC1F}"/>
+              </a:ext>
+            </a:extLst>
+          </p:cNvPr>
+          <p:cNvSpPr>
+            <a:spLocks noGrp="1"/>
+          </p:cNvSpPr>
+          <p:nvPr>
+            <p:ph type="title"/>
+          </p:nvPr>
+        </p:nvSpPr>
+        <p:spPr>
+          <a:xfrm>
+            <a:off x="838200" y="365125"/>
+            <a:ext cx="10515600" cy="620993"/>
+          </a:xfrm>
+        </p:spPr>
+        <p:txBody>
+          <a:bodyPr>
+            <a:normAutofit fontScale="90000"/>
+          </a:bodyPr>
+          <a:lstStyle/>
+          <a:p>
+            <a:r>
+              <a:rPr lang="en-US" dirty="0">
+                <a:latin typeface="+mn-lt"/>
+              </a:rPr>
+              <a:t>Centrality in Communities </a:t>
+            </a:r>
+            <a:endParaRPr lang="en-US" dirty="0"/>
+          </a:p>
+        </p:txBody>
+      </p:sp>
+      <p:sp>
+        <p:nvSpPr>
+          <p:cNvPr id="3" name="Content Placeholder 2">
+            <a:extLst>
+              <a:ext uri="{FF2B5EF4-FFF2-40B4-BE49-F238E27FC236}">
+                <a16:creationId xmlns:a16="http://schemas.microsoft.com/office/drawing/2014/main" id="{CA03134D-F068-4BC9-B038-F3D5CBDDE3F9}"/>
+              </a:ext>
+            </a:extLst>
+          </p:cNvPr>
+          <p:cNvSpPr>
+            <a:spLocks noGrp="1"/>
+          </p:cNvSpPr>
+          <p:nvPr>
+            <p:ph idx="1"/>
+          </p:nvPr>
+        </p:nvSpPr>
+        <p:spPr>
+          <a:xfrm>
+            <a:off x="775447" y="1208868"/>
+            <a:ext cx="4077541" cy="5447426"/>
+          </a:xfrm>
+        </p:spPr>
+        <p:txBody>
+          <a:bodyPr>
+            <a:normAutofit/>
+          </a:bodyPr>
+          <a:lstStyle/>
+          <a:p>
+            <a:pPr marL="0" indent="0">
+              <a:buNone/>
+            </a:pPr>
+            <a:r>
+              <a:rPr lang="en-US" b="1" dirty="0"/>
+              <a:t>Example: Closeness centrality</a:t>
+            </a:r>
+            <a:r>
+              <a:rPr lang="en-US" dirty="0"/>
+              <a:t> is the ability of a node to exert influence on the network</a:t>
+            </a:r>
+          </a:p>
+          <a:p>
+            <a:endParaRPr lang="en-US" dirty="0"/>
+          </a:p>
+        </p:txBody>
+      </p:sp>
+      <p:pic>
+        <p:nvPicPr>
+          <p:cNvPr id="5" name="Picture 4">
+            <a:extLst>
+              <a:ext uri="{FF2B5EF4-FFF2-40B4-BE49-F238E27FC236}">
+                <a16:creationId xmlns:a16="http://schemas.microsoft.com/office/drawing/2014/main" id="{987D161F-AFF1-B8E8-0BCD-19558C79A750}"/>
+              </a:ext>
+            </a:extLst>
+          </p:cNvPr>
+          <p:cNvPicPr>
+            <a:picLocks noChangeAspect="1"/>
+          </p:cNvPicPr>
+          <p:nvPr/>
+        </p:nvPicPr>
+        <p:blipFill>
+          <a:blip r:embed="rId2"/>
+          <a:stretch>
+            <a:fillRect/>
+          </a:stretch>
+        </p:blipFill>
+        <p:spPr>
+          <a:xfrm>
+            <a:off x="4815559" y="1062764"/>
+            <a:ext cx="7058253" cy="5685699"/>
+          </a:xfrm>
+          <a:prstGeom prst="rect">
+            <a:avLst/>
+          </a:prstGeom>
+        </p:spPr>
+      </p:pic>
+    </p:spTree>
+    <p:extLst>
+      <p:ext uri="{BB962C8B-B14F-4D97-AF65-F5344CB8AC3E}">
+        <p14:creationId xmlns:p14="http://schemas.microsoft.com/office/powerpoint/2010/main" val="479825153"/>
+      </p:ext>
+    </p:extLst>
+  </p:cSld>
+  <p:clrMapOvr>
+    <a:masterClrMapping/>
+  </p:clrMapOvr>
+</p:sld>
+</file>
+
+<file path=ppt/slides/slide13.xml><?xml version="1.0" encoding="utf-8"?>
 <p:sld xmlns:a="http://schemas.openxmlformats.org/drawingml/2006/main" xmlns:r="http://schemas.openxmlformats.org/officeDocument/2006/relationships" xmlns:p="http://schemas.openxmlformats.org/presentationml/2006/main">
   <p:cSld>
     <p:spTree>
@@ -8951,7 +9100,7 @@
 </p:sld>
 </file>
 
-<file path=ppt/slides/slide13.xml><?xml version="1.0" encoding="utf-8"?>
+<file path=ppt/slides/slide14.xml><?xml version="1.0" encoding="utf-8"?>
 <p:sld xmlns:a="http://schemas.openxmlformats.org/drawingml/2006/main" xmlns:r="http://schemas.openxmlformats.org/officeDocument/2006/relationships" xmlns:p="http://schemas.openxmlformats.org/presentationml/2006/main">
   <p:cSld>
     <p:spTree>
@@ -9907,7 +10056,7 @@
 </p:sld>
 </file>
 
-<file path=ppt/slides/slide14.xml><?xml version="1.0" encoding="utf-8"?>
+<file path=ppt/slides/slide15.xml><?xml version="1.0" encoding="utf-8"?>
 <p:sld xmlns:a="http://schemas.openxmlformats.org/drawingml/2006/main" xmlns:r="http://schemas.openxmlformats.org/officeDocument/2006/relationships" xmlns:p="http://schemas.openxmlformats.org/presentationml/2006/main">
   <p:cSld>
     <p:spTree>
@@ -10601,7 +10750,7 @@
 </p:sld>
 </file>
 
-<file path=ppt/slides/slide15.xml><?xml version="1.0" encoding="utf-8"?>
+<file path=ppt/slides/slide16.xml><?xml version="1.0" encoding="utf-8"?>
 <p:sld xmlns:a="http://schemas.openxmlformats.org/drawingml/2006/main" xmlns:r="http://schemas.openxmlformats.org/officeDocument/2006/relationships" xmlns:p="http://schemas.openxmlformats.org/presentationml/2006/main">
   <p:cSld>
     <p:spTree>
@@ -11011,7 +11160,7 @@
 </p:sld>
 </file>
 
-<file path=ppt/slides/slide16.xml><?xml version="1.0" encoding="utf-8"?>
+<file path=ppt/slides/slide17.xml><?xml version="1.0" encoding="utf-8"?>
 <p:sld xmlns:a="http://schemas.openxmlformats.org/drawingml/2006/main" xmlns:r="http://schemas.openxmlformats.org/officeDocument/2006/relationships" xmlns:p="http://schemas.openxmlformats.org/presentationml/2006/main">
   <p:cSld>
     <p:spTree>
@@ -12881,7 +13030,7 @@
 </p:sld>
 </file>
 
-<file path=ppt/slides/slide17.xml><?xml version="1.0" encoding="utf-8"?>
+<file path=ppt/slides/slide18.xml><?xml version="1.0" encoding="utf-8"?>
 <p:sld xmlns:a="http://schemas.openxmlformats.org/drawingml/2006/main" xmlns:r="http://schemas.openxmlformats.org/officeDocument/2006/relationships" xmlns:p="http://schemas.openxmlformats.org/presentationml/2006/main">
   <p:cSld>
     <p:spTree>
@@ -13845,7 +13994,7 @@
 </p:sld>
 </file>
 
-<file path=ppt/slides/slide18.xml><?xml version="1.0" encoding="utf-8"?>
+<file path=ppt/slides/slide19.xml><?xml version="1.0" encoding="utf-8"?>
 <p:sld xmlns:a="http://schemas.openxmlformats.org/drawingml/2006/main" xmlns:r="http://schemas.openxmlformats.org/officeDocument/2006/relationships" xmlns:p="http://schemas.openxmlformats.org/presentationml/2006/main">
   <p:cSld>
     <p:spTree>
@@ -13900,8 +14049,624 @@
           </a:p>
         </p:txBody>
       </p:sp>
-      <mc:AlternateContent xmlns:mc="http://schemas.openxmlformats.org/markup-compatibility/2006" xmlns:a14="http://schemas.microsoft.com/office/drawing/2010/main">
-        <mc:Choice Requires="a14">
+      <p:sp>
+        <p:nvSpPr>
+          <p:cNvPr id="3" name="Content Placeholder 2">
+            <a:extLst>
+              <a:ext uri="{FF2B5EF4-FFF2-40B4-BE49-F238E27FC236}">
+                <a16:creationId xmlns:a16="http://schemas.microsoft.com/office/drawing/2014/main" id="{CA03134D-F068-4BC9-B038-F3D5CBDDE3F9}"/>
+              </a:ext>
+            </a:extLst>
+          </p:cNvPr>
+          <p:cNvSpPr>
+            <a:spLocks noGrp="1"/>
+          </p:cNvSpPr>
+          <p:nvPr>
+            <p:ph idx="1"/>
+          </p:nvPr>
+        </p:nvSpPr>
+        <p:spPr>
+          <a:xfrm>
+            <a:off x="791395" y="1208868"/>
+            <a:ext cx="4290193" cy="1991532"/>
+          </a:xfrm>
+        </p:spPr>
+        <p:txBody>
+          <a:bodyPr>
+            <a:normAutofit/>
+          </a:bodyPr>
+          <a:lstStyle/>
+          <a:p>
+            <a:pPr marL="0" indent="0">
+              <a:buNone/>
+            </a:pPr>
+            <a:r>
+              <a:rPr lang="en-US" dirty="0"/>
+              <a:t>Example: </a:t>
+            </a:r>
+            <a:r>
+              <a:rPr lang="en-US" b="1" dirty="0"/>
+              <a:t>Density of triangles </a:t>
+            </a:r>
+            <a:r>
+              <a:rPr lang="en-US" dirty="0"/>
+              <a:t>is an indicator or community cores </a:t>
+            </a:r>
+          </a:p>
+        </p:txBody>
+      </p:sp>
+      <p:pic>
+        <p:nvPicPr>
+          <p:cNvPr id="16" name="Picture 15">
+            <a:extLst>
+              <a:ext uri="{FF2B5EF4-FFF2-40B4-BE49-F238E27FC236}">
+                <a16:creationId xmlns:a16="http://schemas.microsoft.com/office/drawing/2014/main" id="{E53E0393-7B64-9DFD-4165-485ACE93E63D}"/>
+              </a:ext>
+            </a:extLst>
+          </p:cNvPr>
+          <p:cNvPicPr>
+            <a:picLocks noChangeAspect="1"/>
+          </p:cNvPicPr>
+          <p:nvPr/>
+        </p:nvPicPr>
+        <p:blipFill>
+          <a:blip r:embed="rId2"/>
+          <a:stretch>
+            <a:fillRect/>
+          </a:stretch>
+        </p:blipFill>
+        <p:spPr>
+          <a:xfrm>
+            <a:off x="4739356" y="1162775"/>
+            <a:ext cx="6919244" cy="5549097"/>
+          </a:xfrm>
+          <a:prstGeom prst="rect">
+            <a:avLst/>
+          </a:prstGeom>
+        </p:spPr>
+      </p:pic>
+    </p:spTree>
+    <p:extLst>
+      <p:ext uri="{BB962C8B-B14F-4D97-AF65-F5344CB8AC3E}">
+        <p14:creationId xmlns:p14="http://schemas.microsoft.com/office/powerpoint/2010/main" val="4290536524"/>
+      </p:ext>
+    </p:extLst>
+  </p:cSld>
+  <p:clrMapOvr>
+    <a:masterClrMapping/>
+  </p:clrMapOvr>
+</p:sld>
+</file>
+
+<file path=ppt/slides/slide2.xml><?xml version="1.0" encoding="utf-8"?>
+<p:sld xmlns:a="http://schemas.openxmlformats.org/drawingml/2006/main" xmlns:r="http://schemas.openxmlformats.org/officeDocument/2006/relationships" xmlns:p="http://schemas.openxmlformats.org/presentationml/2006/main">
+  <p:cSld>
+    <p:spTree>
+      <p:nvGrpSpPr>
+        <p:cNvPr id="1" name=""/>
+        <p:cNvGrpSpPr/>
+        <p:nvPr/>
+      </p:nvGrpSpPr>
+      <p:grpSpPr>
+        <a:xfrm>
+          <a:off x="0" y="0"/>
+          <a:ext cx="0" cy="0"/>
+          <a:chOff x="0" y="0"/>
+          <a:chExt cx="0" cy="0"/>
+        </a:xfrm>
+      </p:grpSpPr>
+      <p:sp>
+        <p:nvSpPr>
+          <p:cNvPr id="2" name="Title 1">
+            <a:extLst>
+              <a:ext uri="{FF2B5EF4-FFF2-40B4-BE49-F238E27FC236}">
+                <a16:creationId xmlns:a16="http://schemas.microsoft.com/office/drawing/2014/main" id="{3B3EA3CE-8DB0-40A5-B4A6-AFCE2156CC1F}"/>
+              </a:ext>
+            </a:extLst>
+          </p:cNvPr>
+          <p:cNvSpPr>
+            <a:spLocks noGrp="1"/>
+          </p:cNvSpPr>
+          <p:nvPr>
+            <p:ph type="title"/>
+          </p:nvPr>
+        </p:nvSpPr>
+        <p:spPr>
+          <a:xfrm>
+            <a:off x="838200" y="365125"/>
+            <a:ext cx="10515600" cy="620993"/>
+          </a:xfrm>
+        </p:spPr>
+        <p:txBody>
+          <a:bodyPr>
+            <a:normAutofit fontScale="90000"/>
+          </a:bodyPr>
+          <a:lstStyle/>
+          <a:p>
+            <a:r>
+              <a:rPr lang="en-US" dirty="0">
+                <a:latin typeface="+mn-lt"/>
+              </a:rPr>
+              <a:t>Introduction to Social Network Analysis</a:t>
+            </a:r>
+            <a:endParaRPr lang="en-US" dirty="0"/>
+          </a:p>
+        </p:txBody>
+      </p:sp>
+      <p:sp>
+        <p:nvSpPr>
+          <p:cNvPr id="3" name="Content Placeholder 2">
+            <a:extLst>
+              <a:ext uri="{FF2B5EF4-FFF2-40B4-BE49-F238E27FC236}">
+                <a16:creationId xmlns:a16="http://schemas.microsoft.com/office/drawing/2014/main" id="{CA03134D-F068-4BC9-B038-F3D5CBDDE3F9}"/>
+              </a:ext>
+            </a:extLst>
+          </p:cNvPr>
+          <p:cNvSpPr>
+            <a:spLocks noGrp="1"/>
+          </p:cNvSpPr>
+          <p:nvPr>
+            <p:ph idx="1"/>
+          </p:nvPr>
+        </p:nvSpPr>
+        <p:spPr>
+          <a:xfrm>
+            <a:off x="775447" y="1208868"/>
+            <a:ext cx="10515600" cy="5447426"/>
+          </a:xfrm>
+        </p:spPr>
+        <p:txBody>
+          <a:bodyPr>
+            <a:normAutofit/>
+          </a:bodyPr>
+          <a:lstStyle/>
+          <a:p>
+            <a:pPr marL="0" indent="0">
+              <a:buNone/>
+            </a:pPr>
+            <a:r>
+              <a:rPr lang="en-US" dirty="0"/>
+              <a:t>Social networks appear in many forms </a:t>
+            </a:r>
+          </a:p>
+          <a:p>
+            <a:r>
+              <a:rPr lang="en-US" dirty="0"/>
+              <a:t>Online social media  </a:t>
+            </a:r>
+          </a:p>
+          <a:p>
+            <a:r>
+              <a:rPr lang="en-US" dirty="0"/>
+              <a:t>Networks of collaborating people</a:t>
+            </a:r>
+          </a:p>
+          <a:p>
+            <a:r>
+              <a:rPr lang="en-US" dirty="0"/>
+              <a:t>People in clubs   </a:t>
+            </a:r>
+          </a:p>
+          <a:p>
+            <a:r>
+              <a:rPr lang="en-US" dirty="0"/>
+              <a:t>Political organizations  </a:t>
+            </a:r>
+          </a:p>
+          <a:p>
+            <a:r>
+              <a:rPr lang="en-US" dirty="0"/>
+              <a:t>Organisms in an ecosystem</a:t>
+            </a:r>
+          </a:p>
+          <a:p>
+            <a:r>
+              <a:rPr lang="en-US" b="1" dirty="0"/>
+              <a:t>Many more …</a:t>
+            </a:r>
+          </a:p>
+          <a:p>
+            <a:endParaRPr lang="en-US" dirty="0"/>
+          </a:p>
+          <a:p>
+            <a:endParaRPr lang="en-US" dirty="0"/>
+          </a:p>
+        </p:txBody>
+      </p:sp>
+    </p:spTree>
+    <p:extLst>
+      <p:ext uri="{BB962C8B-B14F-4D97-AF65-F5344CB8AC3E}">
+        <p14:creationId xmlns:p14="http://schemas.microsoft.com/office/powerpoint/2010/main" val="513003093"/>
+      </p:ext>
+    </p:extLst>
+  </p:cSld>
+  <p:clrMapOvr>
+    <a:masterClrMapping/>
+  </p:clrMapOvr>
+  <p:timing>
+    <p:tnLst>
+      <p:par>
+        <p:cTn id="1" dur="indefinite" restart="never" nodeType="tmRoot">
+          <p:childTnLst>
+            <p:seq concurrent="1" nextAc="seek">
+              <p:cTn id="2" dur="indefinite" nodeType="mainSeq">
+                <p:childTnLst>
+                  <p:par>
+                    <p:cTn id="3" fill="hold">
+                      <p:stCondLst>
+                        <p:cond delay="indefinite"/>
+                      </p:stCondLst>
+                      <p:childTnLst>
+                        <p:par>
+                          <p:cTn id="4" fill="hold">
+                            <p:stCondLst>
+                              <p:cond delay="0"/>
+                            </p:stCondLst>
+                            <p:childTnLst>
+                              <p:par>
+                                <p:cTn id="5" presetID="1" presetClass="entr" presetSubtype="0" fill="hold" nodeType="clickEffect">
+                                  <p:stCondLst>
+                                    <p:cond delay="0"/>
+                                  </p:stCondLst>
+                                  <p:childTnLst>
+                                    <p:set>
+                                      <p:cBhvr>
+                                        <p:cTn id="6" dur="1" fill="hold">
+                                          <p:stCondLst>
+                                            <p:cond delay="0"/>
+                                          </p:stCondLst>
+                                        </p:cTn>
+                                        <p:tgtEl>
+                                          <p:spTgt spid="3">
+                                            <p:txEl>
+                                              <p:pRg st="1" end="1"/>
+                                            </p:txEl>
+                                          </p:spTgt>
+                                        </p:tgtEl>
+                                        <p:attrNameLst>
+                                          <p:attrName>style.visibility</p:attrName>
+                                        </p:attrNameLst>
+                                      </p:cBhvr>
+                                      <p:to>
+                                        <p:strVal val="visible"/>
+                                      </p:to>
+                                    </p:set>
+                                  </p:childTnLst>
+                                </p:cTn>
+                              </p:par>
+                            </p:childTnLst>
+                          </p:cTn>
+                        </p:par>
+                      </p:childTnLst>
+                    </p:cTn>
+                  </p:par>
+                  <p:par>
+                    <p:cTn id="7" fill="hold">
+                      <p:stCondLst>
+                        <p:cond delay="indefinite"/>
+                      </p:stCondLst>
+                      <p:childTnLst>
+                        <p:par>
+                          <p:cTn id="8" fill="hold">
+                            <p:stCondLst>
+                              <p:cond delay="0"/>
+                            </p:stCondLst>
+                            <p:childTnLst>
+                              <p:par>
+                                <p:cTn id="9" presetID="1" presetClass="entr" presetSubtype="0" fill="hold" nodeType="clickEffect">
+                                  <p:stCondLst>
+                                    <p:cond delay="0"/>
+                                  </p:stCondLst>
+                                  <p:childTnLst>
+                                    <p:set>
+                                      <p:cBhvr>
+                                        <p:cTn id="10" dur="1" fill="hold">
+                                          <p:stCondLst>
+                                            <p:cond delay="0"/>
+                                          </p:stCondLst>
+                                        </p:cTn>
+                                        <p:tgtEl>
+                                          <p:spTgt spid="3">
+                                            <p:txEl>
+                                              <p:pRg st="2" end="2"/>
+                                            </p:txEl>
+                                          </p:spTgt>
+                                        </p:tgtEl>
+                                        <p:attrNameLst>
+                                          <p:attrName>style.visibility</p:attrName>
+                                        </p:attrNameLst>
+                                      </p:cBhvr>
+                                      <p:to>
+                                        <p:strVal val="visible"/>
+                                      </p:to>
+                                    </p:set>
+                                  </p:childTnLst>
+                                </p:cTn>
+                              </p:par>
+                            </p:childTnLst>
+                          </p:cTn>
+                        </p:par>
+                      </p:childTnLst>
+                    </p:cTn>
+                  </p:par>
+                  <p:par>
+                    <p:cTn id="11" fill="hold">
+                      <p:stCondLst>
+                        <p:cond delay="indefinite"/>
+                      </p:stCondLst>
+                      <p:childTnLst>
+                        <p:par>
+                          <p:cTn id="12" fill="hold">
+                            <p:stCondLst>
+                              <p:cond delay="0"/>
+                            </p:stCondLst>
+                            <p:childTnLst>
+                              <p:par>
+                                <p:cTn id="13" presetID="1" presetClass="entr" presetSubtype="0" fill="hold" nodeType="clickEffect">
+                                  <p:stCondLst>
+                                    <p:cond delay="0"/>
+                                  </p:stCondLst>
+                                  <p:childTnLst>
+                                    <p:set>
+                                      <p:cBhvr>
+                                        <p:cTn id="14" dur="1" fill="hold">
+                                          <p:stCondLst>
+                                            <p:cond delay="0"/>
+                                          </p:stCondLst>
+                                        </p:cTn>
+                                        <p:tgtEl>
+                                          <p:spTgt spid="3">
+                                            <p:txEl>
+                                              <p:pRg st="3" end="3"/>
+                                            </p:txEl>
+                                          </p:spTgt>
+                                        </p:tgtEl>
+                                        <p:attrNameLst>
+                                          <p:attrName>style.visibility</p:attrName>
+                                        </p:attrNameLst>
+                                      </p:cBhvr>
+                                      <p:to>
+                                        <p:strVal val="visible"/>
+                                      </p:to>
+                                    </p:set>
+                                  </p:childTnLst>
+                                </p:cTn>
+                              </p:par>
+                            </p:childTnLst>
+                          </p:cTn>
+                        </p:par>
+                      </p:childTnLst>
+                    </p:cTn>
+                  </p:par>
+                  <p:par>
+                    <p:cTn id="15" fill="hold">
+                      <p:stCondLst>
+                        <p:cond delay="indefinite"/>
+                      </p:stCondLst>
+                      <p:childTnLst>
+                        <p:par>
+                          <p:cTn id="16" fill="hold">
+                            <p:stCondLst>
+                              <p:cond delay="0"/>
+                            </p:stCondLst>
+                            <p:childTnLst>
+                              <p:par>
+                                <p:cTn id="17" presetID="1" presetClass="entr" presetSubtype="0" fill="hold" nodeType="clickEffect">
+                                  <p:stCondLst>
+                                    <p:cond delay="0"/>
+                                  </p:stCondLst>
+                                  <p:childTnLst>
+                                    <p:set>
+                                      <p:cBhvr>
+                                        <p:cTn id="18" dur="1" fill="hold">
+                                          <p:stCondLst>
+                                            <p:cond delay="0"/>
+                                          </p:stCondLst>
+                                        </p:cTn>
+                                        <p:tgtEl>
+                                          <p:spTgt spid="3">
+                                            <p:txEl>
+                                              <p:pRg st="4" end="4"/>
+                                            </p:txEl>
+                                          </p:spTgt>
+                                        </p:tgtEl>
+                                        <p:attrNameLst>
+                                          <p:attrName>style.visibility</p:attrName>
+                                        </p:attrNameLst>
+                                      </p:cBhvr>
+                                      <p:to>
+                                        <p:strVal val="visible"/>
+                                      </p:to>
+                                    </p:set>
+                                  </p:childTnLst>
+                                </p:cTn>
+                              </p:par>
+                            </p:childTnLst>
+                          </p:cTn>
+                        </p:par>
+                      </p:childTnLst>
+                    </p:cTn>
+                  </p:par>
+                  <p:par>
+                    <p:cTn id="19" fill="hold">
+                      <p:stCondLst>
+                        <p:cond delay="indefinite"/>
+                      </p:stCondLst>
+                      <p:childTnLst>
+                        <p:par>
+                          <p:cTn id="20" fill="hold">
+                            <p:stCondLst>
+                              <p:cond delay="0"/>
+                            </p:stCondLst>
+                            <p:childTnLst>
+                              <p:par>
+                                <p:cTn id="21" presetID="1" presetClass="entr" presetSubtype="0" fill="hold" nodeType="clickEffect">
+                                  <p:stCondLst>
+                                    <p:cond delay="0"/>
+                                  </p:stCondLst>
+                                  <p:childTnLst>
+                                    <p:set>
+                                      <p:cBhvr>
+                                        <p:cTn id="22" dur="1" fill="hold">
+                                          <p:stCondLst>
+                                            <p:cond delay="0"/>
+                                          </p:stCondLst>
+                                        </p:cTn>
+                                        <p:tgtEl>
+                                          <p:spTgt spid="3">
+                                            <p:txEl>
+                                              <p:pRg st="5" end="5"/>
+                                            </p:txEl>
+                                          </p:spTgt>
+                                        </p:tgtEl>
+                                        <p:attrNameLst>
+                                          <p:attrName>style.visibility</p:attrName>
+                                        </p:attrNameLst>
+                                      </p:cBhvr>
+                                      <p:to>
+                                        <p:strVal val="visible"/>
+                                      </p:to>
+                                    </p:set>
+                                  </p:childTnLst>
+                                </p:cTn>
+                              </p:par>
+                            </p:childTnLst>
+                          </p:cTn>
+                        </p:par>
+                      </p:childTnLst>
+                    </p:cTn>
+                  </p:par>
+                  <p:par>
+                    <p:cTn id="23" fill="hold">
+                      <p:stCondLst>
+                        <p:cond delay="indefinite"/>
+                      </p:stCondLst>
+                      <p:childTnLst>
+                        <p:par>
+                          <p:cTn id="24" fill="hold">
+                            <p:stCondLst>
+                              <p:cond delay="0"/>
+                            </p:stCondLst>
+                            <p:childTnLst>
+                              <p:par>
+                                <p:cTn id="25" presetID="1" presetClass="entr" presetSubtype="0" fill="hold" nodeType="clickEffect">
+                                  <p:stCondLst>
+                                    <p:cond delay="0"/>
+                                  </p:stCondLst>
+                                  <p:childTnLst>
+                                    <p:set>
+                                      <p:cBhvr>
+                                        <p:cTn id="26" dur="1" fill="hold">
+                                          <p:stCondLst>
+                                            <p:cond delay="0"/>
+                                          </p:stCondLst>
+                                        </p:cTn>
+                                        <p:tgtEl>
+                                          <p:spTgt spid="3">
+                                            <p:txEl>
+                                              <p:pRg st="6" end="6"/>
+                                            </p:txEl>
+                                          </p:spTgt>
+                                        </p:tgtEl>
+                                        <p:attrNameLst>
+                                          <p:attrName>style.visibility</p:attrName>
+                                        </p:attrNameLst>
+                                      </p:cBhvr>
+                                      <p:to>
+                                        <p:strVal val="visible"/>
+                                      </p:to>
+                                    </p:set>
+                                  </p:childTnLst>
+                                </p:cTn>
+                              </p:par>
+                            </p:childTnLst>
+                          </p:cTn>
+                        </p:par>
+                      </p:childTnLst>
+                    </p:cTn>
+                  </p:par>
+                </p:childTnLst>
+              </p:cTn>
+              <p:prevCondLst>
+                <p:cond evt="onPrev" delay="0">
+                  <p:tgtEl>
+                    <p:sldTgt/>
+                  </p:tgtEl>
+                </p:cond>
+              </p:prevCondLst>
+              <p:nextCondLst>
+                <p:cond evt="onNext" delay="0">
+                  <p:tgtEl>
+                    <p:sldTgt/>
+                  </p:tgtEl>
+                </p:cond>
+              </p:nextCondLst>
+            </p:seq>
+          </p:childTnLst>
+        </p:cTn>
+      </p:par>
+    </p:tnLst>
+  </p:timing>
+</p:sld>
+</file>
+
+<file path=ppt/slides/slide20.xml><?xml version="1.0" encoding="utf-8"?>
+<p:sld xmlns:a="http://schemas.openxmlformats.org/drawingml/2006/main" xmlns:r="http://schemas.openxmlformats.org/officeDocument/2006/relationships" xmlns:p="http://schemas.openxmlformats.org/presentationml/2006/main">
+  <p:cSld>
+    <p:spTree>
+      <p:nvGrpSpPr>
+        <p:cNvPr id="1" name=""/>
+        <p:cNvGrpSpPr/>
+        <p:nvPr/>
+      </p:nvGrpSpPr>
+      <p:grpSpPr>
+        <a:xfrm>
+          <a:off x="0" y="0"/>
+          <a:ext cx="0" cy="0"/>
+          <a:chOff x="0" y="0"/>
+          <a:chExt cx="0" cy="0"/>
+        </a:xfrm>
+      </p:grpSpPr>
+      <p:sp>
+        <p:nvSpPr>
+          <p:cNvPr id="2" name="Title 1">
+            <a:extLst>
+              <a:ext uri="{FF2B5EF4-FFF2-40B4-BE49-F238E27FC236}">
+                <a16:creationId xmlns:a16="http://schemas.microsoft.com/office/drawing/2014/main" id="{3B3EA3CE-8DB0-40A5-B4A6-AFCE2156CC1F}"/>
+              </a:ext>
+            </a:extLst>
+          </p:cNvPr>
+          <p:cNvSpPr>
+            <a:spLocks noGrp="1"/>
+          </p:cNvSpPr>
+          <p:nvPr>
+            <p:ph type="title"/>
+          </p:nvPr>
+        </p:nvSpPr>
+        <p:spPr>
+          <a:xfrm>
+            <a:off x="838200" y="365125"/>
+            <a:ext cx="10515600" cy="620993"/>
+          </a:xfrm>
+        </p:spPr>
+        <p:txBody>
+          <a:bodyPr>
+            <a:normAutofit fontScale="90000"/>
+          </a:bodyPr>
+          <a:lstStyle/>
+          <a:p>
+            <a:r>
+              <a:rPr lang="en-US" dirty="0">
+                <a:latin typeface="+mn-lt"/>
+              </a:rPr>
+              <a:t>Communities and Triangle Density</a:t>
+            </a:r>
+            <a:endParaRPr lang="en-US" dirty="0"/>
+          </a:p>
+        </p:txBody>
+      </p:sp>
+      <mc:AlternateContent xmlns:mc="http://schemas.openxmlformats.org/markup-compatibility/2006">
+        <mc:Choice xmlns:a14="http://schemas.microsoft.com/office/drawing/2010/main" Requires="a14">
           <p:sp>
             <p:nvSpPr>
               <p:cNvPr id="3" name="Content Placeholder 2">
@@ -14299,7 +15064,7 @@
             </p:txBody>
           </p:sp>
         </mc:Choice>
-        <mc:Fallback xmlns="">
+        <mc:Fallback>
           <p:sp>
             <p:nvSpPr>
               <p:cNvPr id="3" name="Content Placeholder 2">
@@ -14389,7 +15154,38 @@
                                         <p:tgtEl>
                                           <p:spTgt spid="3">
                                             <p:txEl>
-                                              <p:pRg st="1" end="1"/>
+                                              <p:pRg st="2" end="2"/>
+                                            </p:txEl>
+                                          </p:spTgt>
+                                        </p:tgtEl>
+                                        <p:attrNameLst>
+                                          <p:attrName>style.visibility</p:attrName>
+                                        </p:attrNameLst>
+                                      </p:cBhvr>
+                                      <p:to>
+                                        <p:strVal val="visible"/>
+                                      </p:to>
+                                    </p:set>
+                                  </p:childTnLst>
+                                </p:cTn>
+                              </p:par>
+                              <p:par>
+                                <p:cTn id="7" presetID="1" presetClass="entr" presetSubtype="0" fill="hold" grpId="0" nodeType="withEffect">
+                                  <p:stCondLst>
+                                    <p:cond delay="0"/>
+                                  </p:stCondLst>
+                                  <p:childTnLst>
+                                    <p:set>
+                                      <p:cBhvr>
+                                        <p:cTn id="8" dur="1" fill="hold">
+                                          <p:stCondLst>
+                                            <p:cond delay="0"/>
+                                          </p:stCondLst>
+                                        </p:cTn>
+                                        <p:tgtEl>
+                                          <p:spTgt spid="3">
+                                            <p:txEl>
+                                              <p:pRg st="3" end="3"/>
                                             </p:txEl>
                                           </p:spTgt>
                                         </p:tgtEl>
@@ -14411,50 +15207,19 @@
                     </p:cTn>
                   </p:par>
                   <p:par>
-                    <p:cTn id="7" fill="hold">
+                    <p:cTn id="9" fill="hold">
                       <p:stCondLst>
                         <p:cond delay="indefinite"/>
                       </p:stCondLst>
                       <p:childTnLst>
                         <p:par>
-                          <p:cTn id="8" fill="hold">
+                          <p:cTn id="10" fill="hold">
                             <p:stCondLst>
                               <p:cond delay="0"/>
                             </p:stCondLst>
                             <p:childTnLst>
                               <p:par>
-                                <p:cTn id="9" presetID="1" presetClass="entr" presetSubtype="0" fill="hold" grpId="0" nodeType="clickEffect">
-                                  <p:stCondLst>
-                                    <p:cond delay="0"/>
-                                  </p:stCondLst>
-                                  <p:childTnLst>
-                                    <p:set>
-                                      <p:cBhvr>
-                                        <p:cTn id="10" dur="1" fill="hold">
-                                          <p:stCondLst>
-                                            <p:cond delay="0"/>
-                                          </p:stCondLst>
-                                        </p:cTn>
-                                        <p:tgtEl>
-                                          <p:spTgt spid="3">
-                                            <p:txEl>
-                                              <p:pRg st="2" end="2"/>
-                                            </p:txEl>
-                                          </p:spTgt>
-                                        </p:tgtEl>
-                                        <p:attrNameLst>
-                                          <p:attrName>style.visibility</p:attrName>
-                                        </p:attrNameLst>
-                                      </p:cBhvr>
-                                      <p:to>
-                                        <p:strVal val="visible"/>
-                                      </p:to>
-                                    </p:set>
-                                  </p:childTnLst>
-                                </p:cTn>
-                              </p:par>
-                              <p:par>
-                                <p:cTn id="11" presetID="1" presetClass="entr" presetSubtype="0" fill="hold" grpId="0" nodeType="withEffect">
+                                <p:cTn id="11" presetID="1" presetClass="entr" presetSubtype="0" fill="hold" grpId="0" nodeType="clickEffect">
                                   <p:stCondLst>
                                     <p:cond delay="0"/>
                                   </p:stCondLst>
@@ -14469,7 +15234,7 @@
                                         <p:tgtEl>
                                           <p:spTgt spid="3">
                                             <p:txEl>
-                                              <p:pRg st="3" end="3"/>
+                                              <p:pRg st="4" end="4"/>
                                             </p:txEl>
                                           </p:spTgt>
                                         </p:tgtEl>
@@ -14518,7 +15283,7 @@
                                         <p:tgtEl>
                                           <p:spTgt spid="3">
                                             <p:txEl>
-                                              <p:pRg st="4" end="4"/>
+                                              <p:pRg st="5" end="5"/>
                                             </p:txEl>
                                           </p:spTgt>
                                         </p:tgtEl>
@@ -14567,55 +15332,6 @@
                                         <p:tgtEl>
                                           <p:spTgt spid="3">
                                             <p:txEl>
-                                              <p:pRg st="5" end="5"/>
-                                            </p:txEl>
-                                          </p:spTgt>
-                                        </p:tgtEl>
-                                        <p:attrNameLst>
-                                          <p:attrName>style.visibility</p:attrName>
-                                        </p:attrNameLst>
-                                      </p:cBhvr>
-                                      <p:to>
-                                        <p:strVal val="visible"/>
-                                      </p:to>
-                                    </p:set>
-                                  </p:childTnLst>
-                                </p:cTn>
-                              </p:par>
-                            </p:childTnLst>
-                          </p:cTn>
-                        </p:par>
-                      </p:childTnLst>
-                    </p:cTn>
-                  </p:par>
-                  <p:par>
-                    <p:cTn id="21" fill="hold">
-                      <p:stCondLst>
-                        <p:cond delay="indefinite"/>
-                      </p:stCondLst>
-                      <p:childTnLst>
-                        <p:par>
-                          <p:cTn id="22" fill="hold">
-                            <p:stCondLst>
-                              <p:cond delay="0"/>
-                            </p:stCondLst>
-                            <p:childTnLst>
-                              <p:par>
-                                <p:cTn id="23" presetID="1" presetClass="entr" presetSubtype="0" fill="hold" grpId="0" nodeType="clickEffect">
-                                  <p:stCondLst>
-                                    <p:cond delay="0"/>
-                                  </p:stCondLst>
-                                  <p:childTnLst>
-                                    <p:set>
-                                      <p:cBhvr>
-                                        <p:cTn id="24" dur="1" fill="hold">
-                                          <p:stCondLst>
-                                            <p:cond delay="0"/>
-                                          </p:stCondLst>
-                                        </p:cTn>
-                                        <p:tgtEl>
-                                          <p:spTgt spid="3">
-                                            <p:txEl>
                                               <p:pRg st="6" end="6"/>
                                             </p:txEl>
                                           </p:spTgt>
@@ -14632,14 +15348,14 @@
                                 </p:cTn>
                               </p:par>
                               <p:par>
-                                <p:cTn id="25" presetID="1" presetClass="entr" presetSubtype="0" fill="hold" grpId="0" nodeType="withEffect">
+                                <p:cTn id="21" presetID="1" presetClass="entr" presetSubtype="0" fill="hold" grpId="0" nodeType="withEffect">
                                   <p:stCondLst>
                                     <p:cond delay="0"/>
                                   </p:stCondLst>
                                   <p:childTnLst>
                                     <p:set>
                                       <p:cBhvr>
-                                        <p:cTn id="26" dur="1" fill="hold">
+                                        <p:cTn id="22" dur="1" fill="hold">
                                           <p:stCondLst>
                                             <p:cond delay="0"/>
                                           </p:stCondLst>
@@ -14696,7 +15412,7 @@
 </p:sld>
 </file>
 
-<file path=ppt/slides/slide19.xml><?xml version="1.0" encoding="utf-8"?>
+<file path=ppt/slides/slide21.xml><?xml version="1.0" encoding="utf-8"?>
 <p:sld xmlns:a="http://schemas.openxmlformats.org/drawingml/2006/main" xmlns:r="http://schemas.openxmlformats.org/officeDocument/2006/relationships" xmlns:p="http://schemas.openxmlformats.org/presentationml/2006/main">
   <p:cSld>
     <p:spTree>
@@ -14751,8 +15467,8 @@
           </a:p>
         </p:txBody>
       </p:sp>
-      <mc:AlternateContent xmlns:mc="http://schemas.openxmlformats.org/markup-compatibility/2006" xmlns:a14="http://schemas.microsoft.com/office/drawing/2010/main">
-        <mc:Choice Requires="a14">
+      <mc:AlternateContent xmlns:mc="http://schemas.openxmlformats.org/markup-compatibility/2006">
+        <mc:Choice xmlns:a14="http://schemas.microsoft.com/office/drawing/2010/main" Requires="a14">
           <p:sp>
             <p:nvSpPr>
               <p:cNvPr id="3" name="Content Placeholder 2">
@@ -14786,7 +15502,7 @@
                 </a:pPr>
                 <a:r>
                   <a:rPr lang="en-US" b="1" dirty="0"/>
-                  <a:t>Density of triangles </a:t>
+                  <a:t>Clustering Coefficient </a:t>
                 </a:r>
                 <a:r>
                   <a:rPr lang="en-US" dirty="0"/>
@@ -15042,7 +15758,7 @@
             </p:txBody>
           </p:sp>
         </mc:Choice>
-        <mc:Fallback xmlns="">
+        <mc:Fallback>
           <p:sp>
             <p:nvSpPr>
               <p:cNvPr id="3" name="Content Placeholder 2">
@@ -15328,7 +16044,7 @@
 </p:sld>
 </file>
 
-<file path=ppt/slides/slide2.xml><?xml version="1.0" encoding="utf-8"?>
+<file path=ppt/slides/slide22.xml><?xml version="1.0" encoding="utf-8"?>
 <p:sld xmlns:a="http://schemas.openxmlformats.org/drawingml/2006/main" xmlns:r="http://schemas.openxmlformats.org/officeDocument/2006/relationships" xmlns:p="http://schemas.openxmlformats.org/presentationml/2006/main">
   <p:cSld>
     <p:spTree>
@@ -15377,96 +16093,351 @@
               <a:rPr lang="en-US" dirty="0">
                 <a:latin typeface="+mn-lt"/>
               </a:rPr>
-              <a:t>Introduction to Social Network Analysis</a:t>
+              <a:t>Communities and Triangle Density</a:t>
             </a:r>
             <a:endParaRPr lang="en-US" dirty="0"/>
           </a:p>
         </p:txBody>
       </p:sp>
-      <p:sp>
-        <p:nvSpPr>
-          <p:cNvPr id="3" name="Content Placeholder 2">
-            <a:extLst>
-              <a:ext uri="{FF2B5EF4-FFF2-40B4-BE49-F238E27FC236}">
-                <a16:creationId xmlns:a16="http://schemas.microsoft.com/office/drawing/2014/main" id="{CA03134D-F068-4BC9-B038-F3D5CBDDE3F9}"/>
-              </a:ext>
-            </a:extLst>
-          </p:cNvPr>
-          <p:cNvSpPr>
-            <a:spLocks noGrp="1"/>
-          </p:cNvSpPr>
-          <p:nvPr>
-            <p:ph idx="1"/>
-          </p:nvPr>
-        </p:nvSpPr>
-        <p:spPr>
-          <a:xfrm>
-            <a:off x="775447" y="1208868"/>
-            <a:ext cx="10515600" cy="5447426"/>
-          </a:xfrm>
-        </p:spPr>
-        <p:txBody>
-          <a:bodyPr>
-            <a:normAutofit/>
-          </a:bodyPr>
-          <a:lstStyle/>
-          <a:p>
-            <a:pPr marL="0" indent="0">
-              <a:buNone/>
-            </a:pPr>
-            <a:r>
-              <a:rPr lang="en-US" dirty="0"/>
-              <a:t>Social networks appear in many forms </a:t>
-            </a:r>
-          </a:p>
-          <a:p>
-            <a:r>
-              <a:rPr lang="en-US" dirty="0"/>
-              <a:t>Online social media  </a:t>
-            </a:r>
-          </a:p>
-          <a:p>
-            <a:r>
-              <a:rPr lang="en-US" dirty="0"/>
-              <a:t>Networks of collaborating people</a:t>
-            </a:r>
-          </a:p>
-          <a:p>
-            <a:r>
-              <a:rPr lang="en-US" dirty="0"/>
-              <a:t>People in clubs   </a:t>
-            </a:r>
-          </a:p>
-          <a:p>
-            <a:r>
-              <a:rPr lang="en-US" dirty="0"/>
-              <a:t>Political organizations  </a:t>
-            </a:r>
-          </a:p>
-          <a:p>
-            <a:r>
-              <a:rPr lang="en-US" dirty="0"/>
-              <a:t>Organisms in an ecosystem</a:t>
-            </a:r>
-          </a:p>
-          <a:p>
-            <a:r>
-              <a:rPr lang="en-US" b="1" dirty="0"/>
-              <a:t>Many more …</a:t>
-            </a:r>
-          </a:p>
-          <a:p>
-            <a:endParaRPr lang="en-US" dirty="0"/>
-          </a:p>
-          <a:p>
-            <a:endParaRPr lang="en-US" dirty="0"/>
-          </a:p>
-        </p:txBody>
-      </p:sp>
+      <mc:AlternateContent xmlns:mc="http://schemas.openxmlformats.org/markup-compatibility/2006">
+        <mc:Choice xmlns:a14="http://schemas.microsoft.com/office/drawing/2010/main" Requires="a14">
+          <p:sp>
+            <p:nvSpPr>
+              <p:cNvPr id="3" name="Content Placeholder 2">
+                <a:extLst>
+                  <a:ext uri="{FF2B5EF4-FFF2-40B4-BE49-F238E27FC236}">
+                    <a16:creationId xmlns:a16="http://schemas.microsoft.com/office/drawing/2014/main" id="{CA03134D-F068-4BC9-B038-F3D5CBDDE3F9}"/>
+                  </a:ext>
+                </a:extLst>
+              </p:cNvPr>
+              <p:cNvSpPr>
+                <a:spLocks noGrp="1"/>
+              </p:cNvSpPr>
+              <p:nvPr>
+                <p:ph idx="1"/>
+              </p:nvPr>
+            </p:nvSpPr>
+            <p:spPr>
+              <a:xfrm>
+                <a:off x="791394" y="1208868"/>
+                <a:ext cx="10792777" cy="5447426"/>
+              </a:xfrm>
+            </p:spPr>
+            <p:txBody>
+              <a:bodyPr>
+                <a:normAutofit/>
+              </a:bodyPr>
+              <a:lstStyle/>
+              <a:p>
+                <a:pPr marL="0" indent="0">
+                  <a:buNone/>
+                </a:pPr>
+                <a:r>
+                  <a:rPr lang="en-US" b="1" dirty="0"/>
+                  <a:t>Clustering Coefficient </a:t>
+                </a:r>
+                <a:r>
+                  <a:rPr lang="en-US" dirty="0"/>
+                  <a:t>is an indicator or community cores </a:t>
+                </a:r>
+              </a:p>
+              <a:p>
+                <a:r>
+                  <a:rPr lang="en-US" dirty="0" err="1"/>
+                  <a:t>NetworkX</a:t>
+                </a:r>
+                <a:r>
+                  <a:rPr lang="en-US" dirty="0"/>
+                  <a:t> computes the clustering coefficient of node </a:t>
+                </a:r>
+                <a:r>
+                  <a:rPr lang="en-US" i="1" dirty="0" err="1"/>
+                  <a:t>i</a:t>
+                </a:r>
+                <a:r>
+                  <a:rPr lang="en-US" dirty="0"/>
+                  <a:t> as: </a:t>
+                </a:r>
+              </a:p>
+              <a:p>
+                <a:pPr marL="0" indent="0">
+                  <a:buNone/>
+                </a:pPr>
+                <a14:m>
+                  <m:oMathPara xmlns:m="http://schemas.openxmlformats.org/officeDocument/2006/math">
+                    <m:oMathParaPr>
+                      <m:jc m:val="centerGroup"/>
+                    </m:oMathParaPr>
+                    <m:oMath xmlns:m="http://schemas.openxmlformats.org/officeDocument/2006/math">
+                      <m:sSub>
+                        <m:sSubPr>
+                          <m:ctrlPr>
+                            <a:rPr lang="en-US" i="1" smtClean="0">
+                              <a:latin typeface="Cambria Math" panose="02040503050406030204" pitchFamily="18" charset="0"/>
+                            </a:rPr>
+                          </m:ctrlPr>
+                        </m:sSubPr>
+                        <m:e>
+                          <m:r>
+                            <a:rPr lang="en-US" b="0" i="1" smtClean="0">
+                              <a:latin typeface="Cambria Math" panose="02040503050406030204" pitchFamily="18" charset="0"/>
+                            </a:rPr>
+                            <m:t>𝐶</m:t>
+                          </m:r>
+                        </m:e>
+                        <m:sub>
+                          <m:r>
+                            <a:rPr lang="en-US" b="0" i="1" smtClean="0">
+                              <a:latin typeface="Cambria Math" panose="02040503050406030204" pitchFamily="18" charset="0"/>
+                            </a:rPr>
+                            <m:t>𝑖</m:t>
+                          </m:r>
+                        </m:sub>
+                      </m:sSub>
+                      <m:r>
+                        <a:rPr lang="en-US" b="0" i="1" smtClean="0">
+                          <a:latin typeface="Cambria Math" panose="02040503050406030204" pitchFamily="18" charset="0"/>
+                        </a:rPr>
+                        <m:t>=</m:t>
+                      </m:r>
+                      <m:f>
+                        <m:fPr>
+                          <m:ctrlPr>
+                            <a:rPr lang="en-US" b="0" i="1" smtClean="0">
+                              <a:latin typeface="Cambria Math" panose="02040503050406030204" pitchFamily="18" charset="0"/>
+                            </a:rPr>
+                          </m:ctrlPr>
+                        </m:fPr>
+                        <m:num>
+                          <m:r>
+                            <a:rPr lang="en-US" b="0" i="1" smtClean="0">
+                              <a:latin typeface="Cambria Math" panose="02040503050406030204" pitchFamily="18" charset="0"/>
+                            </a:rPr>
+                            <m:t>2</m:t>
+                          </m:r>
+                          <m:r>
+                            <a:rPr lang="en-US" b="0" i="1" smtClean="0">
+                              <a:latin typeface="Cambria Math" panose="02040503050406030204" pitchFamily="18" charset="0"/>
+                            </a:rPr>
+                            <m:t>𝑇</m:t>
+                          </m:r>
+                          <m:d>
+                            <m:dPr>
+                              <m:ctrlPr>
+                                <a:rPr lang="en-US" b="0" i="1" smtClean="0">
+                                  <a:latin typeface="Cambria Math" panose="02040503050406030204" pitchFamily="18" charset="0"/>
+                                </a:rPr>
+                              </m:ctrlPr>
+                            </m:dPr>
+                            <m:e>
+                              <m:sSub>
+                                <m:sSubPr>
+                                  <m:ctrlPr>
+                                    <a:rPr lang="en-US" b="0" i="1" smtClean="0">
+                                      <a:latin typeface="Cambria Math" panose="02040503050406030204" pitchFamily="18" charset="0"/>
+                                    </a:rPr>
+                                  </m:ctrlPr>
+                                </m:sSubPr>
+                                <m:e>
+                                  <m:r>
+                                    <a:rPr lang="en-US" b="0" i="1" smtClean="0">
+                                      <a:latin typeface="Cambria Math" panose="02040503050406030204" pitchFamily="18" charset="0"/>
+                                    </a:rPr>
+                                    <m:t>𝑛</m:t>
+                                  </m:r>
+                                </m:e>
+                                <m:sub>
+                                  <m:r>
+                                    <a:rPr lang="en-US" b="0" i="1" smtClean="0">
+                                      <a:latin typeface="Cambria Math" panose="02040503050406030204" pitchFamily="18" charset="0"/>
+                                    </a:rPr>
+                                    <m:t>𝑖</m:t>
+                                  </m:r>
+                                </m:sub>
+                              </m:sSub>
+                            </m:e>
+                          </m:d>
+                        </m:num>
+                        <m:den>
+                          <m:sSub>
+                            <m:sSubPr>
+                              <m:ctrlPr>
+                                <a:rPr lang="en-US" b="0" i="1" smtClean="0">
+                                  <a:latin typeface="Cambria Math" panose="02040503050406030204" pitchFamily="18" charset="0"/>
+                                </a:rPr>
+                              </m:ctrlPr>
+                            </m:sSubPr>
+                            <m:e>
+                              <m:r>
+                                <a:rPr lang="en-US" b="0" i="1" smtClean="0">
+                                  <a:latin typeface="Cambria Math" panose="02040503050406030204" pitchFamily="18" charset="0"/>
+                                </a:rPr>
+                                <m:t>𝑘</m:t>
+                              </m:r>
+                            </m:e>
+                            <m:sub>
+                              <m:r>
+                                <a:rPr lang="en-US" b="0" i="1" smtClean="0">
+                                  <a:latin typeface="Cambria Math" panose="02040503050406030204" pitchFamily="18" charset="0"/>
+                                </a:rPr>
+                                <m:t>𝑖</m:t>
+                              </m:r>
+                            </m:sub>
+                          </m:sSub>
+                          <m:d>
+                            <m:dPr>
+                              <m:ctrlPr>
+                                <a:rPr lang="en-US" b="0" i="1" smtClean="0">
+                                  <a:latin typeface="Cambria Math" panose="02040503050406030204" pitchFamily="18" charset="0"/>
+                                </a:rPr>
+                              </m:ctrlPr>
+                            </m:dPr>
+                            <m:e>
+                              <m:sSub>
+                                <m:sSubPr>
+                                  <m:ctrlPr>
+                                    <a:rPr lang="en-US" b="0" i="1" smtClean="0">
+                                      <a:latin typeface="Cambria Math" panose="02040503050406030204" pitchFamily="18" charset="0"/>
+                                    </a:rPr>
+                                  </m:ctrlPr>
+                                </m:sSubPr>
+                                <m:e>
+                                  <m:r>
+                                    <a:rPr lang="en-US" b="0" i="1" smtClean="0">
+                                      <a:latin typeface="Cambria Math" panose="02040503050406030204" pitchFamily="18" charset="0"/>
+                                    </a:rPr>
+                                    <m:t>𝑘</m:t>
+                                  </m:r>
+                                </m:e>
+                                <m:sub>
+                                  <m:r>
+                                    <a:rPr lang="en-US" b="0" i="1" smtClean="0">
+                                      <a:latin typeface="Cambria Math" panose="02040503050406030204" pitchFamily="18" charset="0"/>
+                                    </a:rPr>
+                                    <m:t>𝑖</m:t>
+                                  </m:r>
+                                </m:sub>
+                              </m:sSub>
+                              <m:r>
+                                <a:rPr lang="en-US" b="0" i="1" smtClean="0">
+                                  <a:latin typeface="Cambria Math" panose="02040503050406030204" pitchFamily="18" charset="0"/>
+                                </a:rPr>
+                                <m:t>−1</m:t>
+                              </m:r>
+                            </m:e>
+                          </m:d>
+                        </m:den>
+                      </m:f>
+                    </m:oMath>
+                  </m:oMathPara>
+                </a14:m>
+                <a:endParaRPr lang="en-US" dirty="0"/>
+              </a:p>
+              <a:p>
+                <a:r>
+                  <a:rPr lang="en-US" dirty="0"/>
+                  <a:t>Can interpret the correlation coefficient as the fraction of edge pairs of node </a:t>
+                </a:r>
+                <a:r>
+                  <a:rPr lang="en-US" i="1" dirty="0" err="1"/>
+                  <a:t>i</a:t>
+                </a:r>
+                <a:r>
+                  <a:rPr lang="en-US" dirty="0"/>
+                  <a:t> that are part of a triad </a:t>
+                </a:r>
+              </a:p>
+              <a:p>
+                <a:r>
+                  <a:rPr lang="en-US" dirty="0"/>
+                  <a:t>Highly connected nodes of a graph have high clustering coefficients</a:t>
+                </a:r>
+              </a:p>
+              <a:p>
+                <a:r>
+                  <a:rPr lang="en-US" dirty="0"/>
+                  <a:t>Nodes with high clustering coefficients have high </a:t>
+                </a:r>
+                <a:r>
+                  <a:rPr lang="en-US" b="1" dirty="0"/>
+                  <a:t>transitive centrality </a:t>
+                </a:r>
+                <a:r>
+                  <a:rPr lang="en-US" dirty="0"/>
+                  <a:t>and are </a:t>
+                </a:r>
+                <a:r>
+                  <a:rPr lang="en-US" b="1" dirty="0"/>
+                  <a:t>influential </a:t>
+                </a:r>
+                <a:r>
+                  <a:rPr lang="en-US" dirty="0"/>
+                  <a:t>in the network</a:t>
+                </a:r>
+              </a:p>
+              <a:p>
+                <a:r>
+                  <a:rPr lang="en-US" dirty="0"/>
+                  <a:t>Clustering coefficient is efficient to compute – only requires triangle count and node degree  </a:t>
+                </a:r>
+              </a:p>
+              <a:p>
+                <a:pPr marL="0" indent="0">
+                  <a:buNone/>
+                </a:pPr>
+                <a:endParaRPr lang="en-US" dirty="0"/>
+              </a:p>
+            </p:txBody>
+          </p:sp>
+        </mc:Choice>
+        <mc:Fallback>
+          <p:sp>
+            <p:nvSpPr>
+              <p:cNvPr id="3" name="Content Placeholder 2">
+                <a:extLst>
+                  <a:ext uri="{FF2B5EF4-FFF2-40B4-BE49-F238E27FC236}">
+                    <a16:creationId xmlns:a16="http://schemas.microsoft.com/office/drawing/2014/main" id="{CA03134D-F068-4BC9-B038-F3D5CBDDE3F9}"/>
+                  </a:ext>
+                </a:extLst>
+              </p:cNvPr>
+              <p:cNvSpPr>
+                <a:spLocks noGrp="1" noRot="1" noChangeAspect="1" noMove="1" noResize="1" noEditPoints="1" noAdjustHandles="1" noChangeArrowheads="1" noChangeShapeType="1" noTextEdit="1"/>
+              </p:cNvSpPr>
+              <p:nvPr>
+                <p:ph idx="1"/>
+              </p:nvPr>
+            </p:nvSpPr>
+            <p:spPr>
+              <a:xfrm>
+                <a:off x="791394" y="1208868"/>
+                <a:ext cx="10792777" cy="5447426"/>
+              </a:xfrm>
+              <a:blipFill>
+                <a:blip r:embed="rId2"/>
+                <a:stretch>
+                  <a:fillRect l="-1186" t="-1790" r="-169"/>
+                </a:stretch>
+              </a:blipFill>
+            </p:spPr>
+            <p:txBody>
+              <a:bodyPr/>
+              <a:lstStyle/>
+              <a:p>
+                <a:r>
+                  <a:rPr lang="en-US">
+                    <a:noFill/>
+                  </a:rPr>
+                  <a:t> </a:t>
+                </a:r>
+              </a:p>
+            </p:txBody>
+          </p:sp>
+        </mc:Fallback>
+      </mc:AlternateContent>
     </p:spTree>
     <p:extLst>
       <p:ext uri="{BB962C8B-B14F-4D97-AF65-F5344CB8AC3E}">
-        <p14:creationId xmlns:p14="http://schemas.microsoft.com/office/powerpoint/2010/main" val="513003093"/>
+        <p14:creationId xmlns:p14="http://schemas.microsoft.com/office/powerpoint/2010/main" val="548877726"/>
       </p:ext>
     </p:extLst>
   </p:cSld>
@@ -15494,7 +16465,7 @@
                             </p:stCondLst>
                             <p:childTnLst>
                               <p:par>
-                                <p:cTn id="5" presetID="1" presetClass="entr" presetSubtype="0" fill="hold" nodeType="clickEffect">
+                                <p:cTn id="5" presetID="1" presetClass="entr" presetSubtype="0" fill="hold" grpId="0" nodeType="clickEffect">
                                   <p:stCondLst>
                                     <p:cond delay="0"/>
                                   </p:stCondLst>
@@ -15509,7 +16480,7 @@
                                         <p:tgtEl>
                                           <p:spTgt spid="3">
                                             <p:txEl>
-                                              <p:pRg st="1" end="1"/>
+                                              <p:pRg st="3" end="3"/>
                                             </p:txEl>
                                           </p:spTgt>
                                         </p:tgtEl>
@@ -15543,7 +16514,7 @@
                             </p:stCondLst>
                             <p:childTnLst>
                               <p:par>
-                                <p:cTn id="9" presetID="1" presetClass="entr" presetSubtype="0" fill="hold" nodeType="clickEffect">
+                                <p:cTn id="9" presetID="1" presetClass="entr" presetSubtype="0" fill="hold" grpId="0" nodeType="clickEffect">
                                   <p:stCondLst>
                                     <p:cond delay="0"/>
                                   </p:stCondLst>
@@ -15558,7 +16529,7 @@
                                         <p:tgtEl>
                                           <p:spTgt spid="3">
                                             <p:txEl>
-                                              <p:pRg st="2" end="2"/>
+                                              <p:pRg st="4" end="4"/>
                                             </p:txEl>
                                           </p:spTgt>
                                         </p:tgtEl>
@@ -15592,7 +16563,7 @@
                             </p:stCondLst>
                             <p:childTnLst>
                               <p:par>
-                                <p:cTn id="13" presetID="1" presetClass="entr" presetSubtype="0" fill="hold" nodeType="clickEffect">
+                                <p:cTn id="13" presetID="1" presetClass="entr" presetSubtype="0" fill="hold" grpId="0" nodeType="clickEffect">
                                   <p:stCondLst>
                                     <p:cond delay="0"/>
                                   </p:stCondLst>
@@ -15607,7 +16578,7 @@
                                         <p:tgtEl>
                                           <p:spTgt spid="3">
                                             <p:txEl>
-                                              <p:pRg st="3" end="3"/>
+                                              <p:pRg st="5" end="5"/>
                                             </p:txEl>
                                           </p:spTgt>
                                         </p:tgtEl>
@@ -15641,7 +16612,7 @@
                             </p:stCondLst>
                             <p:childTnLst>
                               <p:par>
-                                <p:cTn id="17" presetID="1" presetClass="entr" presetSubtype="0" fill="hold" nodeType="clickEffect">
+                                <p:cTn id="17" presetID="1" presetClass="entr" presetSubtype="0" fill="hold" grpId="0" nodeType="clickEffect">
                                   <p:stCondLst>
                                     <p:cond delay="0"/>
                                   </p:stCondLst>
@@ -15649,104 +16620,6 @@
                                     <p:set>
                                       <p:cBhvr>
                                         <p:cTn id="18" dur="1" fill="hold">
-                                          <p:stCondLst>
-                                            <p:cond delay="0"/>
-                                          </p:stCondLst>
-                                        </p:cTn>
-                                        <p:tgtEl>
-                                          <p:spTgt spid="3">
-                                            <p:txEl>
-                                              <p:pRg st="4" end="4"/>
-                                            </p:txEl>
-                                          </p:spTgt>
-                                        </p:tgtEl>
-                                        <p:attrNameLst>
-                                          <p:attrName>style.visibility</p:attrName>
-                                        </p:attrNameLst>
-                                      </p:cBhvr>
-                                      <p:to>
-                                        <p:strVal val="visible"/>
-                                      </p:to>
-                                    </p:set>
-                                  </p:childTnLst>
-                                </p:cTn>
-                              </p:par>
-                            </p:childTnLst>
-                          </p:cTn>
-                        </p:par>
-                      </p:childTnLst>
-                    </p:cTn>
-                  </p:par>
-                  <p:par>
-                    <p:cTn id="19" fill="hold">
-                      <p:stCondLst>
-                        <p:cond delay="indefinite"/>
-                      </p:stCondLst>
-                      <p:childTnLst>
-                        <p:par>
-                          <p:cTn id="20" fill="hold">
-                            <p:stCondLst>
-                              <p:cond delay="0"/>
-                            </p:stCondLst>
-                            <p:childTnLst>
-                              <p:par>
-                                <p:cTn id="21" presetID="1" presetClass="entr" presetSubtype="0" fill="hold" nodeType="clickEffect">
-                                  <p:stCondLst>
-                                    <p:cond delay="0"/>
-                                  </p:stCondLst>
-                                  <p:childTnLst>
-                                    <p:set>
-                                      <p:cBhvr>
-                                        <p:cTn id="22" dur="1" fill="hold">
-                                          <p:stCondLst>
-                                            <p:cond delay="0"/>
-                                          </p:stCondLst>
-                                        </p:cTn>
-                                        <p:tgtEl>
-                                          <p:spTgt spid="3">
-                                            <p:txEl>
-                                              <p:pRg st="5" end="5"/>
-                                            </p:txEl>
-                                          </p:spTgt>
-                                        </p:tgtEl>
-                                        <p:attrNameLst>
-                                          <p:attrName>style.visibility</p:attrName>
-                                        </p:attrNameLst>
-                                      </p:cBhvr>
-                                      <p:to>
-                                        <p:strVal val="visible"/>
-                                      </p:to>
-                                    </p:set>
-                                  </p:childTnLst>
-                                </p:cTn>
-                              </p:par>
-                            </p:childTnLst>
-                          </p:cTn>
-                        </p:par>
-                      </p:childTnLst>
-                    </p:cTn>
-                  </p:par>
-                  <p:par>
-                    <p:cTn id="23" fill="hold">
-                      <p:stCondLst>
-                        <p:cond delay="indefinite"/>
-                      </p:stCondLst>
-                      <p:childTnLst>
-                        <p:par>
-                          <p:cTn id="24" fill="hold">
-                            <p:stCondLst>
-                              <p:cond delay="0"/>
-                            </p:stCondLst>
-                            <p:childTnLst>
-                              <p:par>
-                                <p:cTn id="25" presetID="1" presetClass="entr" presetSubtype="0" fill="hold" nodeType="clickEffect">
-                                  <p:stCondLst>
-                                    <p:cond delay="0"/>
-                                  </p:stCondLst>
-                                  <p:childTnLst>
-                                    <p:set>
-                                      <p:cBhvr>
-                                        <p:cTn id="26" dur="1" fill="hold">
                                           <p:stCondLst>
                                             <p:cond delay="0"/>
                                           </p:stCondLst>
@@ -15796,11 +16669,164 @@
         </p:cTn>
       </p:par>
     </p:tnLst>
+    <p:bldLst>
+      <p:bldP spid="3" grpId="0" uiExpand="1" build="p"/>
+    </p:bldLst>
   </p:timing>
 </p:sld>
 </file>
 
-<file path=ppt/slides/slide20.xml><?xml version="1.0" encoding="utf-8"?>
+<file path=ppt/slides/slide23.xml><?xml version="1.0" encoding="utf-8"?>
+<p:sld xmlns:a="http://schemas.openxmlformats.org/drawingml/2006/main" xmlns:r="http://schemas.openxmlformats.org/officeDocument/2006/relationships" xmlns:p="http://schemas.openxmlformats.org/presentationml/2006/main">
+  <p:cSld>
+    <p:spTree>
+      <p:nvGrpSpPr>
+        <p:cNvPr id="1" name=""/>
+        <p:cNvGrpSpPr/>
+        <p:nvPr/>
+      </p:nvGrpSpPr>
+      <p:grpSpPr>
+        <a:xfrm>
+          <a:off x="0" y="0"/>
+          <a:ext cx="0" cy="0"/>
+          <a:chOff x="0" y="0"/>
+          <a:chExt cx="0" cy="0"/>
+        </a:xfrm>
+      </p:grpSpPr>
+      <p:sp>
+        <p:nvSpPr>
+          <p:cNvPr id="2" name="Title 1">
+            <a:extLst>
+              <a:ext uri="{FF2B5EF4-FFF2-40B4-BE49-F238E27FC236}">
+                <a16:creationId xmlns:a16="http://schemas.microsoft.com/office/drawing/2014/main" id="{3B3EA3CE-8DB0-40A5-B4A6-AFCE2156CC1F}"/>
+              </a:ext>
+            </a:extLst>
+          </p:cNvPr>
+          <p:cNvSpPr>
+            <a:spLocks noGrp="1"/>
+          </p:cNvSpPr>
+          <p:nvPr>
+            <p:ph type="title"/>
+          </p:nvPr>
+        </p:nvSpPr>
+        <p:spPr>
+          <a:xfrm>
+            <a:off x="838200" y="365125"/>
+            <a:ext cx="10515600" cy="620993"/>
+          </a:xfrm>
+        </p:spPr>
+        <p:txBody>
+          <a:bodyPr>
+            <a:normAutofit fontScale="90000"/>
+          </a:bodyPr>
+          <a:lstStyle/>
+          <a:p>
+            <a:r>
+              <a:rPr lang="en-US" dirty="0">
+                <a:latin typeface="+mn-lt"/>
+              </a:rPr>
+              <a:t>Communities and Triangle Density</a:t>
+            </a:r>
+            <a:endParaRPr lang="en-US" dirty="0"/>
+          </a:p>
+        </p:txBody>
+      </p:sp>
+      <p:sp>
+        <p:nvSpPr>
+          <p:cNvPr id="3" name="Content Placeholder 2">
+            <a:extLst>
+              <a:ext uri="{FF2B5EF4-FFF2-40B4-BE49-F238E27FC236}">
+                <a16:creationId xmlns:a16="http://schemas.microsoft.com/office/drawing/2014/main" id="{CA03134D-F068-4BC9-B038-F3D5CBDDE3F9}"/>
+              </a:ext>
+            </a:extLst>
+          </p:cNvPr>
+          <p:cNvSpPr>
+            <a:spLocks noGrp="1"/>
+          </p:cNvSpPr>
+          <p:nvPr>
+            <p:ph idx="1"/>
+          </p:nvPr>
+        </p:nvSpPr>
+        <p:spPr>
+          <a:xfrm>
+            <a:off x="791394" y="1208868"/>
+            <a:ext cx="4009205" cy="1691495"/>
+          </a:xfrm>
+        </p:spPr>
+        <p:txBody>
+          <a:bodyPr>
+            <a:normAutofit/>
+          </a:bodyPr>
+          <a:lstStyle/>
+          <a:p>
+            <a:pPr marL="0" indent="0">
+              <a:buNone/>
+            </a:pPr>
+            <a:r>
+              <a:rPr lang="en-US" dirty="0"/>
+              <a:t>Example: </a:t>
+            </a:r>
+            <a:r>
+              <a:rPr lang="en-US" b="1" dirty="0"/>
+              <a:t>Clustering Coefficient </a:t>
+            </a:r>
+            <a:r>
+              <a:rPr lang="en-US" dirty="0"/>
+              <a:t>as an indicator or community cores </a:t>
+            </a:r>
+          </a:p>
+          <a:p>
+            <a:pPr marL="0" indent="0">
+              <a:buNone/>
+            </a:pPr>
+            <a:endParaRPr lang="en-US" dirty="0"/>
+          </a:p>
+        </p:txBody>
+      </p:sp>
+      <p:pic>
+        <p:nvPicPr>
+          <p:cNvPr id="5" name="Picture 4">
+            <a:extLst>
+              <a:ext uri="{FF2B5EF4-FFF2-40B4-BE49-F238E27FC236}">
+                <a16:creationId xmlns:a16="http://schemas.microsoft.com/office/drawing/2014/main" id="{F6D69209-5938-1109-A055-8BFA205B5696}"/>
+              </a:ext>
+            </a:extLst>
+          </p:cNvPr>
+          <p:cNvPicPr>
+            <a:picLocks noChangeAspect="1"/>
+          </p:cNvPicPr>
+          <p:nvPr/>
+        </p:nvPicPr>
+        <p:blipFill>
+          <a:blip r:embed="rId2"/>
+          <a:stretch>
+            <a:fillRect/>
+          </a:stretch>
+        </p:blipFill>
+        <p:spPr>
+          <a:xfrm>
+            <a:off x="4871751" y="1052793"/>
+            <a:ext cx="7172611" cy="5704824"/>
+          </a:xfrm>
+          <a:prstGeom prst="rect">
+            <a:avLst/>
+          </a:prstGeom>
+        </p:spPr>
+      </p:pic>
+    </p:spTree>
+    <p:extLst>
+      <p:ext uri="{BB962C8B-B14F-4D97-AF65-F5344CB8AC3E}">
+        <p14:creationId xmlns:p14="http://schemas.microsoft.com/office/powerpoint/2010/main" val="3523962727"/>
+      </p:ext>
+    </p:extLst>
+  </p:cSld>
+  <p:clrMapOvr>
+    <a:masterClrMapping/>
+  </p:clrMapOvr>
+</p:sld>
+</file>
+
+<file path=ppt/slides/slide24.xml><?xml version="1.0" encoding="utf-8"?>
 <p:sld xmlns:a="http://schemas.openxmlformats.org/drawingml/2006/main" xmlns:r="http://schemas.openxmlformats.org/officeDocument/2006/relationships" xmlns:p="http://schemas.openxmlformats.org/presentationml/2006/main">
   <p:cSld>
     <p:spTree>
@@ -16462,7 +17488,7 @@
 </p:sld>
 </file>
 
-<file path=ppt/slides/slide21.xml><?xml version="1.0" encoding="utf-8"?>
+<file path=ppt/slides/slide25.xml><?xml version="1.0" encoding="utf-8"?>
 <p:sld xmlns:a="http://schemas.openxmlformats.org/drawingml/2006/main" xmlns:r="http://schemas.openxmlformats.org/officeDocument/2006/relationships" xmlns:p="http://schemas.openxmlformats.org/presentationml/2006/main">
   <p:cSld>
     <p:spTree>
@@ -16861,7 +17887,7 @@
 </p:sld>
 </file>
 
-<file path=ppt/slides/slide22.xml><?xml version="1.0" encoding="utf-8"?>
+<file path=ppt/slides/slide26.xml><?xml version="1.0" encoding="utf-8"?>
 <p:sld xmlns:a="http://schemas.openxmlformats.org/drawingml/2006/main" xmlns:r="http://schemas.openxmlformats.org/officeDocument/2006/relationships" xmlns:p="http://schemas.openxmlformats.org/presentationml/2006/main">
   <p:cSld>
     <p:spTree>
@@ -17246,7 +18272,7 @@
 </p:sld>
 </file>
 
-<file path=ppt/slides/slide23.xml><?xml version="1.0" encoding="utf-8"?>
+<file path=ppt/slides/slide27.xml><?xml version="1.0" encoding="utf-8"?>
 <p:sld xmlns:a="http://schemas.openxmlformats.org/drawingml/2006/main" xmlns:r="http://schemas.openxmlformats.org/officeDocument/2006/relationships" xmlns:p="http://schemas.openxmlformats.org/presentationml/2006/main">
   <p:cSld>
     <p:spTree>
@@ -17774,7 +18800,7 @@
 </p:sld>
 </file>
 
-<file path=ppt/slides/slide24.xml><?xml version="1.0" encoding="utf-8"?>
+<file path=ppt/slides/slide28.xml><?xml version="1.0" encoding="utf-8"?>
 <p:sld xmlns:a="http://schemas.openxmlformats.org/drawingml/2006/main" xmlns:r="http://schemas.openxmlformats.org/officeDocument/2006/relationships" xmlns:p="http://schemas.openxmlformats.org/presentationml/2006/main">
   <p:cSld>
     <p:spTree>
@@ -18518,7 +19544,7 @@
 </p:sld>
 </file>
 
-<file path=ppt/slides/slide25.xml><?xml version="1.0" encoding="utf-8"?>
+<file path=ppt/slides/slide29.xml><?xml version="1.0" encoding="utf-8"?>
 <p:sld xmlns:a="http://schemas.openxmlformats.org/drawingml/2006/main" xmlns:r="http://schemas.openxmlformats.org/officeDocument/2006/relationships" xmlns:p="http://schemas.openxmlformats.org/presentationml/2006/main">
   <p:cSld>
     <p:spTree>
@@ -22473,7 +23499,371 @@
 </p:sld>
 </file>
 
-<file path=ppt/slides/slide26.xml><?xml version="1.0" encoding="utf-8"?>
+<file path=ppt/slides/slide3.xml><?xml version="1.0" encoding="utf-8"?>
+<p:sld xmlns:a="http://schemas.openxmlformats.org/drawingml/2006/main" xmlns:r="http://schemas.openxmlformats.org/officeDocument/2006/relationships" xmlns:p="http://schemas.openxmlformats.org/presentationml/2006/main">
+  <p:cSld>
+    <p:spTree>
+      <p:nvGrpSpPr>
+        <p:cNvPr id="1" name=""/>
+        <p:cNvGrpSpPr/>
+        <p:nvPr/>
+      </p:nvGrpSpPr>
+      <p:grpSpPr>
+        <a:xfrm>
+          <a:off x="0" y="0"/>
+          <a:ext cx="0" cy="0"/>
+          <a:chOff x="0" y="0"/>
+          <a:chExt cx="0" cy="0"/>
+        </a:xfrm>
+      </p:grpSpPr>
+      <p:sp>
+        <p:nvSpPr>
+          <p:cNvPr id="2" name="Title 1">
+            <a:extLst>
+              <a:ext uri="{FF2B5EF4-FFF2-40B4-BE49-F238E27FC236}">
+                <a16:creationId xmlns:a16="http://schemas.microsoft.com/office/drawing/2014/main" id="{3B3EA3CE-8DB0-40A5-B4A6-AFCE2156CC1F}"/>
+              </a:ext>
+            </a:extLst>
+          </p:cNvPr>
+          <p:cNvSpPr>
+            <a:spLocks noGrp="1"/>
+          </p:cNvSpPr>
+          <p:nvPr>
+            <p:ph type="title"/>
+          </p:nvPr>
+        </p:nvSpPr>
+        <p:spPr>
+          <a:xfrm>
+            <a:off x="838200" y="365125"/>
+            <a:ext cx="10515600" cy="620993"/>
+          </a:xfrm>
+        </p:spPr>
+        <p:txBody>
+          <a:bodyPr>
+            <a:normAutofit fontScale="90000"/>
+          </a:bodyPr>
+          <a:lstStyle/>
+          <a:p>
+            <a:r>
+              <a:rPr lang="en-US" dirty="0">
+                <a:latin typeface="+mn-lt"/>
+              </a:rPr>
+              <a:t>Introduction to Social Network Analysis</a:t>
+            </a:r>
+            <a:endParaRPr lang="en-US" dirty="0"/>
+          </a:p>
+        </p:txBody>
+      </p:sp>
+      <p:sp>
+        <p:nvSpPr>
+          <p:cNvPr id="3" name="Content Placeholder 2">
+            <a:extLst>
+              <a:ext uri="{FF2B5EF4-FFF2-40B4-BE49-F238E27FC236}">
+                <a16:creationId xmlns:a16="http://schemas.microsoft.com/office/drawing/2014/main" id="{CA03134D-F068-4BC9-B038-F3D5CBDDE3F9}"/>
+              </a:ext>
+            </a:extLst>
+          </p:cNvPr>
+          <p:cNvSpPr>
+            <a:spLocks noGrp="1"/>
+          </p:cNvSpPr>
+          <p:nvPr>
+            <p:ph idx="1"/>
+          </p:nvPr>
+        </p:nvSpPr>
+        <p:spPr>
+          <a:xfrm>
+            <a:off x="775447" y="1208868"/>
+            <a:ext cx="5540293" cy="5526858"/>
+          </a:xfrm>
+        </p:spPr>
+        <p:txBody>
+          <a:bodyPr>
+            <a:normAutofit/>
+          </a:bodyPr>
+          <a:lstStyle/>
+          <a:p>
+            <a:pPr marL="0" indent="0">
+              <a:buNone/>
+            </a:pPr>
+            <a:r>
+              <a:rPr lang="en-US" dirty="0"/>
+              <a:t>Social networks appear in many forms </a:t>
+            </a:r>
+          </a:p>
+          <a:p>
+            <a:r>
+              <a:rPr lang="en-US" dirty="0"/>
+              <a:t>Example: small network of co-authorship of scientific papers   </a:t>
+            </a:r>
+          </a:p>
+          <a:p>
+            <a:r>
+              <a:rPr lang="en-US" dirty="0"/>
+              <a:t>Relationships organize along discipline lines</a:t>
+            </a:r>
+          </a:p>
+          <a:p>
+            <a:pPr marL="0" indent="0">
+              <a:buNone/>
+            </a:pPr>
+            <a:endParaRPr lang="en-US" dirty="0"/>
+          </a:p>
+          <a:p>
+            <a:pPr marL="0" indent="0">
+              <a:buNone/>
+            </a:pPr>
+            <a:r>
+              <a:rPr lang="en-US" sz="2000" dirty="0">
+                <a:hlinkClick r:id="rId2"/>
+              </a:rPr>
+              <a:t>Credit: Neman, 2004, Proceedings of the National Academy of Sciences</a:t>
+            </a:r>
+            <a:endParaRPr lang="en-US" sz="2000" dirty="0"/>
+          </a:p>
+          <a:p>
+            <a:endParaRPr lang="en-US" dirty="0"/>
+          </a:p>
+          <a:p>
+            <a:endParaRPr lang="en-US" dirty="0"/>
+          </a:p>
+        </p:txBody>
+      </p:sp>
+      <p:pic>
+        <p:nvPicPr>
+          <p:cNvPr id="5" name="Picture 4">
+            <a:extLst>
+              <a:ext uri="{FF2B5EF4-FFF2-40B4-BE49-F238E27FC236}">
+                <a16:creationId xmlns:a16="http://schemas.microsoft.com/office/drawing/2014/main" id="{B7303829-900A-40AC-89F5-A8ED8F2FF80B}"/>
+              </a:ext>
+            </a:extLst>
+          </p:cNvPr>
+          <p:cNvPicPr>
+            <a:picLocks noChangeAspect="1"/>
+          </p:cNvPicPr>
+          <p:nvPr/>
+        </p:nvPicPr>
+        <p:blipFill>
+          <a:blip r:embed="rId3">
+            <a:extLst>
+              <a:ext uri="{28A0092B-C50C-407E-A947-70E740481C1C}">
+                <a14:useLocalDpi xmlns:a14="http://schemas.microsoft.com/office/drawing/2010/main" val="0"/>
+              </a:ext>
+            </a:extLst>
+          </a:blip>
+          <a:stretch>
+            <a:fillRect/>
+          </a:stretch>
+        </p:blipFill>
+        <p:spPr>
+          <a:xfrm>
+            <a:off x="6744233" y="1043689"/>
+            <a:ext cx="4976640" cy="5449186"/>
+          </a:xfrm>
+          <a:prstGeom prst="rect">
+            <a:avLst/>
+          </a:prstGeom>
+        </p:spPr>
+      </p:pic>
+    </p:spTree>
+    <p:extLst>
+      <p:ext uri="{BB962C8B-B14F-4D97-AF65-F5344CB8AC3E}">
+        <p14:creationId xmlns:p14="http://schemas.microsoft.com/office/powerpoint/2010/main" val="3698031167"/>
+      </p:ext>
+    </p:extLst>
+  </p:cSld>
+  <p:clrMapOvr>
+    <a:masterClrMapping/>
+  </p:clrMapOvr>
+  <p:timing>
+    <p:tnLst>
+      <p:par>
+        <p:cTn id="1" dur="indefinite" restart="never" nodeType="tmRoot">
+          <p:childTnLst>
+            <p:seq concurrent="1" nextAc="seek">
+              <p:cTn id="2" dur="indefinite" nodeType="mainSeq">
+                <p:childTnLst>
+                  <p:par>
+                    <p:cTn id="3" fill="hold">
+                      <p:stCondLst>
+                        <p:cond delay="indefinite"/>
+                      </p:stCondLst>
+                      <p:childTnLst>
+                        <p:par>
+                          <p:cTn id="4" fill="hold">
+                            <p:stCondLst>
+                              <p:cond delay="0"/>
+                            </p:stCondLst>
+                            <p:childTnLst>
+                              <p:par>
+                                <p:cTn id="5" presetID="1" presetClass="entr" presetSubtype="0" fill="hold" nodeType="clickEffect">
+                                  <p:stCondLst>
+                                    <p:cond delay="0"/>
+                                  </p:stCondLst>
+                                  <p:childTnLst>
+                                    <p:set>
+                                      <p:cBhvr>
+                                        <p:cTn id="6" dur="1" fill="hold">
+                                          <p:stCondLst>
+                                            <p:cond delay="0"/>
+                                          </p:stCondLst>
+                                        </p:cTn>
+                                        <p:tgtEl>
+                                          <p:spTgt spid="3">
+                                            <p:txEl>
+                                              <p:pRg st="1" end="1"/>
+                                            </p:txEl>
+                                          </p:spTgt>
+                                        </p:tgtEl>
+                                        <p:attrNameLst>
+                                          <p:attrName>style.visibility</p:attrName>
+                                        </p:attrNameLst>
+                                      </p:cBhvr>
+                                      <p:to>
+                                        <p:strVal val="visible"/>
+                                      </p:to>
+                                    </p:set>
+                                  </p:childTnLst>
+                                </p:cTn>
+                              </p:par>
+                              <p:par>
+                                <p:cTn id="7" presetID="1" presetClass="entr" presetSubtype="0" fill="hold" nodeType="withEffect">
+                                  <p:stCondLst>
+                                    <p:cond delay="0"/>
+                                  </p:stCondLst>
+                                  <p:childTnLst>
+                                    <p:set>
+                                      <p:cBhvr>
+                                        <p:cTn id="8" dur="1" fill="hold">
+                                          <p:stCondLst>
+                                            <p:cond delay="0"/>
+                                          </p:stCondLst>
+                                        </p:cTn>
+                                        <p:tgtEl>
+                                          <p:spTgt spid="5"/>
+                                        </p:tgtEl>
+                                        <p:attrNameLst>
+                                          <p:attrName>style.visibility</p:attrName>
+                                        </p:attrNameLst>
+                                      </p:cBhvr>
+                                      <p:to>
+                                        <p:strVal val="visible"/>
+                                      </p:to>
+                                    </p:set>
+                                  </p:childTnLst>
+                                </p:cTn>
+                              </p:par>
+                              <p:par>
+                                <p:cTn id="9" presetID="1" presetClass="entr" presetSubtype="0" fill="hold" nodeType="withEffect">
+                                  <p:stCondLst>
+                                    <p:cond delay="0"/>
+                                  </p:stCondLst>
+                                  <p:childTnLst>
+                                    <p:set>
+                                      <p:cBhvr>
+                                        <p:cTn id="10" dur="1" fill="hold">
+                                          <p:stCondLst>
+                                            <p:cond delay="0"/>
+                                          </p:stCondLst>
+                                        </p:cTn>
+                                        <p:tgtEl>
+                                          <p:spTgt spid="3">
+                                            <p:txEl>
+                                              <p:pRg st="4" end="4"/>
+                                            </p:txEl>
+                                          </p:spTgt>
+                                        </p:tgtEl>
+                                        <p:attrNameLst>
+                                          <p:attrName>style.visibility</p:attrName>
+                                        </p:attrNameLst>
+                                      </p:cBhvr>
+                                      <p:to>
+                                        <p:strVal val="visible"/>
+                                      </p:to>
+                                    </p:set>
+                                  </p:childTnLst>
+                                </p:cTn>
+                              </p:par>
+                            </p:childTnLst>
+                          </p:cTn>
+                        </p:par>
+                      </p:childTnLst>
+                    </p:cTn>
+                  </p:par>
+                  <p:par>
+                    <p:cTn id="11" fill="hold">
+                      <p:stCondLst>
+                        <p:cond delay="indefinite"/>
+                      </p:stCondLst>
+                      <p:childTnLst>
+                        <p:par>
+                          <p:cTn id="12" fill="hold">
+                            <p:stCondLst>
+                              <p:cond delay="0"/>
+                            </p:stCondLst>
+                            <p:childTnLst>
+                              <p:par>
+                                <p:cTn id="13" presetID="1" presetClass="entr" presetSubtype="0" fill="hold" nodeType="clickEffect">
+                                  <p:stCondLst>
+                                    <p:cond delay="0"/>
+                                  </p:stCondLst>
+                                  <p:childTnLst>
+                                    <p:set>
+                                      <p:cBhvr>
+                                        <p:cTn id="14" dur="1" fill="hold">
+                                          <p:stCondLst>
+                                            <p:cond delay="0"/>
+                                          </p:stCondLst>
+                                        </p:cTn>
+                                        <p:tgtEl>
+                                          <p:spTgt spid="3">
+                                            <p:txEl>
+                                              <p:pRg st="2" end="2"/>
+                                            </p:txEl>
+                                          </p:spTgt>
+                                        </p:tgtEl>
+                                        <p:attrNameLst>
+                                          <p:attrName>style.visibility</p:attrName>
+                                        </p:attrNameLst>
+                                      </p:cBhvr>
+                                      <p:to>
+                                        <p:strVal val="visible"/>
+                                      </p:to>
+                                    </p:set>
+                                  </p:childTnLst>
+                                </p:cTn>
+                              </p:par>
+                            </p:childTnLst>
+                          </p:cTn>
+                        </p:par>
+                      </p:childTnLst>
+                    </p:cTn>
+                  </p:par>
+                </p:childTnLst>
+              </p:cTn>
+              <p:prevCondLst>
+                <p:cond evt="onPrev" delay="0">
+                  <p:tgtEl>
+                    <p:sldTgt/>
+                  </p:tgtEl>
+                </p:cond>
+              </p:prevCondLst>
+              <p:nextCondLst>
+                <p:cond evt="onNext" delay="0">
+                  <p:tgtEl>
+                    <p:sldTgt/>
+                  </p:tgtEl>
+                </p:cond>
+              </p:nextCondLst>
+            </p:seq>
+          </p:childTnLst>
+        </p:cTn>
+      </p:par>
+    </p:tnLst>
+  </p:timing>
+</p:sld>
+</file>
+
+<file path=ppt/slides/slide30.xml><?xml version="1.0" encoding="utf-8"?>
 <p:sld xmlns:a="http://schemas.openxmlformats.org/drawingml/2006/main" xmlns:r="http://schemas.openxmlformats.org/officeDocument/2006/relationships" xmlns:p="http://schemas.openxmlformats.org/presentationml/2006/main">
   <p:cSld>
     <p:spTree>
@@ -23172,7 +24562,7 @@
 </p:sld>
 </file>
 
-<file path=ppt/slides/slide27.xml><?xml version="1.0" encoding="utf-8"?>
+<file path=ppt/slides/slide31.xml><?xml version="1.0" encoding="utf-8"?>
 <p:sld xmlns:a="http://schemas.openxmlformats.org/drawingml/2006/main" xmlns:r="http://schemas.openxmlformats.org/officeDocument/2006/relationships" xmlns:p="http://schemas.openxmlformats.org/presentationml/2006/main">
   <p:cSld>
     <p:spTree>
@@ -25448,7 +26838,7 @@
 </p:sld>
 </file>
 
-<file path=ppt/slides/slide28.xml><?xml version="1.0" encoding="utf-8"?>
+<file path=ppt/slides/slide32.xml><?xml version="1.0" encoding="utf-8"?>
 <p:sld xmlns:a="http://schemas.openxmlformats.org/drawingml/2006/main" xmlns:r="http://schemas.openxmlformats.org/officeDocument/2006/relationships" xmlns:p="http://schemas.openxmlformats.org/presentationml/2006/main">
   <p:cSld>
     <p:spTree>
@@ -27262,7 +28652,7 @@
 </p:sld>
 </file>
 
-<file path=ppt/slides/slide29.xml><?xml version="1.0" encoding="utf-8"?>
+<file path=ppt/slides/slide33.xml><?xml version="1.0" encoding="utf-8"?>
 <p:sld xmlns:a="http://schemas.openxmlformats.org/drawingml/2006/main" xmlns:r="http://schemas.openxmlformats.org/officeDocument/2006/relationships" xmlns:p="http://schemas.openxmlformats.org/presentationml/2006/main">
   <p:cSld>
     <p:spTree>
@@ -27854,7 +29244,7 @@
 </p:sld>
 </file>
 
-<file path=ppt/slides/slide3.xml><?xml version="1.0" encoding="utf-8"?>
+<file path=ppt/slides/slide34.xml><?xml version="1.0" encoding="utf-8"?>
 <p:sld xmlns:a="http://schemas.openxmlformats.org/drawingml/2006/main" xmlns:r="http://schemas.openxmlformats.org/officeDocument/2006/relationships" xmlns:p="http://schemas.openxmlformats.org/presentationml/2006/main">
   <p:cSld>
     <p:spTree>
@@ -27903,7 +29293,7 @@
               <a:rPr lang="en-US" dirty="0">
                 <a:latin typeface="+mn-lt"/>
               </a:rPr>
-              <a:t>Introduction to Social Network Analysis</a:t>
+              <a:t>Modularity of Communities  </a:t>
             </a:r>
             <a:endParaRPr lang="en-US" dirty="0"/>
           </a:p>
@@ -27927,8 +29317,8 @@
         </p:nvSpPr>
         <p:spPr>
           <a:xfrm>
-            <a:off x="775447" y="1208868"/>
-            <a:ext cx="5540293" cy="5526858"/>
+            <a:off x="791394" y="1208868"/>
+            <a:ext cx="10792777" cy="943604"/>
           </a:xfrm>
         </p:spPr>
         <p:txBody>
@@ -27941,54 +29331,41 @@
               <a:buNone/>
             </a:pPr>
             <a:r>
-              <a:rPr lang="en-US" dirty="0"/>
-              <a:t>Social networks appear in many forms </a:t>
+              <a:rPr lang="en-US" b="1" dirty="0"/>
+              <a:t>Modularity</a:t>
             </a:r>
-          </a:p>
-          <a:p>
             <a:r>
               <a:rPr lang="en-US" dirty="0"/>
-              <a:t>Example: small network of co-authorship of scientific papers   </a:t>
+              <a:t> estimates the extent that edges concentrate in communities </a:t>
             </a:r>
-          </a:p>
-          <a:p>
-            <a:r>
-              <a:rPr lang="en-US" dirty="0"/>
-              <a:t>Relationships organize along discipline lines</a:t>
-            </a:r>
-          </a:p>
-          <a:p>
-            <a:pPr marL="0" indent="0">
-              <a:buNone/>
-            </a:pPr>
-            <a:endParaRPr lang="en-US" dirty="0"/>
           </a:p>
           <a:p>
             <a:pPr marL="0" indent="0">
               <a:buNone/>
             </a:pPr>
             <a:r>
-              <a:rPr lang="en-US" sz="2000" dirty="0">
+              <a:rPr lang="en-US" sz="2400" dirty="0"/>
+              <a:t>Example from Elliot Anders </a:t>
+            </a:r>
+            <a:r>
+              <a:rPr lang="en-US" sz="2400" dirty="0">
                 <a:hlinkClick r:id="rId2"/>
               </a:rPr>
-              <a:t>Credit: Neman, 2004, Proceedings of the National Academy of Sciences</a:t>
+              <a:t>blog post</a:t>
             </a:r>
-            <a:endParaRPr lang="en-US" sz="2000" dirty="0"/>
-          </a:p>
-          <a:p>
-            <a:endParaRPr lang="en-US" dirty="0"/>
-          </a:p>
-          <a:p>
-            <a:endParaRPr lang="en-US" dirty="0"/>
+            <a:r>
+              <a:rPr lang="en-US" sz="2400" dirty="0"/>
+              <a:t> on visualization of Facebook friends</a:t>
+            </a:r>
           </a:p>
         </p:txBody>
       </p:sp>
       <p:pic>
         <p:nvPicPr>
-          <p:cNvPr id="5" name="Picture 4">
+          <p:cNvPr id="7" name="Picture 6">
             <a:extLst>
               <a:ext uri="{FF2B5EF4-FFF2-40B4-BE49-F238E27FC236}">
-                <a16:creationId xmlns:a16="http://schemas.microsoft.com/office/drawing/2014/main" id="{B7303829-900A-40AC-89F5-A8ED8F2FF80B}"/>
+                <a16:creationId xmlns:a16="http://schemas.microsoft.com/office/drawing/2014/main" id="{482A3B62-C674-EC1F-2530-3188194CE917}"/>
               </a:ext>
             </a:extLst>
           </p:cNvPr>
@@ -27998,21 +29375,15 @@
           <p:nvPr/>
         </p:nvPicPr>
         <p:blipFill>
-          <a:blip r:embed="rId3">
-            <a:extLst>
-              <a:ext uri="{28A0092B-C50C-407E-A947-70E740481C1C}">
-                <a14:useLocalDpi xmlns:a14="http://schemas.microsoft.com/office/drawing/2010/main" val="0"/>
-              </a:ext>
-            </a:extLst>
-          </a:blip>
+          <a:blip r:embed="rId3"/>
           <a:stretch>
             <a:fillRect/>
           </a:stretch>
         </p:blipFill>
         <p:spPr>
           <a:xfrm>
-            <a:off x="6744233" y="1043689"/>
-            <a:ext cx="4976640" cy="5449186"/>
+            <a:off x="1149535" y="2234448"/>
+            <a:ext cx="10434636" cy="4521676"/>
           </a:xfrm>
           <a:prstGeom prst="rect">
             <a:avLst/>
@@ -28022,221 +29393,17 @@
     </p:spTree>
     <p:extLst>
       <p:ext uri="{BB962C8B-B14F-4D97-AF65-F5344CB8AC3E}">
-        <p14:creationId xmlns:p14="http://schemas.microsoft.com/office/powerpoint/2010/main" val="3698031167"/>
+        <p14:creationId xmlns:p14="http://schemas.microsoft.com/office/powerpoint/2010/main" val="3513207914"/>
       </p:ext>
     </p:extLst>
   </p:cSld>
   <p:clrMapOvr>
     <a:masterClrMapping/>
   </p:clrMapOvr>
-  <p:timing>
-    <p:tnLst>
-      <p:par>
-        <p:cTn id="1" dur="indefinite" restart="never" nodeType="tmRoot">
-          <p:childTnLst>
-            <p:seq concurrent="1" nextAc="seek">
-              <p:cTn id="2" dur="indefinite" nodeType="mainSeq">
-                <p:childTnLst>
-                  <p:par>
-                    <p:cTn id="3" fill="hold">
-                      <p:stCondLst>
-                        <p:cond delay="indefinite"/>
-                      </p:stCondLst>
-                      <p:childTnLst>
-                        <p:par>
-                          <p:cTn id="4" fill="hold">
-                            <p:stCondLst>
-                              <p:cond delay="0"/>
-                            </p:stCondLst>
-                            <p:childTnLst>
-                              <p:par>
-                                <p:cTn id="5" presetID="1" presetClass="entr" presetSubtype="0" fill="hold" nodeType="clickEffect">
-                                  <p:stCondLst>
-                                    <p:cond delay="0"/>
-                                  </p:stCondLst>
-                                  <p:childTnLst>
-                                    <p:set>
-                                      <p:cBhvr>
-                                        <p:cTn id="6" dur="1" fill="hold">
-                                          <p:stCondLst>
-                                            <p:cond delay="0"/>
-                                          </p:stCondLst>
-                                        </p:cTn>
-                                        <p:tgtEl>
-                                          <p:spTgt spid="3">
-                                            <p:txEl>
-                                              <p:pRg st="1" end="1"/>
-                                            </p:txEl>
-                                          </p:spTgt>
-                                        </p:tgtEl>
-                                        <p:attrNameLst>
-                                          <p:attrName>style.visibility</p:attrName>
-                                        </p:attrNameLst>
-                                      </p:cBhvr>
-                                      <p:to>
-                                        <p:strVal val="visible"/>
-                                      </p:to>
-                                    </p:set>
-                                  </p:childTnLst>
-                                </p:cTn>
-                              </p:par>
-                              <p:par>
-                                <p:cTn id="7" presetID="1" presetClass="entr" presetSubtype="0" fill="hold" nodeType="withEffect">
-                                  <p:stCondLst>
-                                    <p:cond delay="0"/>
-                                  </p:stCondLst>
-                                  <p:childTnLst>
-                                    <p:set>
-                                      <p:cBhvr>
-                                        <p:cTn id="8" dur="1" fill="hold">
-                                          <p:stCondLst>
-                                            <p:cond delay="0"/>
-                                          </p:stCondLst>
-                                        </p:cTn>
-                                        <p:tgtEl>
-                                          <p:spTgt spid="5"/>
-                                        </p:tgtEl>
-                                        <p:attrNameLst>
-                                          <p:attrName>style.visibility</p:attrName>
-                                        </p:attrNameLst>
-                                      </p:cBhvr>
-                                      <p:to>
-                                        <p:strVal val="visible"/>
-                                      </p:to>
-                                    </p:set>
-                                  </p:childTnLst>
-                                </p:cTn>
-                              </p:par>
-                            </p:childTnLst>
-                          </p:cTn>
-                        </p:par>
-                      </p:childTnLst>
-                    </p:cTn>
-                  </p:par>
-                  <p:par>
-                    <p:cTn id="9" fill="hold">
-                      <p:stCondLst>
-                        <p:cond delay="indefinite"/>
-                      </p:stCondLst>
-                      <p:childTnLst>
-                        <p:par>
-                          <p:cTn id="10" fill="hold">
-                            <p:stCondLst>
-                              <p:cond delay="0"/>
-                            </p:stCondLst>
-                            <p:childTnLst>
-                              <p:par>
-                                <p:cTn id="11" presetID="1" presetClass="entr" presetSubtype="0" fill="hold" nodeType="clickEffect">
-                                  <p:stCondLst>
-                                    <p:cond delay="0"/>
-                                  </p:stCondLst>
-                                  <p:childTnLst>
-                                    <p:set>
-                                      <p:cBhvr>
-                                        <p:cTn id="12" dur="1" fill="hold">
-                                          <p:stCondLst>
-                                            <p:cond delay="0"/>
-                                          </p:stCondLst>
-                                        </p:cTn>
-                                        <p:tgtEl>
-                                          <p:spTgt spid="3">
-                                            <p:txEl>
-                                              <p:pRg st="2" end="2"/>
-                                            </p:txEl>
-                                          </p:spTgt>
-                                        </p:tgtEl>
-                                        <p:attrNameLst>
-                                          <p:attrName>style.visibility</p:attrName>
-                                        </p:attrNameLst>
-                                      </p:cBhvr>
-                                      <p:to>
-                                        <p:strVal val="visible"/>
-                                      </p:to>
-                                    </p:set>
-                                  </p:childTnLst>
-                                </p:cTn>
-                              </p:par>
-                            </p:childTnLst>
-                          </p:cTn>
-                        </p:par>
-                      </p:childTnLst>
-                    </p:cTn>
-                  </p:par>
-                  <p:par>
-                    <p:cTn id="13" fill="hold">
-                      <p:stCondLst>
-                        <p:cond delay="indefinite"/>
-                      </p:stCondLst>
-                      <p:childTnLst>
-                        <p:par>
-                          <p:cTn id="14" fill="hold">
-                            <p:stCondLst>
-                              <p:cond delay="0"/>
-                            </p:stCondLst>
-                            <p:childTnLst>
-                              <p:par>
-                                <p:cTn id="15" presetID="1" presetClass="entr" presetSubtype="0" fill="hold" nodeType="clickEffect">
-                                  <p:stCondLst>
-                                    <p:cond delay="0"/>
-                                  </p:stCondLst>
-                                  <p:childTnLst>
-                                    <p:set>
-                                      <p:cBhvr>
-                                        <p:cTn id="16" dur="1" fill="hold">
-                                          <p:stCondLst>
-                                            <p:cond delay="0"/>
-                                          </p:stCondLst>
-                                        </p:cTn>
-                                        <p:tgtEl>
-                                          <p:spTgt spid="3">
-                                            <p:txEl>
-                                              <p:pRg st="4" end="4"/>
-                                            </p:txEl>
-                                          </p:spTgt>
-                                        </p:tgtEl>
-                                        <p:attrNameLst>
-                                          <p:attrName>style.visibility</p:attrName>
-                                        </p:attrNameLst>
-                                      </p:cBhvr>
-                                      <p:to>
-                                        <p:strVal val="visible"/>
-                                      </p:to>
-                                    </p:set>
-                                  </p:childTnLst>
-                                </p:cTn>
-                              </p:par>
-                            </p:childTnLst>
-                          </p:cTn>
-                        </p:par>
-                      </p:childTnLst>
-                    </p:cTn>
-                  </p:par>
-                </p:childTnLst>
-              </p:cTn>
-              <p:prevCondLst>
-                <p:cond evt="onPrev" delay="0">
-                  <p:tgtEl>
-                    <p:sldTgt/>
-                  </p:tgtEl>
-                </p:cond>
-              </p:prevCondLst>
-              <p:nextCondLst>
-                <p:cond evt="onNext" delay="0">
-                  <p:tgtEl>
-                    <p:sldTgt/>
-                  </p:tgtEl>
-                </p:cond>
-              </p:nextCondLst>
-            </p:seq>
-          </p:childTnLst>
-        </p:cTn>
-      </p:par>
-    </p:tnLst>
-  </p:timing>
 </p:sld>
 </file>
 
-<file path=ppt/slides/slide30.xml><?xml version="1.0" encoding="utf-8"?>
+<file path=ppt/slides/slide35.xml><?xml version="1.0" encoding="utf-8"?>
 <p:sld xmlns:a="http://schemas.openxmlformats.org/drawingml/2006/main" xmlns:r="http://schemas.openxmlformats.org/officeDocument/2006/relationships" xmlns:p="http://schemas.openxmlformats.org/presentationml/2006/main">
   <p:cSld>
     <p:spTree>
@@ -28291,8 +29458,8 @@
           </a:p>
         </p:txBody>
       </p:sp>
-      <mc:AlternateContent xmlns:mc="http://schemas.openxmlformats.org/markup-compatibility/2006">
-        <mc:Choice xmlns:a14="http://schemas.microsoft.com/office/drawing/2010/main" Requires="a14">
+      <mc:AlternateContent xmlns:mc="http://schemas.openxmlformats.org/markup-compatibility/2006" xmlns:a14="http://schemas.microsoft.com/office/drawing/2010/main">
+        <mc:Choice Requires="a14">
           <p:sp>
             <p:nvSpPr>
               <p:cNvPr id="3" name="Content Placeholder 2">
@@ -29200,7 +30367,7 @@
             </p:txBody>
           </p:sp>
         </mc:Choice>
-        <mc:Fallback>
+        <mc:Fallback xmlns="">
           <p:sp>
             <p:nvSpPr>
               <p:cNvPr id="3" name="Content Placeholder 2">
@@ -29589,7 +30756,7 @@
 </p:sld>
 </file>
 
-<file path=ppt/slides/slide31.xml><?xml version="1.0" encoding="utf-8"?>
+<file path=ppt/slides/slide36.xml><?xml version="1.0" encoding="utf-8"?>
 <p:sld xmlns:a="http://schemas.openxmlformats.org/drawingml/2006/main" xmlns:r="http://schemas.openxmlformats.org/officeDocument/2006/relationships" xmlns:p="http://schemas.openxmlformats.org/presentationml/2006/main">
   <p:cSld>
     <p:spTree>
@@ -30646,7 +31813,7 @@
 </p:sld>
 </file>
 
-<file path=ppt/slides/slide32.xml><?xml version="1.0" encoding="utf-8"?>
+<file path=ppt/slides/slide37.xml><?xml version="1.0" encoding="utf-8"?>
 <p:sld xmlns:a="http://schemas.openxmlformats.org/drawingml/2006/main" xmlns:r="http://schemas.openxmlformats.org/officeDocument/2006/relationships" xmlns:p="http://schemas.openxmlformats.org/presentationml/2006/main">
   <p:cSld>
     <p:spTree>
@@ -32021,7 +33188,7 @@
 </p:sld>
 </file>
 
-<file path=ppt/slides/slide33.xml><?xml version="1.0" encoding="utf-8"?>
+<file path=ppt/slides/slide38.xml><?xml version="1.0" encoding="utf-8"?>
 <p:sld xmlns:a="http://schemas.openxmlformats.org/drawingml/2006/main" xmlns:r="http://schemas.openxmlformats.org/officeDocument/2006/relationships" xmlns:p="http://schemas.openxmlformats.org/presentationml/2006/main">
   <p:cSld>
     <p:spTree>
@@ -32056,7 +33223,7 @@
         </p:nvSpPr>
         <p:spPr>
           <a:xfrm>
-            <a:off x="838200" y="365125"/>
+            <a:off x="838200" y="369888"/>
             <a:ext cx="10515600" cy="620993"/>
           </a:xfrm>
         </p:spPr>
@@ -32076,8 +33243,8 @@
           </a:p>
         </p:txBody>
       </p:sp>
-      <mc:AlternateContent xmlns:mc="http://schemas.openxmlformats.org/markup-compatibility/2006" xmlns:a14="http://schemas.microsoft.com/office/drawing/2010/main">
-        <mc:Choice Requires="a14">
+      <mc:AlternateContent xmlns:mc="http://schemas.openxmlformats.org/markup-compatibility/2006">
+        <mc:Choice xmlns:a14="http://schemas.microsoft.com/office/drawing/2010/main" Requires="a14">
           <p:sp>
             <p:nvSpPr>
               <p:cNvPr id="3" name="Content Placeholder 2">
@@ -32454,7 +33621,65 @@
                 <a:pPr lvl="1"/>
                 <a:r>
                   <a:rPr lang="en-US" dirty="0"/>
-                  <a:t>Very high computational complexity </a:t>
+                  <a:t>Very </a:t>
+                </a:r>
+                <a:r>
+                  <a:rPr lang="en-US" b="1" dirty="0"/>
+                  <a:t>high computational complexity</a:t>
+                </a:r>
+                <a:r>
+                  <a:rPr lang="en-US" dirty="0"/>
+                  <a:t> </a:t>
+                </a:r>
+                <a14:m>
+                  <m:oMath xmlns:m="http://schemas.openxmlformats.org/officeDocument/2006/math">
+                    <m:r>
+                      <a:rPr lang="en-US" b="0" i="1" smtClean="0">
+                        <a:latin typeface="Cambria Math" panose="02040503050406030204" pitchFamily="18" charset="0"/>
+                      </a:rPr>
+                      <m:t>𝑂</m:t>
+                    </m:r>
+                    <m:d>
+                      <m:dPr>
+                        <m:ctrlPr>
+                          <a:rPr lang="en-US" b="0" i="1" smtClean="0">
+                            <a:latin typeface="Cambria Math" panose="02040503050406030204" pitchFamily="18" charset="0"/>
+                          </a:rPr>
+                        </m:ctrlPr>
+                      </m:dPr>
+                      <m:e>
+                        <m:sSup>
+                          <m:sSupPr>
+                            <m:ctrlPr>
+                              <a:rPr lang="en-US" b="0" i="1" smtClean="0">
+                                <a:latin typeface="Cambria Math" panose="02040503050406030204" pitchFamily="18" charset="0"/>
+                              </a:rPr>
+                            </m:ctrlPr>
+                          </m:sSupPr>
+                          <m:e>
+                            <m:r>
+                              <a:rPr lang="en-US" b="0" i="1" smtClean="0">
+                                <a:latin typeface="Cambria Math" panose="02040503050406030204" pitchFamily="18" charset="0"/>
+                              </a:rPr>
+                              <m:t>2</m:t>
+                            </m:r>
+                          </m:e>
+                          <m:sup>
+                            <m:r>
+                              <a:rPr lang="en-US" b="0" i="1" smtClean="0">
+                                <a:latin typeface="Cambria Math" panose="02040503050406030204" pitchFamily="18" charset="0"/>
+                              </a:rPr>
+                              <m:t>𝑛</m:t>
+                            </m:r>
+                          </m:sup>
+                        </m:sSup>
+                      </m:e>
+                    </m:d>
+                  </m:oMath>
+                </a14:m>
+                <a:r>
+                  <a:rPr lang="en-US" dirty="0"/>
+                  <a:t>!</a:t>
                 </a:r>
               </a:p>
               <a:p>
@@ -32462,6 +33687,21 @@
                 <a:r>
                   <a:rPr lang="en-US" dirty="0"/>
                   <a:t>Infeasible for all but tiny networks  </a:t>
+                </a:r>
+              </a:p>
+              <a:p>
+                <a:pPr lvl="1"/>
+                <a:r>
+                  <a:rPr lang="en-US" dirty="0"/>
+                  <a:t>We say this is an </a:t>
+                </a:r>
+                <a:r>
+                  <a:rPr lang="en-US" b="1" dirty="0"/>
+                  <a:t>NP problem </a:t>
+                </a:r>
+                <a:r>
+                  <a:rPr lang="en-US" dirty="0"/>
+                  <a:t>– know efficient exact algorithm </a:t>
                 </a:r>
               </a:p>
               <a:p>
@@ -32473,7 +33713,7 @@
             </p:txBody>
           </p:sp>
         </mc:Choice>
-        <mc:Fallback xmlns="">
+        <mc:Fallback>
           <p:sp>
             <p:nvSpPr>
               <p:cNvPr id="3" name="Content Placeholder 2">
@@ -32548,7 +33788,7 @@
                             </p:stCondLst>
                             <p:childTnLst>
                               <p:par>
-                                <p:cTn id="5" presetID="1" presetClass="entr" presetSubtype="0" fill="hold" grpId="0" nodeType="clickEffect">
+                                <p:cTn id="5" presetID="1" presetClass="entr" presetSubtype="0" fill="hold" nodeType="clickEffect">
                                   <p:stCondLst>
                                     <p:cond delay="0"/>
                                   </p:stCondLst>
@@ -32556,6 +33796,86 @@
                                     <p:set>
                                       <p:cBhvr>
                                         <p:cTn id="6" dur="1" fill="hold">
+                                          <p:stCondLst>
+                                            <p:cond delay="0"/>
+                                          </p:stCondLst>
+                                        </p:cTn>
+                                        <p:tgtEl>
+                                          <p:spTgt spid="3">
+                                            <p:txEl>
+                                              <p:pRg st="1" end="1"/>
+                                            </p:txEl>
+                                          </p:spTgt>
+                                        </p:tgtEl>
+                                        <p:attrNameLst>
+                                          <p:attrName>style.visibility</p:attrName>
+                                        </p:attrNameLst>
+                                      </p:cBhvr>
+                                      <p:to>
+                                        <p:strVal val="visible"/>
+                                      </p:to>
+                                    </p:set>
+                                  </p:childTnLst>
+                                </p:cTn>
+                              </p:par>
+                              <p:par>
+                                <p:cTn id="7" presetID="1" presetClass="entr" presetSubtype="0" fill="hold" nodeType="withEffect">
+                                  <p:stCondLst>
+                                    <p:cond delay="0"/>
+                                  </p:stCondLst>
+                                  <p:childTnLst>
+                                    <p:set>
+                                      <p:cBhvr>
+                                        <p:cTn id="8" dur="1" fill="hold">
+                                          <p:stCondLst>
+                                            <p:cond delay="0"/>
+                                          </p:stCondLst>
+                                        </p:cTn>
+                                        <p:tgtEl>
+                                          <p:spTgt spid="3">
+                                            <p:txEl>
+                                              <p:pRg st="2" end="2"/>
+                                            </p:txEl>
+                                          </p:spTgt>
+                                        </p:tgtEl>
+                                        <p:attrNameLst>
+                                          <p:attrName>style.visibility</p:attrName>
+                                        </p:attrNameLst>
+                                      </p:cBhvr>
+                                      <p:to>
+                                        <p:strVal val="visible"/>
+                                      </p:to>
+                                    </p:set>
+                                  </p:childTnLst>
+                                </p:cTn>
+                              </p:par>
+                            </p:childTnLst>
+                          </p:cTn>
+                        </p:par>
+                      </p:childTnLst>
+                    </p:cTn>
+                  </p:par>
+                  <p:par>
+                    <p:cTn id="9" fill="hold">
+                      <p:stCondLst>
+                        <p:cond delay="indefinite"/>
+                      </p:stCondLst>
+                      <p:childTnLst>
+                        <p:par>
+                          <p:cTn id="10" fill="hold">
+                            <p:stCondLst>
+                              <p:cond delay="0"/>
+                            </p:stCondLst>
+                            <p:childTnLst>
+                              <p:par>
+                                <p:cTn id="11" presetID="1" presetClass="entr" presetSubtype="0" fill="hold" nodeType="clickEffect">
+                                  <p:stCondLst>
+                                    <p:cond delay="0"/>
+                                  </p:stCondLst>
+                                  <p:childTnLst>
+                                    <p:set>
+                                      <p:cBhvr>
+                                        <p:cTn id="12" dur="1" fill="hold">
                                           <p:stCondLst>
                                             <p:cond delay="0"/>
                                           </p:stCondLst>
@@ -32585,26 +33905,26 @@
                     </p:cTn>
                   </p:par>
                   <p:par>
-                    <p:cTn id="7" fill="hold">
+                    <p:cTn id="13" fill="hold">
                       <p:stCondLst>
                         <p:cond delay="indefinite"/>
                       </p:stCondLst>
                       <p:childTnLst>
                         <p:par>
-                          <p:cTn id="8" fill="hold">
+                          <p:cTn id="14" fill="hold">
                             <p:stCondLst>
                               <p:cond delay="0"/>
                             </p:stCondLst>
                             <p:childTnLst>
                               <p:par>
-                                <p:cTn id="9" presetID="1" presetClass="entr" presetSubtype="0" fill="hold" grpId="0" nodeType="clickEffect">
+                                <p:cTn id="15" presetID="1" presetClass="entr" presetSubtype="0" fill="hold" nodeType="clickEffect">
                                   <p:stCondLst>
                                     <p:cond delay="0"/>
                                   </p:stCondLst>
                                   <p:childTnLst>
                                     <p:set>
                                       <p:cBhvr>
-                                        <p:cTn id="10" dur="1" fill="hold">
+                                        <p:cTn id="16" dur="1" fill="hold">
                                           <p:stCondLst>
                                             <p:cond delay="0"/>
                                           </p:stCondLst>
@@ -32634,26 +33954,26 @@
                     </p:cTn>
                   </p:par>
                   <p:par>
-                    <p:cTn id="11" fill="hold">
+                    <p:cTn id="17" fill="hold">
                       <p:stCondLst>
                         <p:cond delay="indefinite"/>
                       </p:stCondLst>
                       <p:childTnLst>
                         <p:par>
-                          <p:cTn id="12" fill="hold">
+                          <p:cTn id="18" fill="hold">
                             <p:stCondLst>
                               <p:cond delay="0"/>
                             </p:stCondLst>
                             <p:childTnLst>
                               <p:par>
-                                <p:cTn id="13" presetID="1" presetClass="entr" presetSubtype="0" fill="hold" grpId="0" nodeType="clickEffect">
+                                <p:cTn id="19" presetID="1" presetClass="entr" presetSubtype="0" fill="hold" nodeType="clickEffect">
                                   <p:stCondLst>
                                     <p:cond delay="0"/>
                                   </p:stCondLst>
                                   <p:childTnLst>
                                     <p:set>
                                       <p:cBhvr>
-                                        <p:cTn id="14" dur="1" fill="hold">
+                                        <p:cTn id="20" dur="1" fill="hold">
                                           <p:stCondLst>
                                             <p:cond delay="0"/>
                                           </p:stCondLst>
@@ -32683,26 +34003,26 @@
                     </p:cTn>
                   </p:par>
                   <p:par>
-                    <p:cTn id="15" fill="hold">
+                    <p:cTn id="21" fill="hold">
                       <p:stCondLst>
                         <p:cond delay="indefinite"/>
                       </p:stCondLst>
                       <p:childTnLst>
                         <p:par>
-                          <p:cTn id="16" fill="hold">
+                          <p:cTn id="22" fill="hold">
                             <p:stCondLst>
                               <p:cond delay="0"/>
                             </p:stCondLst>
                             <p:childTnLst>
                               <p:par>
-                                <p:cTn id="17" presetID="1" presetClass="entr" presetSubtype="0" fill="hold" grpId="0" nodeType="clickEffect">
+                                <p:cTn id="23" presetID="1" presetClass="entr" presetSubtype="0" fill="hold" nodeType="clickEffect">
                                   <p:stCondLst>
                                     <p:cond delay="0"/>
                                   </p:stCondLst>
                                   <p:childTnLst>
                                     <p:set>
                                       <p:cBhvr>
-                                        <p:cTn id="18" dur="1" fill="hold">
+                                        <p:cTn id="24" dur="1" fill="hold">
                                           <p:stCondLst>
                                             <p:cond delay="0"/>
                                           </p:stCondLst>
@@ -32732,26 +34052,26 @@
                     </p:cTn>
                   </p:par>
                   <p:par>
-                    <p:cTn id="19" fill="hold">
+                    <p:cTn id="25" fill="hold">
                       <p:stCondLst>
                         <p:cond delay="indefinite"/>
                       </p:stCondLst>
                       <p:childTnLst>
                         <p:par>
-                          <p:cTn id="20" fill="hold">
+                          <p:cTn id="26" fill="hold">
                             <p:stCondLst>
                               <p:cond delay="0"/>
                             </p:stCondLst>
                             <p:childTnLst>
                               <p:par>
-                                <p:cTn id="21" presetID="1" presetClass="entr" presetSubtype="0" fill="hold" grpId="0" nodeType="clickEffect">
+                                <p:cTn id="27" presetID="1" presetClass="entr" presetSubtype="0" fill="hold" nodeType="clickEffect">
                                   <p:stCondLst>
                                     <p:cond delay="0"/>
                                   </p:stCondLst>
                                   <p:childTnLst>
                                     <p:set>
                                       <p:cBhvr>
-                                        <p:cTn id="22" dur="1" fill="hold">
+                                        <p:cTn id="28" dur="1" fill="hold">
                                           <p:stCondLst>
                                             <p:cond delay="0"/>
                                           </p:stCondLst>
@@ -32781,26 +34101,26 @@
                     </p:cTn>
                   </p:par>
                   <p:par>
-                    <p:cTn id="23" fill="hold">
+                    <p:cTn id="29" fill="hold">
                       <p:stCondLst>
                         <p:cond delay="indefinite"/>
                       </p:stCondLst>
                       <p:childTnLst>
                         <p:par>
-                          <p:cTn id="24" fill="hold">
+                          <p:cTn id="30" fill="hold">
                             <p:stCondLst>
                               <p:cond delay="0"/>
                             </p:stCondLst>
                             <p:childTnLst>
                               <p:par>
-                                <p:cTn id="25" presetID="1" presetClass="entr" presetSubtype="0" fill="hold" grpId="0" nodeType="clickEffect">
+                                <p:cTn id="31" presetID="1" presetClass="entr" presetSubtype="0" fill="hold" nodeType="clickEffect">
                                   <p:stCondLst>
                                     <p:cond delay="0"/>
                                   </p:stCondLst>
                                   <p:childTnLst>
                                     <p:set>
                                       <p:cBhvr>
-                                        <p:cTn id="26" dur="1" fill="hold">
+                                        <p:cTn id="32" dur="1" fill="hold">
                                           <p:stCondLst>
                                             <p:cond delay="0"/>
                                           </p:stCondLst>
@@ -32809,6 +34129,55 @@
                                           <p:spTgt spid="3">
                                             <p:txEl>
                                               <p:pRg st="8" end="8"/>
+                                            </p:txEl>
+                                          </p:spTgt>
+                                        </p:tgtEl>
+                                        <p:attrNameLst>
+                                          <p:attrName>style.visibility</p:attrName>
+                                        </p:attrNameLst>
+                                      </p:cBhvr>
+                                      <p:to>
+                                        <p:strVal val="visible"/>
+                                      </p:to>
+                                    </p:set>
+                                  </p:childTnLst>
+                                </p:cTn>
+                              </p:par>
+                            </p:childTnLst>
+                          </p:cTn>
+                        </p:par>
+                      </p:childTnLst>
+                    </p:cTn>
+                  </p:par>
+                  <p:par>
+                    <p:cTn id="33" fill="hold">
+                      <p:stCondLst>
+                        <p:cond delay="indefinite"/>
+                      </p:stCondLst>
+                      <p:childTnLst>
+                        <p:par>
+                          <p:cTn id="34" fill="hold">
+                            <p:stCondLst>
+                              <p:cond delay="0"/>
+                            </p:stCondLst>
+                            <p:childTnLst>
+                              <p:par>
+                                <p:cTn id="35" presetID="1" presetClass="entr" presetSubtype="0" fill="hold" nodeType="clickEffect">
+                                  <p:stCondLst>
+                                    <p:cond delay="0"/>
+                                  </p:stCondLst>
+                                  <p:childTnLst>
+                                    <p:set>
+                                      <p:cBhvr>
+                                        <p:cTn id="36" dur="1" fill="hold">
+                                          <p:stCondLst>
+                                            <p:cond delay="0"/>
+                                          </p:stCondLst>
+                                        </p:cTn>
+                                        <p:tgtEl>
+                                          <p:spTgt spid="3">
+                                            <p:txEl>
+                                              <p:pRg st="9" end="9"/>
                                             </p:txEl>
                                           </p:spTgt>
                                         </p:tgtEl>
@@ -32850,14 +34219,11 @@
         </p:cTn>
       </p:par>
     </p:tnLst>
-    <p:bldLst>
-      <p:bldP spid="3" grpId="0" uiExpand="1" build="p"/>
-    </p:bldLst>
   </p:timing>
 </p:sld>
 </file>
 
-<file path=ppt/slides/slide34.xml><?xml version="1.0" encoding="utf-8"?>
+<file path=ppt/slides/slide39.xml><?xml version="1.0" encoding="utf-8"?>
 <p:sld xmlns:a="http://schemas.openxmlformats.org/drawingml/2006/main" xmlns:r="http://schemas.openxmlformats.org/officeDocument/2006/relationships" xmlns:p="http://schemas.openxmlformats.org/presentationml/2006/main">
   <p:cSld>
     <p:spTree>
@@ -33499,7 +34865,507 @@
 </p:sld>
 </file>
 
-<file path=ppt/slides/slide35.xml><?xml version="1.0" encoding="utf-8"?>
+<file path=ppt/slides/slide4.xml><?xml version="1.0" encoding="utf-8"?>
+<p:sld xmlns:a="http://schemas.openxmlformats.org/drawingml/2006/main" xmlns:r="http://schemas.openxmlformats.org/officeDocument/2006/relationships" xmlns:p="http://schemas.openxmlformats.org/presentationml/2006/main">
+  <p:cSld>
+    <p:spTree>
+      <p:nvGrpSpPr>
+        <p:cNvPr id="1" name=""/>
+        <p:cNvGrpSpPr/>
+        <p:nvPr/>
+      </p:nvGrpSpPr>
+      <p:grpSpPr>
+        <a:xfrm>
+          <a:off x="0" y="0"/>
+          <a:ext cx="0" cy="0"/>
+          <a:chOff x="0" y="0"/>
+          <a:chExt cx="0" cy="0"/>
+        </a:xfrm>
+      </p:grpSpPr>
+      <p:sp>
+        <p:nvSpPr>
+          <p:cNvPr id="2" name="Title 1">
+            <a:extLst>
+              <a:ext uri="{FF2B5EF4-FFF2-40B4-BE49-F238E27FC236}">
+                <a16:creationId xmlns:a16="http://schemas.microsoft.com/office/drawing/2014/main" id="{3B3EA3CE-8DB0-40A5-B4A6-AFCE2156CC1F}"/>
+              </a:ext>
+            </a:extLst>
+          </p:cNvPr>
+          <p:cNvSpPr>
+            <a:spLocks noGrp="1"/>
+          </p:cNvSpPr>
+          <p:nvPr>
+            <p:ph type="title"/>
+          </p:nvPr>
+        </p:nvSpPr>
+        <p:spPr>
+          <a:xfrm>
+            <a:off x="838200" y="365125"/>
+            <a:ext cx="10515600" cy="620993"/>
+          </a:xfrm>
+        </p:spPr>
+        <p:txBody>
+          <a:bodyPr>
+            <a:normAutofit fontScale="90000"/>
+          </a:bodyPr>
+          <a:lstStyle/>
+          <a:p>
+            <a:r>
+              <a:rPr lang="en-US" dirty="0">
+                <a:latin typeface="+mn-lt"/>
+              </a:rPr>
+              <a:t>Introduction to Social Network Analysis</a:t>
+            </a:r>
+            <a:endParaRPr lang="en-US" dirty="0"/>
+          </a:p>
+        </p:txBody>
+      </p:sp>
+      <p:sp>
+        <p:nvSpPr>
+          <p:cNvPr id="3" name="Content Placeholder 2">
+            <a:extLst>
+              <a:ext uri="{FF2B5EF4-FFF2-40B4-BE49-F238E27FC236}">
+                <a16:creationId xmlns:a16="http://schemas.microsoft.com/office/drawing/2014/main" id="{CA03134D-F068-4BC9-B038-F3D5CBDDE3F9}"/>
+              </a:ext>
+            </a:extLst>
+          </p:cNvPr>
+          <p:cNvSpPr>
+            <a:spLocks noGrp="1"/>
+          </p:cNvSpPr>
+          <p:nvPr>
+            <p:ph idx="1"/>
+          </p:nvPr>
+        </p:nvSpPr>
+        <p:spPr>
+          <a:xfrm>
+            <a:off x="312930" y="1267346"/>
+            <a:ext cx="4710953" cy="5526858"/>
+          </a:xfrm>
+        </p:spPr>
+        <p:txBody>
+          <a:bodyPr>
+            <a:normAutofit/>
+          </a:bodyPr>
+          <a:lstStyle/>
+          <a:p>
+            <a:pPr marL="0" indent="0">
+              <a:buNone/>
+            </a:pPr>
+            <a:r>
+              <a:rPr lang="en-US" dirty="0"/>
+              <a:t>Social networks appear in many forms </a:t>
+            </a:r>
+          </a:p>
+          <a:p>
+            <a:r>
+              <a:rPr lang="en-US" dirty="0"/>
+              <a:t>Example: Association network of Bottlenose Dolphins at Port Stephens NSW Australia </a:t>
+            </a:r>
+          </a:p>
+          <a:p>
+            <a:pPr lvl="1"/>
+            <a:r>
+              <a:rPr lang="en-US" dirty="0"/>
+              <a:t>Square = western population</a:t>
+            </a:r>
+          </a:p>
+          <a:p>
+            <a:pPr lvl="1"/>
+            <a:r>
+              <a:rPr lang="en-US" dirty="0"/>
+              <a:t>Circle = eastern population</a:t>
+            </a:r>
+          </a:p>
+          <a:p>
+            <a:pPr lvl="1"/>
+            <a:r>
+              <a:rPr lang="en-US" dirty="0"/>
+              <a:t>Edge weight = strength of relationship</a:t>
+            </a:r>
+          </a:p>
+          <a:p>
+            <a:pPr marL="0" indent="0">
+              <a:buNone/>
+            </a:pPr>
+            <a:endParaRPr lang="en-US" dirty="0"/>
+          </a:p>
+          <a:p>
+            <a:pPr marL="0" indent="0">
+              <a:buNone/>
+            </a:pPr>
+            <a:r>
+              <a:rPr lang="en-US" sz="2000" dirty="0">
+                <a:hlinkClick r:id="rId2"/>
+              </a:rPr>
+              <a:t>Credit: </a:t>
+            </a:r>
+            <a:r>
+              <a:rPr lang="en-US" sz="2000" dirty="0" err="1">
+                <a:hlinkClick r:id="rId2"/>
+              </a:rPr>
+              <a:t>Wiszniewksi</a:t>
+            </a:r>
+            <a:r>
+              <a:rPr lang="en-US" sz="2000" dirty="0">
+                <a:hlinkClick r:id="rId2"/>
+              </a:rPr>
+              <a:t>, Brown and Moller, Journal of Mammalogy, 2012</a:t>
+            </a:r>
+            <a:endParaRPr lang="en-US" sz="2000" dirty="0"/>
+          </a:p>
+          <a:p>
+            <a:endParaRPr lang="en-US" dirty="0"/>
+          </a:p>
+          <a:p>
+            <a:endParaRPr lang="en-US" dirty="0"/>
+          </a:p>
+        </p:txBody>
+      </p:sp>
+      <p:pic>
+        <p:nvPicPr>
+          <p:cNvPr id="1026" name="Picture 2" descr="Social network of male bottlenose dolphins (Tursiops aduncus) in Port Stephens based on the association index (half-weight index [HWI]) for all years. Subgroup structure was identified using the modularity matrix technique that controls for data structure and gregariousness and is illustrated by different colors of the nodes. Community membership is represented by shape, where squares represent western males and circles represent eastern males. Line (edge) thickness running between 2 individuals is proportional to association strength and for clarity, lines are only displayed for association indices greater than 0.14 (twice the mean association index over all individuals).">
+            <a:extLst>
+              <a:ext uri="{FF2B5EF4-FFF2-40B4-BE49-F238E27FC236}">
+                <a16:creationId xmlns:a16="http://schemas.microsoft.com/office/drawing/2014/main" id="{9F4C610F-A832-4326-B9B1-876BF101B60B}"/>
+              </a:ext>
+            </a:extLst>
+          </p:cNvPr>
+          <p:cNvPicPr>
+            <a:picLocks noChangeAspect="1" noChangeArrowheads="1"/>
+          </p:cNvPicPr>
+          <p:nvPr/>
+        </p:nvPicPr>
+        <p:blipFill>
+          <a:blip r:embed="rId3">
+            <a:extLst>
+              <a:ext uri="{28A0092B-C50C-407E-A947-70E740481C1C}">
+                <a14:useLocalDpi xmlns:a14="http://schemas.microsoft.com/office/drawing/2010/main" val="0"/>
+              </a:ext>
+            </a:extLst>
+          </a:blip>
+          <a:srcRect/>
+          <a:stretch>
+            <a:fillRect/>
+          </a:stretch>
+        </p:blipFill>
+        <p:spPr bwMode="auto">
+          <a:xfrm>
+            <a:off x="5313970" y="1378615"/>
+            <a:ext cx="6775211" cy="5114260"/>
+          </a:xfrm>
+          <a:prstGeom prst="rect">
+            <a:avLst/>
+          </a:prstGeom>
+          <a:noFill/>
+          <a:extLst>
+            <a:ext uri="{909E8E84-426E-40DD-AFC4-6F175D3DCCD1}">
+              <a14:hiddenFill xmlns:a14="http://schemas.microsoft.com/office/drawing/2010/main">
+                <a:solidFill>
+                  <a:srgbClr val="FFFFFF"/>
+                </a:solidFill>
+              </a14:hiddenFill>
+            </a:ext>
+          </a:extLst>
+        </p:spPr>
+      </p:pic>
+    </p:spTree>
+    <p:extLst>
+      <p:ext uri="{BB962C8B-B14F-4D97-AF65-F5344CB8AC3E}">
+        <p14:creationId xmlns:p14="http://schemas.microsoft.com/office/powerpoint/2010/main" val="3996445275"/>
+      </p:ext>
+    </p:extLst>
+  </p:cSld>
+  <p:clrMapOvr>
+    <a:masterClrMapping/>
+  </p:clrMapOvr>
+  <p:timing>
+    <p:tnLst>
+      <p:par>
+        <p:cTn id="1" dur="indefinite" restart="never" nodeType="tmRoot">
+          <p:childTnLst>
+            <p:seq concurrent="1" nextAc="seek">
+              <p:cTn id="2" dur="indefinite" nodeType="mainSeq">
+                <p:childTnLst>
+                  <p:par>
+                    <p:cTn id="3" fill="hold">
+                      <p:stCondLst>
+                        <p:cond delay="indefinite"/>
+                      </p:stCondLst>
+                      <p:childTnLst>
+                        <p:par>
+                          <p:cTn id="4" fill="hold">
+                            <p:stCondLst>
+                              <p:cond delay="0"/>
+                            </p:stCondLst>
+                            <p:childTnLst>
+                              <p:par>
+                                <p:cTn id="5" presetID="1" presetClass="entr" presetSubtype="0" fill="hold" nodeType="clickEffect">
+                                  <p:stCondLst>
+                                    <p:cond delay="0"/>
+                                  </p:stCondLst>
+                                  <p:childTnLst>
+                                    <p:set>
+                                      <p:cBhvr>
+                                        <p:cTn id="6" dur="1" fill="hold">
+                                          <p:stCondLst>
+                                            <p:cond delay="0"/>
+                                          </p:stCondLst>
+                                        </p:cTn>
+                                        <p:tgtEl>
+                                          <p:spTgt spid="3">
+                                            <p:txEl>
+                                              <p:pRg st="1" end="1"/>
+                                            </p:txEl>
+                                          </p:spTgt>
+                                        </p:tgtEl>
+                                        <p:attrNameLst>
+                                          <p:attrName>style.visibility</p:attrName>
+                                        </p:attrNameLst>
+                                      </p:cBhvr>
+                                      <p:to>
+                                        <p:strVal val="visible"/>
+                                      </p:to>
+                                    </p:set>
+                                  </p:childTnLst>
+                                </p:cTn>
+                              </p:par>
+                              <p:par>
+                                <p:cTn id="7" presetID="1" presetClass="entr" presetSubtype="0" fill="hold" nodeType="withEffect">
+                                  <p:stCondLst>
+                                    <p:cond delay="0"/>
+                                  </p:stCondLst>
+                                  <p:childTnLst>
+                                    <p:set>
+                                      <p:cBhvr>
+                                        <p:cTn id="8" dur="1" fill="hold">
+                                          <p:stCondLst>
+                                            <p:cond delay="0"/>
+                                          </p:stCondLst>
+                                        </p:cTn>
+                                        <p:tgtEl>
+                                          <p:spTgt spid="1026"/>
+                                        </p:tgtEl>
+                                        <p:attrNameLst>
+                                          <p:attrName>style.visibility</p:attrName>
+                                        </p:attrNameLst>
+                                      </p:cBhvr>
+                                      <p:to>
+                                        <p:strVal val="visible"/>
+                                      </p:to>
+                                    </p:set>
+                                  </p:childTnLst>
+                                </p:cTn>
+                              </p:par>
+                              <p:par>
+                                <p:cTn id="9" presetID="1" presetClass="entr" presetSubtype="0" fill="hold" nodeType="withEffect">
+                                  <p:stCondLst>
+                                    <p:cond delay="0"/>
+                                  </p:stCondLst>
+                                  <p:childTnLst>
+                                    <p:set>
+                                      <p:cBhvr>
+                                        <p:cTn id="10" dur="1" fill="hold">
+                                          <p:stCondLst>
+                                            <p:cond delay="0"/>
+                                          </p:stCondLst>
+                                        </p:cTn>
+                                        <p:tgtEl>
+                                          <p:spTgt spid="3">
+                                            <p:txEl>
+                                              <p:pRg st="6" end="6"/>
+                                            </p:txEl>
+                                          </p:spTgt>
+                                        </p:tgtEl>
+                                        <p:attrNameLst>
+                                          <p:attrName>style.visibility</p:attrName>
+                                        </p:attrNameLst>
+                                      </p:cBhvr>
+                                      <p:to>
+                                        <p:strVal val="visible"/>
+                                      </p:to>
+                                    </p:set>
+                                  </p:childTnLst>
+                                </p:cTn>
+                              </p:par>
+                            </p:childTnLst>
+                          </p:cTn>
+                        </p:par>
+                      </p:childTnLst>
+                    </p:cTn>
+                  </p:par>
+                  <p:par>
+                    <p:cTn id="11" fill="hold">
+                      <p:stCondLst>
+                        <p:cond delay="indefinite"/>
+                      </p:stCondLst>
+                      <p:childTnLst>
+                        <p:par>
+                          <p:cTn id="12" fill="hold">
+                            <p:stCondLst>
+                              <p:cond delay="0"/>
+                            </p:stCondLst>
+                            <p:childTnLst>
+                              <p:par>
+                                <p:cTn id="13" presetID="1" presetClass="entr" presetSubtype="0" fill="hold" nodeType="clickEffect">
+                                  <p:stCondLst>
+                                    <p:cond delay="0"/>
+                                  </p:stCondLst>
+                                  <p:childTnLst>
+                                    <p:set>
+                                      <p:cBhvr>
+                                        <p:cTn id="14" dur="1" fill="hold">
+                                          <p:stCondLst>
+                                            <p:cond delay="0"/>
+                                          </p:stCondLst>
+                                        </p:cTn>
+                                        <p:tgtEl>
+                                          <p:spTgt spid="3">
+                                            <p:txEl>
+                                              <p:pRg st="2" end="2"/>
+                                            </p:txEl>
+                                          </p:spTgt>
+                                        </p:tgtEl>
+                                        <p:attrNameLst>
+                                          <p:attrName>style.visibility</p:attrName>
+                                        </p:attrNameLst>
+                                      </p:cBhvr>
+                                      <p:to>
+                                        <p:strVal val="visible"/>
+                                      </p:to>
+                                    </p:set>
+                                  </p:childTnLst>
+                                </p:cTn>
+                              </p:par>
+                            </p:childTnLst>
+                          </p:cTn>
+                        </p:par>
+                      </p:childTnLst>
+                    </p:cTn>
+                  </p:par>
+                  <p:par>
+                    <p:cTn id="15" fill="hold">
+                      <p:stCondLst>
+                        <p:cond delay="indefinite"/>
+                      </p:stCondLst>
+                      <p:childTnLst>
+                        <p:par>
+                          <p:cTn id="16" fill="hold">
+                            <p:stCondLst>
+                              <p:cond delay="0"/>
+                            </p:stCondLst>
+                            <p:childTnLst>
+                              <p:par>
+                                <p:cTn id="17" presetID="1" presetClass="entr" presetSubtype="0" fill="hold" nodeType="clickEffect">
+                                  <p:stCondLst>
+                                    <p:cond delay="0"/>
+                                  </p:stCondLst>
+                                  <p:childTnLst>
+                                    <p:set>
+                                      <p:cBhvr>
+                                        <p:cTn id="18" dur="1" fill="hold">
+                                          <p:stCondLst>
+                                            <p:cond delay="0"/>
+                                          </p:stCondLst>
+                                        </p:cTn>
+                                        <p:tgtEl>
+                                          <p:spTgt spid="3">
+                                            <p:txEl>
+                                              <p:pRg st="3" end="3"/>
+                                            </p:txEl>
+                                          </p:spTgt>
+                                        </p:tgtEl>
+                                        <p:attrNameLst>
+                                          <p:attrName>style.visibility</p:attrName>
+                                        </p:attrNameLst>
+                                      </p:cBhvr>
+                                      <p:to>
+                                        <p:strVal val="visible"/>
+                                      </p:to>
+                                    </p:set>
+                                  </p:childTnLst>
+                                </p:cTn>
+                              </p:par>
+                            </p:childTnLst>
+                          </p:cTn>
+                        </p:par>
+                      </p:childTnLst>
+                    </p:cTn>
+                  </p:par>
+                  <p:par>
+                    <p:cTn id="19" fill="hold">
+                      <p:stCondLst>
+                        <p:cond delay="indefinite"/>
+                      </p:stCondLst>
+                      <p:childTnLst>
+                        <p:par>
+                          <p:cTn id="20" fill="hold">
+                            <p:stCondLst>
+                              <p:cond delay="0"/>
+                            </p:stCondLst>
+                            <p:childTnLst>
+                              <p:par>
+                                <p:cTn id="21" presetID="1" presetClass="entr" presetSubtype="0" fill="hold" nodeType="clickEffect">
+                                  <p:stCondLst>
+                                    <p:cond delay="0"/>
+                                  </p:stCondLst>
+                                  <p:childTnLst>
+                                    <p:set>
+                                      <p:cBhvr>
+                                        <p:cTn id="22" dur="1" fill="hold">
+                                          <p:stCondLst>
+                                            <p:cond delay="0"/>
+                                          </p:stCondLst>
+                                        </p:cTn>
+                                        <p:tgtEl>
+                                          <p:spTgt spid="3">
+                                            <p:txEl>
+                                              <p:pRg st="4" end="4"/>
+                                            </p:txEl>
+                                          </p:spTgt>
+                                        </p:tgtEl>
+                                        <p:attrNameLst>
+                                          <p:attrName>style.visibility</p:attrName>
+                                        </p:attrNameLst>
+                                      </p:cBhvr>
+                                      <p:to>
+                                        <p:strVal val="visible"/>
+                                      </p:to>
+                                    </p:set>
+                                  </p:childTnLst>
+                                </p:cTn>
+                              </p:par>
+                            </p:childTnLst>
+                          </p:cTn>
+                        </p:par>
+                      </p:childTnLst>
+                    </p:cTn>
+                  </p:par>
+                </p:childTnLst>
+              </p:cTn>
+              <p:prevCondLst>
+                <p:cond evt="onPrev" delay="0">
+                  <p:tgtEl>
+                    <p:sldTgt/>
+                  </p:tgtEl>
+                </p:cond>
+              </p:prevCondLst>
+              <p:nextCondLst>
+                <p:cond evt="onNext" delay="0">
+                  <p:tgtEl>
+                    <p:sldTgt/>
+                  </p:tgtEl>
+                </p:cond>
+              </p:nextCondLst>
+            </p:seq>
+          </p:childTnLst>
+        </p:cTn>
+      </p:par>
+    </p:tnLst>
+  </p:timing>
+</p:sld>
+</file>
+
+<file path=ppt/slides/slide40.xml><?xml version="1.0" encoding="utf-8"?>
 <p:sld xmlns:a="http://schemas.openxmlformats.org/drawingml/2006/main" xmlns:r="http://schemas.openxmlformats.org/officeDocument/2006/relationships" xmlns:p="http://schemas.openxmlformats.org/presentationml/2006/main">
   <p:cSld>
     <p:spTree>
@@ -33867,7 +35733,7 @@
 </p:sld>
 </file>
 
-<file path=ppt/slides/slide36.xml><?xml version="1.0" encoding="utf-8"?>
+<file path=ppt/slides/slide41.xml><?xml version="1.0" encoding="utf-8"?>
 <p:sld xmlns:a="http://schemas.openxmlformats.org/drawingml/2006/main" xmlns:r="http://schemas.openxmlformats.org/officeDocument/2006/relationships" xmlns:p="http://schemas.openxmlformats.org/presentationml/2006/main">
   <p:cSld>
     <p:spTree>
@@ -34269,7 +36135,7 @@
 </p:sld>
 </file>
 
-<file path=ppt/slides/slide37.xml><?xml version="1.0" encoding="utf-8"?>
+<file path=ppt/slides/slide42.xml><?xml version="1.0" encoding="utf-8"?>
 <p:sld xmlns:a="http://schemas.openxmlformats.org/drawingml/2006/main" xmlns:r="http://schemas.openxmlformats.org/officeDocument/2006/relationships" xmlns:p="http://schemas.openxmlformats.org/presentationml/2006/main">
   <p:cSld>
     <p:spTree>
@@ -34651,7 +36517,7 @@
 </p:sld>
 </file>
 
-<file path=ppt/slides/slide38.xml><?xml version="1.0" encoding="utf-8"?>
+<file path=ppt/slides/slide43.xml><?xml version="1.0" encoding="utf-8"?>
 <p:sld xmlns:a="http://schemas.openxmlformats.org/drawingml/2006/main" xmlns:r="http://schemas.openxmlformats.org/officeDocument/2006/relationships" xmlns:p="http://schemas.openxmlformats.org/presentationml/2006/main">
   <p:cSld>
     <p:spTree>
@@ -35882,7 +37748,7 @@
 </p:sld>
 </file>
 
-<file path=ppt/slides/slide39.xml><?xml version="1.0" encoding="utf-8"?>
+<file path=ppt/slides/slide44.xml><?xml version="1.0" encoding="utf-8"?>
 <p:sld xmlns:a="http://schemas.openxmlformats.org/drawingml/2006/main" xmlns:r="http://schemas.openxmlformats.org/officeDocument/2006/relationships" xmlns:p="http://schemas.openxmlformats.org/presentationml/2006/main">
   <p:cSld>
     <p:spTree>
@@ -36570,507 +38436,7 @@
 </p:sld>
 </file>
 
-<file path=ppt/slides/slide4.xml><?xml version="1.0" encoding="utf-8"?>
-<p:sld xmlns:a="http://schemas.openxmlformats.org/drawingml/2006/main" xmlns:r="http://schemas.openxmlformats.org/officeDocument/2006/relationships" xmlns:p="http://schemas.openxmlformats.org/presentationml/2006/main">
-  <p:cSld>
-    <p:spTree>
-      <p:nvGrpSpPr>
-        <p:cNvPr id="1" name=""/>
-        <p:cNvGrpSpPr/>
-        <p:nvPr/>
-      </p:nvGrpSpPr>
-      <p:grpSpPr>
-        <a:xfrm>
-          <a:off x="0" y="0"/>
-          <a:ext cx="0" cy="0"/>
-          <a:chOff x="0" y="0"/>
-          <a:chExt cx="0" cy="0"/>
-        </a:xfrm>
-      </p:grpSpPr>
-      <p:sp>
-        <p:nvSpPr>
-          <p:cNvPr id="2" name="Title 1">
-            <a:extLst>
-              <a:ext uri="{FF2B5EF4-FFF2-40B4-BE49-F238E27FC236}">
-                <a16:creationId xmlns:a16="http://schemas.microsoft.com/office/drawing/2014/main" id="{3B3EA3CE-8DB0-40A5-B4A6-AFCE2156CC1F}"/>
-              </a:ext>
-            </a:extLst>
-          </p:cNvPr>
-          <p:cNvSpPr>
-            <a:spLocks noGrp="1"/>
-          </p:cNvSpPr>
-          <p:nvPr>
-            <p:ph type="title"/>
-          </p:nvPr>
-        </p:nvSpPr>
-        <p:spPr>
-          <a:xfrm>
-            <a:off x="838200" y="365125"/>
-            <a:ext cx="10515600" cy="620993"/>
-          </a:xfrm>
-        </p:spPr>
-        <p:txBody>
-          <a:bodyPr>
-            <a:normAutofit fontScale="90000"/>
-          </a:bodyPr>
-          <a:lstStyle/>
-          <a:p>
-            <a:r>
-              <a:rPr lang="en-US" dirty="0">
-                <a:latin typeface="+mn-lt"/>
-              </a:rPr>
-              <a:t>Introduction to Social Network Analysis</a:t>
-            </a:r>
-            <a:endParaRPr lang="en-US" dirty="0"/>
-          </a:p>
-        </p:txBody>
-      </p:sp>
-      <p:sp>
-        <p:nvSpPr>
-          <p:cNvPr id="3" name="Content Placeholder 2">
-            <a:extLst>
-              <a:ext uri="{FF2B5EF4-FFF2-40B4-BE49-F238E27FC236}">
-                <a16:creationId xmlns:a16="http://schemas.microsoft.com/office/drawing/2014/main" id="{CA03134D-F068-4BC9-B038-F3D5CBDDE3F9}"/>
-              </a:ext>
-            </a:extLst>
-          </p:cNvPr>
-          <p:cNvSpPr>
-            <a:spLocks noGrp="1"/>
-          </p:cNvSpPr>
-          <p:nvPr>
-            <p:ph idx="1"/>
-          </p:nvPr>
-        </p:nvSpPr>
-        <p:spPr>
-          <a:xfrm>
-            <a:off x="312930" y="1267346"/>
-            <a:ext cx="4710953" cy="5526858"/>
-          </a:xfrm>
-        </p:spPr>
-        <p:txBody>
-          <a:bodyPr>
-            <a:normAutofit/>
-          </a:bodyPr>
-          <a:lstStyle/>
-          <a:p>
-            <a:pPr marL="0" indent="0">
-              <a:buNone/>
-            </a:pPr>
-            <a:r>
-              <a:rPr lang="en-US" dirty="0"/>
-              <a:t>Social networks appear in many forms </a:t>
-            </a:r>
-          </a:p>
-          <a:p>
-            <a:r>
-              <a:rPr lang="en-US" dirty="0"/>
-              <a:t>Example: Association network of Bottlenose Dolphins at Port Stephens NSW Australia </a:t>
-            </a:r>
-          </a:p>
-          <a:p>
-            <a:pPr lvl="1"/>
-            <a:r>
-              <a:rPr lang="en-US" dirty="0"/>
-              <a:t>Square = western population</a:t>
-            </a:r>
-          </a:p>
-          <a:p>
-            <a:pPr lvl="1"/>
-            <a:r>
-              <a:rPr lang="en-US" dirty="0"/>
-              <a:t>Circle = eastern population</a:t>
-            </a:r>
-          </a:p>
-          <a:p>
-            <a:pPr lvl="1"/>
-            <a:r>
-              <a:rPr lang="en-US" dirty="0"/>
-              <a:t>Edge weight = strength of relationship</a:t>
-            </a:r>
-          </a:p>
-          <a:p>
-            <a:pPr marL="0" indent="0">
-              <a:buNone/>
-            </a:pPr>
-            <a:endParaRPr lang="en-US" dirty="0"/>
-          </a:p>
-          <a:p>
-            <a:pPr marL="0" indent="0">
-              <a:buNone/>
-            </a:pPr>
-            <a:r>
-              <a:rPr lang="en-US" sz="2000" dirty="0">
-                <a:hlinkClick r:id="rId2"/>
-              </a:rPr>
-              <a:t>Credit: </a:t>
-            </a:r>
-            <a:r>
-              <a:rPr lang="en-US" sz="2000" dirty="0" err="1">
-                <a:hlinkClick r:id="rId2"/>
-              </a:rPr>
-              <a:t>Wiszniewksi</a:t>
-            </a:r>
-            <a:r>
-              <a:rPr lang="en-US" sz="2000" dirty="0">
-                <a:hlinkClick r:id="rId2"/>
-              </a:rPr>
-              <a:t>, Brown and Moller, Journal of Mammalogy, 2012</a:t>
-            </a:r>
-            <a:endParaRPr lang="en-US" sz="2000" dirty="0"/>
-          </a:p>
-          <a:p>
-            <a:endParaRPr lang="en-US" dirty="0"/>
-          </a:p>
-          <a:p>
-            <a:endParaRPr lang="en-US" dirty="0"/>
-          </a:p>
-        </p:txBody>
-      </p:sp>
-      <p:pic>
-        <p:nvPicPr>
-          <p:cNvPr id="1026" name="Picture 2" descr="Social network of male bottlenose dolphins (Tursiops aduncus) in Port Stephens based on the association index (half-weight index [HWI]) for all years. Subgroup structure was identified using the modularity matrix technique that controls for data structure and gregariousness and is illustrated by different colors of the nodes. Community membership is represented by shape, where squares represent western males and circles represent eastern males. Line (edge) thickness running between 2 individuals is proportional to association strength and for clarity, lines are only displayed for association indices greater than 0.14 (twice the mean association index over all individuals).">
-            <a:extLst>
-              <a:ext uri="{FF2B5EF4-FFF2-40B4-BE49-F238E27FC236}">
-                <a16:creationId xmlns:a16="http://schemas.microsoft.com/office/drawing/2014/main" id="{9F4C610F-A832-4326-B9B1-876BF101B60B}"/>
-              </a:ext>
-            </a:extLst>
-          </p:cNvPr>
-          <p:cNvPicPr>
-            <a:picLocks noChangeAspect="1" noChangeArrowheads="1"/>
-          </p:cNvPicPr>
-          <p:nvPr/>
-        </p:nvPicPr>
-        <p:blipFill>
-          <a:blip r:embed="rId3">
-            <a:extLst>
-              <a:ext uri="{28A0092B-C50C-407E-A947-70E740481C1C}">
-                <a14:useLocalDpi xmlns:a14="http://schemas.microsoft.com/office/drawing/2010/main" val="0"/>
-              </a:ext>
-            </a:extLst>
-          </a:blip>
-          <a:srcRect/>
-          <a:stretch>
-            <a:fillRect/>
-          </a:stretch>
-        </p:blipFill>
-        <p:spPr bwMode="auto">
-          <a:xfrm>
-            <a:off x="5313970" y="1378615"/>
-            <a:ext cx="6775211" cy="5114260"/>
-          </a:xfrm>
-          <a:prstGeom prst="rect">
-            <a:avLst/>
-          </a:prstGeom>
-          <a:noFill/>
-          <a:extLst>
-            <a:ext uri="{909E8E84-426E-40DD-AFC4-6F175D3DCCD1}">
-              <a14:hiddenFill xmlns:a14="http://schemas.microsoft.com/office/drawing/2010/main">
-                <a:solidFill>
-                  <a:srgbClr val="FFFFFF"/>
-                </a:solidFill>
-              </a14:hiddenFill>
-            </a:ext>
-          </a:extLst>
-        </p:spPr>
-      </p:pic>
-    </p:spTree>
-    <p:extLst>
-      <p:ext uri="{BB962C8B-B14F-4D97-AF65-F5344CB8AC3E}">
-        <p14:creationId xmlns:p14="http://schemas.microsoft.com/office/powerpoint/2010/main" val="3996445275"/>
-      </p:ext>
-    </p:extLst>
-  </p:cSld>
-  <p:clrMapOvr>
-    <a:masterClrMapping/>
-  </p:clrMapOvr>
-  <p:timing>
-    <p:tnLst>
-      <p:par>
-        <p:cTn id="1" dur="indefinite" restart="never" nodeType="tmRoot">
-          <p:childTnLst>
-            <p:seq concurrent="1" nextAc="seek">
-              <p:cTn id="2" dur="indefinite" nodeType="mainSeq">
-                <p:childTnLst>
-                  <p:par>
-                    <p:cTn id="3" fill="hold">
-                      <p:stCondLst>
-                        <p:cond delay="indefinite"/>
-                      </p:stCondLst>
-                      <p:childTnLst>
-                        <p:par>
-                          <p:cTn id="4" fill="hold">
-                            <p:stCondLst>
-                              <p:cond delay="0"/>
-                            </p:stCondLst>
-                            <p:childTnLst>
-                              <p:par>
-                                <p:cTn id="5" presetID="1" presetClass="entr" presetSubtype="0" fill="hold" nodeType="clickEffect">
-                                  <p:stCondLst>
-                                    <p:cond delay="0"/>
-                                  </p:stCondLst>
-                                  <p:childTnLst>
-                                    <p:set>
-                                      <p:cBhvr>
-                                        <p:cTn id="6" dur="1" fill="hold">
-                                          <p:stCondLst>
-                                            <p:cond delay="0"/>
-                                          </p:stCondLst>
-                                        </p:cTn>
-                                        <p:tgtEl>
-                                          <p:spTgt spid="3">
-                                            <p:txEl>
-                                              <p:pRg st="1" end="1"/>
-                                            </p:txEl>
-                                          </p:spTgt>
-                                        </p:tgtEl>
-                                        <p:attrNameLst>
-                                          <p:attrName>style.visibility</p:attrName>
-                                        </p:attrNameLst>
-                                      </p:cBhvr>
-                                      <p:to>
-                                        <p:strVal val="visible"/>
-                                      </p:to>
-                                    </p:set>
-                                  </p:childTnLst>
-                                </p:cTn>
-                              </p:par>
-                              <p:par>
-                                <p:cTn id="7" presetID="1" presetClass="entr" presetSubtype="0" fill="hold" nodeType="withEffect">
-                                  <p:stCondLst>
-                                    <p:cond delay="0"/>
-                                  </p:stCondLst>
-                                  <p:childTnLst>
-                                    <p:set>
-                                      <p:cBhvr>
-                                        <p:cTn id="8" dur="1" fill="hold">
-                                          <p:stCondLst>
-                                            <p:cond delay="0"/>
-                                          </p:stCondLst>
-                                        </p:cTn>
-                                        <p:tgtEl>
-                                          <p:spTgt spid="1026"/>
-                                        </p:tgtEl>
-                                        <p:attrNameLst>
-                                          <p:attrName>style.visibility</p:attrName>
-                                        </p:attrNameLst>
-                                      </p:cBhvr>
-                                      <p:to>
-                                        <p:strVal val="visible"/>
-                                      </p:to>
-                                    </p:set>
-                                  </p:childTnLst>
-                                </p:cTn>
-                              </p:par>
-                              <p:par>
-                                <p:cTn id="9" presetID="1" presetClass="entr" presetSubtype="0" fill="hold" nodeType="withEffect">
-                                  <p:stCondLst>
-                                    <p:cond delay="0"/>
-                                  </p:stCondLst>
-                                  <p:childTnLst>
-                                    <p:set>
-                                      <p:cBhvr>
-                                        <p:cTn id="10" dur="1" fill="hold">
-                                          <p:stCondLst>
-                                            <p:cond delay="0"/>
-                                          </p:stCondLst>
-                                        </p:cTn>
-                                        <p:tgtEl>
-                                          <p:spTgt spid="3">
-                                            <p:txEl>
-                                              <p:pRg st="6" end="6"/>
-                                            </p:txEl>
-                                          </p:spTgt>
-                                        </p:tgtEl>
-                                        <p:attrNameLst>
-                                          <p:attrName>style.visibility</p:attrName>
-                                        </p:attrNameLst>
-                                      </p:cBhvr>
-                                      <p:to>
-                                        <p:strVal val="visible"/>
-                                      </p:to>
-                                    </p:set>
-                                  </p:childTnLst>
-                                </p:cTn>
-                              </p:par>
-                            </p:childTnLst>
-                          </p:cTn>
-                        </p:par>
-                      </p:childTnLst>
-                    </p:cTn>
-                  </p:par>
-                  <p:par>
-                    <p:cTn id="11" fill="hold">
-                      <p:stCondLst>
-                        <p:cond delay="indefinite"/>
-                      </p:stCondLst>
-                      <p:childTnLst>
-                        <p:par>
-                          <p:cTn id="12" fill="hold">
-                            <p:stCondLst>
-                              <p:cond delay="0"/>
-                            </p:stCondLst>
-                            <p:childTnLst>
-                              <p:par>
-                                <p:cTn id="13" presetID="1" presetClass="entr" presetSubtype="0" fill="hold" nodeType="clickEffect">
-                                  <p:stCondLst>
-                                    <p:cond delay="0"/>
-                                  </p:stCondLst>
-                                  <p:childTnLst>
-                                    <p:set>
-                                      <p:cBhvr>
-                                        <p:cTn id="14" dur="1" fill="hold">
-                                          <p:stCondLst>
-                                            <p:cond delay="0"/>
-                                          </p:stCondLst>
-                                        </p:cTn>
-                                        <p:tgtEl>
-                                          <p:spTgt spid="3">
-                                            <p:txEl>
-                                              <p:pRg st="2" end="2"/>
-                                            </p:txEl>
-                                          </p:spTgt>
-                                        </p:tgtEl>
-                                        <p:attrNameLst>
-                                          <p:attrName>style.visibility</p:attrName>
-                                        </p:attrNameLst>
-                                      </p:cBhvr>
-                                      <p:to>
-                                        <p:strVal val="visible"/>
-                                      </p:to>
-                                    </p:set>
-                                  </p:childTnLst>
-                                </p:cTn>
-                              </p:par>
-                            </p:childTnLst>
-                          </p:cTn>
-                        </p:par>
-                      </p:childTnLst>
-                    </p:cTn>
-                  </p:par>
-                  <p:par>
-                    <p:cTn id="15" fill="hold">
-                      <p:stCondLst>
-                        <p:cond delay="indefinite"/>
-                      </p:stCondLst>
-                      <p:childTnLst>
-                        <p:par>
-                          <p:cTn id="16" fill="hold">
-                            <p:stCondLst>
-                              <p:cond delay="0"/>
-                            </p:stCondLst>
-                            <p:childTnLst>
-                              <p:par>
-                                <p:cTn id="17" presetID="1" presetClass="entr" presetSubtype="0" fill="hold" nodeType="clickEffect">
-                                  <p:stCondLst>
-                                    <p:cond delay="0"/>
-                                  </p:stCondLst>
-                                  <p:childTnLst>
-                                    <p:set>
-                                      <p:cBhvr>
-                                        <p:cTn id="18" dur="1" fill="hold">
-                                          <p:stCondLst>
-                                            <p:cond delay="0"/>
-                                          </p:stCondLst>
-                                        </p:cTn>
-                                        <p:tgtEl>
-                                          <p:spTgt spid="3">
-                                            <p:txEl>
-                                              <p:pRg st="3" end="3"/>
-                                            </p:txEl>
-                                          </p:spTgt>
-                                        </p:tgtEl>
-                                        <p:attrNameLst>
-                                          <p:attrName>style.visibility</p:attrName>
-                                        </p:attrNameLst>
-                                      </p:cBhvr>
-                                      <p:to>
-                                        <p:strVal val="visible"/>
-                                      </p:to>
-                                    </p:set>
-                                  </p:childTnLst>
-                                </p:cTn>
-                              </p:par>
-                            </p:childTnLst>
-                          </p:cTn>
-                        </p:par>
-                      </p:childTnLst>
-                    </p:cTn>
-                  </p:par>
-                  <p:par>
-                    <p:cTn id="19" fill="hold">
-                      <p:stCondLst>
-                        <p:cond delay="indefinite"/>
-                      </p:stCondLst>
-                      <p:childTnLst>
-                        <p:par>
-                          <p:cTn id="20" fill="hold">
-                            <p:stCondLst>
-                              <p:cond delay="0"/>
-                            </p:stCondLst>
-                            <p:childTnLst>
-                              <p:par>
-                                <p:cTn id="21" presetID="1" presetClass="entr" presetSubtype="0" fill="hold" nodeType="clickEffect">
-                                  <p:stCondLst>
-                                    <p:cond delay="0"/>
-                                  </p:stCondLst>
-                                  <p:childTnLst>
-                                    <p:set>
-                                      <p:cBhvr>
-                                        <p:cTn id="22" dur="1" fill="hold">
-                                          <p:stCondLst>
-                                            <p:cond delay="0"/>
-                                          </p:stCondLst>
-                                        </p:cTn>
-                                        <p:tgtEl>
-                                          <p:spTgt spid="3">
-                                            <p:txEl>
-                                              <p:pRg st="4" end="4"/>
-                                            </p:txEl>
-                                          </p:spTgt>
-                                        </p:tgtEl>
-                                        <p:attrNameLst>
-                                          <p:attrName>style.visibility</p:attrName>
-                                        </p:attrNameLst>
-                                      </p:cBhvr>
-                                      <p:to>
-                                        <p:strVal val="visible"/>
-                                      </p:to>
-                                    </p:set>
-                                  </p:childTnLst>
-                                </p:cTn>
-                              </p:par>
-                            </p:childTnLst>
-                          </p:cTn>
-                        </p:par>
-                      </p:childTnLst>
-                    </p:cTn>
-                  </p:par>
-                </p:childTnLst>
-              </p:cTn>
-              <p:prevCondLst>
-                <p:cond evt="onPrev" delay="0">
-                  <p:tgtEl>
-                    <p:sldTgt/>
-                  </p:tgtEl>
-                </p:cond>
-              </p:prevCondLst>
-              <p:nextCondLst>
-                <p:cond evt="onNext" delay="0">
-                  <p:tgtEl>
-                    <p:sldTgt/>
-                  </p:tgtEl>
-                </p:cond>
-              </p:nextCondLst>
-            </p:seq>
-          </p:childTnLst>
-        </p:cTn>
-      </p:par>
-    </p:tnLst>
-  </p:timing>
-</p:sld>
-</file>
-
-<file path=ppt/slides/slide40.xml><?xml version="1.0" encoding="utf-8"?>
+<file path=ppt/slides/slide45.xml><?xml version="1.0" encoding="utf-8"?>
 <p:sld xmlns:a="http://schemas.openxmlformats.org/drawingml/2006/main" xmlns:r="http://schemas.openxmlformats.org/officeDocument/2006/relationships" xmlns:p="http://schemas.openxmlformats.org/presentationml/2006/main">
   <p:cSld>
     <p:spTree>
@@ -37439,7 +38805,7 @@
 </p:sld>
 </file>
 
-<file path=ppt/slides/slide41.xml><?xml version="1.0" encoding="utf-8"?>
+<file path=ppt/slides/slide46.xml><?xml version="1.0" encoding="utf-8"?>
 <p:sld xmlns:a="http://schemas.openxmlformats.org/drawingml/2006/main" xmlns:r="http://schemas.openxmlformats.org/officeDocument/2006/relationships" xmlns:p="http://schemas.openxmlformats.org/presentationml/2006/main">
   <p:cSld>
     <p:spTree>
@@ -38737,7 +40103,7 @@
 </p:sld>
 </file>
 
-<file path=ppt/slides/slide42.xml><?xml version="1.0" encoding="utf-8"?>
+<file path=ppt/slides/slide47.xml><?xml version="1.0" encoding="utf-8"?>
 <p:sld xmlns:a="http://schemas.openxmlformats.org/drawingml/2006/main" xmlns:r="http://schemas.openxmlformats.org/officeDocument/2006/relationships" xmlns:p="http://schemas.openxmlformats.org/presentationml/2006/main">
   <p:cSld>
     <p:spTree>
@@ -40306,7 +41672,7 @@
 </p:sld>
 </file>
 
-<file path=ppt/slides/slide43.xml><?xml version="1.0" encoding="utf-8"?>
+<file path=ppt/slides/slide48.xml><?xml version="1.0" encoding="utf-8"?>
 <p:sld xmlns:a="http://schemas.openxmlformats.org/drawingml/2006/main" xmlns:r="http://schemas.openxmlformats.org/officeDocument/2006/relationships" xmlns:p="http://schemas.openxmlformats.org/presentationml/2006/main">
   <p:cSld>
     <p:spTree>
@@ -40361,8 +41727,8 @@
           </a:p>
         </p:txBody>
       </p:sp>
-      <mc:AlternateContent xmlns:mc="http://schemas.openxmlformats.org/markup-compatibility/2006" xmlns:a14="http://schemas.microsoft.com/office/drawing/2010/main">
-        <mc:Choice Requires="a14">
+      <mc:AlternateContent xmlns:mc="http://schemas.openxmlformats.org/markup-compatibility/2006">
+        <mc:Choice xmlns:a14="http://schemas.microsoft.com/office/drawing/2010/main" Requires="a14">
           <p:sp>
             <p:nvSpPr>
               <p:cNvPr id="3" name="Content Placeholder 2">
@@ -40627,7 +41993,7 @@
                   <a:rPr lang="en-US" b="1" dirty="0">
                     <a:ea typeface="Cambria Math" panose="02040503050406030204" pitchFamily="18" charset="0"/>
                   </a:rPr>
-                  <a:t>largest eigenvector </a:t>
+                  <a:t>eigenvector for largest eigenvalue </a:t>
                 </a:r>
               </a:p>
               <a:p>
@@ -40655,7 +42021,7 @@
             </p:txBody>
           </p:sp>
         </mc:Choice>
-        <mc:Fallback xmlns="">
+        <mc:Fallback>
           <p:sp>
             <p:nvSpPr>
               <p:cNvPr id="3" name="Content Placeholder 2">
@@ -41049,7 +42415,7 @@
 </p:sld>
 </file>
 
-<file path=ppt/slides/slide44.xml><?xml version="1.0" encoding="utf-8"?>
+<file path=ppt/slides/slide49.xml><?xml version="1.0" encoding="utf-8"?>
 <p:sld xmlns:a="http://schemas.openxmlformats.org/drawingml/2006/main" xmlns:r="http://schemas.openxmlformats.org/officeDocument/2006/relationships" xmlns:p="http://schemas.openxmlformats.org/presentationml/2006/main">
   <p:cSld>
     <p:spTree>
@@ -41098,139 +42464,429 @@
               <a:rPr lang="en-US" dirty="0">
                 <a:latin typeface="+mn-lt"/>
               </a:rPr>
-              <a:t>Summary    </a:t>
+              <a:t>Spectral Modularity Maximization </a:t>
             </a:r>
             <a:endParaRPr lang="en-US" dirty="0"/>
           </a:p>
         </p:txBody>
       </p:sp>
-      <p:sp>
-        <p:nvSpPr>
-          <p:cNvPr id="3" name="Content Placeholder 2">
-            <a:extLst>
-              <a:ext uri="{FF2B5EF4-FFF2-40B4-BE49-F238E27FC236}">
-                <a16:creationId xmlns:a16="http://schemas.microsoft.com/office/drawing/2014/main" id="{CA03134D-F068-4BC9-B038-F3D5CBDDE3F9}"/>
-              </a:ext>
-            </a:extLst>
-          </p:cNvPr>
-          <p:cNvSpPr>
-            <a:spLocks noGrp="1"/>
-          </p:cNvSpPr>
-          <p:nvPr>
-            <p:ph idx="1"/>
-          </p:nvPr>
-        </p:nvSpPr>
-        <p:spPr>
-          <a:xfrm>
-            <a:off x="775447" y="1208868"/>
-            <a:ext cx="10515600" cy="5447426"/>
-          </a:xfrm>
-        </p:spPr>
-        <p:txBody>
-          <a:bodyPr>
-            <a:normAutofit/>
-          </a:bodyPr>
-          <a:lstStyle/>
-          <a:p>
-            <a:pPr marL="0" indent="0">
-              <a:buNone/>
-            </a:pPr>
-            <a:r>
-              <a:rPr lang="en-US" dirty="0"/>
-              <a:t>Many methods to find communities in social networks  </a:t>
-            </a:r>
-          </a:p>
-          <a:p>
-            <a:r>
-              <a:rPr lang="en-US" dirty="0"/>
-              <a:t>Communities defined by </a:t>
-            </a:r>
-            <a:r>
-              <a:rPr lang="en-US" b="1" dirty="0"/>
-              <a:t>high connectivity   </a:t>
-            </a:r>
-          </a:p>
-          <a:p>
-            <a:r>
-              <a:rPr lang="en-US" dirty="0"/>
-              <a:t>Can find communities by the </a:t>
-            </a:r>
-            <a:r>
-              <a:rPr lang="en-US" b="1" dirty="0"/>
-              <a:t>centrality</a:t>
-            </a:r>
-            <a:r>
-              <a:rPr lang="en-US" dirty="0"/>
-              <a:t> of nodes:    </a:t>
-            </a:r>
-          </a:p>
-          <a:p>
-            <a:pPr lvl="1"/>
-            <a:r>
-              <a:rPr lang="en-US" dirty="0"/>
-              <a:t>Kratz centrality   </a:t>
-            </a:r>
-          </a:p>
-          <a:p>
-            <a:pPr lvl="1"/>
-            <a:r>
-              <a:rPr lang="en-US" dirty="0"/>
-              <a:t>Closeness centrality  </a:t>
-            </a:r>
-          </a:p>
-          <a:p>
-            <a:pPr lvl="1"/>
-            <a:r>
-              <a:rPr lang="en-US" dirty="0"/>
-              <a:t>K-Cores   </a:t>
-            </a:r>
-          </a:p>
-          <a:p>
-            <a:pPr lvl="1"/>
-            <a:r>
-              <a:rPr lang="en-US" dirty="0"/>
-              <a:t>Triangle density and clustering  </a:t>
-            </a:r>
-          </a:p>
-          <a:p>
-            <a:pPr lvl="1"/>
-            <a:r>
-              <a:rPr lang="en-US" dirty="0"/>
-              <a:t>Betweenness centrality  </a:t>
-            </a:r>
-          </a:p>
-          <a:p>
-            <a:r>
-              <a:rPr lang="en-US" dirty="0"/>
-              <a:t>Or, find communities by </a:t>
-            </a:r>
-            <a:r>
-              <a:rPr lang="en-US" b="1" dirty="0"/>
-              <a:t>modularity</a:t>
-            </a:r>
-            <a:r>
-              <a:rPr lang="en-US" dirty="0"/>
-              <a:t> of groups of nodes</a:t>
-            </a:r>
-          </a:p>
-          <a:p>
-            <a:endParaRPr lang="en-US" dirty="0"/>
-          </a:p>
-          <a:p>
-            <a:endParaRPr lang="en-US" dirty="0"/>
-          </a:p>
-        </p:txBody>
-      </p:sp>
+      <mc:AlternateContent xmlns:mc="http://schemas.openxmlformats.org/markup-compatibility/2006">
+        <mc:Choice xmlns:a14="http://schemas.microsoft.com/office/drawing/2010/main" Requires="a14">
+          <p:sp>
+            <p:nvSpPr>
+              <p:cNvPr id="3" name="Content Placeholder 2">
+                <a:extLst>
+                  <a:ext uri="{FF2B5EF4-FFF2-40B4-BE49-F238E27FC236}">
+                    <a16:creationId xmlns:a16="http://schemas.microsoft.com/office/drawing/2014/main" id="{CA03134D-F068-4BC9-B038-F3D5CBDDE3F9}"/>
+                  </a:ext>
+                </a:extLst>
+              </p:cNvPr>
+              <p:cNvSpPr>
+                <a:spLocks noGrp="1"/>
+              </p:cNvSpPr>
+              <p:nvPr>
+                <p:ph idx="1"/>
+              </p:nvPr>
+            </p:nvSpPr>
+            <p:spPr>
+              <a:xfrm>
+                <a:off x="775447" y="1198536"/>
+                <a:ext cx="10792776" cy="5457758"/>
+              </a:xfrm>
+            </p:spPr>
+            <p:txBody>
+              <a:bodyPr>
+                <a:normAutofit/>
+              </a:bodyPr>
+              <a:lstStyle/>
+              <a:p>
+                <a:pPr marL="0" indent="0">
+                  <a:buNone/>
+                </a:pPr>
+                <a:r>
+                  <a:rPr lang="en-US" dirty="0"/>
+                  <a:t>Use spectral decomposition to maximize modularity</a:t>
+                </a:r>
+                <a:endParaRPr lang="en-US" b="0" dirty="0"/>
+              </a:p>
+              <a:p>
+                <a:r>
+                  <a:rPr lang="en-US" dirty="0"/>
+                  <a:t>In matrix notation this looks like an eigenvalue-eigenvector problem!</a:t>
+                </a:r>
+              </a:p>
+              <a:p>
+                <a:pPr marL="0" indent="0">
+                  <a:buNone/>
+                </a:pPr>
+                <a14:m>
+                  <m:oMathPara xmlns:m="http://schemas.openxmlformats.org/officeDocument/2006/math">
+                    <m:oMathParaPr>
+                      <m:jc m:val="centerGroup"/>
+                    </m:oMathParaPr>
+                    <m:oMath xmlns:m="http://schemas.openxmlformats.org/officeDocument/2006/math">
+                      <m:r>
+                        <a:rPr lang="en-US" b="0" i="1" smtClean="0">
+                          <a:latin typeface="Cambria Math" panose="02040503050406030204" pitchFamily="18" charset="0"/>
+                        </a:rPr>
+                        <m:t>𝐵𝑠</m:t>
+                      </m:r>
+                      <m:r>
+                        <a:rPr lang="en-US" b="0" i="1" smtClean="0">
+                          <a:latin typeface="Cambria Math" panose="02040503050406030204" pitchFamily="18" charset="0"/>
+                        </a:rPr>
+                        <m:t>=</m:t>
+                      </m:r>
+                      <m:r>
+                        <a:rPr lang="en-US" b="0" i="1" smtClean="0">
+                          <a:latin typeface="Cambria Math" panose="02040503050406030204" pitchFamily="18" charset="0"/>
+                          <a:ea typeface="Cambria Math" panose="02040503050406030204" pitchFamily="18" charset="0"/>
+                        </a:rPr>
+                        <m:t>𝜆</m:t>
+                      </m:r>
+                      <m:r>
+                        <a:rPr lang="en-US" b="0" i="1" smtClean="0">
+                          <a:latin typeface="Cambria Math" panose="02040503050406030204" pitchFamily="18" charset="0"/>
+                          <a:ea typeface="Cambria Math" panose="02040503050406030204" pitchFamily="18" charset="0"/>
+                        </a:rPr>
+                        <m:t>𝑠</m:t>
+                      </m:r>
+                    </m:oMath>
+                  </m:oMathPara>
+                </a14:m>
+                <a:endParaRPr lang="en-US" b="0" dirty="0">
+                  <a:ea typeface="Cambria Math" panose="02040503050406030204" pitchFamily="18" charset="0"/>
+                </a:endParaRPr>
+              </a:p>
+              <a:p>
+                <a:r>
+                  <a:rPr lang="en-US" dirty="0">
+                    <a:ea typeface="Cambria Math" panose="02040503050406030204" pitchFamily="18" charset="0"/>
+                  </a:rPr>
+                  <a:t>Need to find the eigenvector associated with the first (largest) eigenvalue  </a:t>
+                </a:r>
+              </a:p>
+              <a:p>
+                <a:r>
+                  <a:rPr lang="en-US" dirty="0">
+                    <a:ea typeface="Cambria Math" panose="02040503050406030204" pitchFamily="18" charset="0"/>
+                  </a:rPr>
+                  <a:t>We have seen an algorithm </a:t>
+                </a:r>
+                <a:r>
+                  <a:rPr lang="en-US" dirty="0"/>
+                  <a:t>to solve this problem already!  </a:t>
+                </a:r>
+              </a:p>
+              <a:p>
+                <a:r>
+                  <a:rPr lang="en-US" dirty="0">
+                    <a:ea typeface="Cambria Math" panose="02040503050406030204" pitchFamily="18" charset="0"/>
+                  </a:rPr>
+                  <a:t>Recall the iterative algorithm used to find PageRank   </a:t>
+                </a:r>
+              </a:p>
+              <a:p>
+                <a:r>
+                  <a:rPr lang="en-US" dirty="0">
+                    <a:ea typeface="Cambria Math" panose="02040503050406030204" pitchFamily="18" charset="0"/>
+                  </a:rPr>
+                  <a:t>This method is known as the </a:t>
+                </a:r>
+                <a:r>
+                  <a:rPr lang="en-US" b="1" dirty="0"/>
+                  <a:t>Louvain algorithm</a:t>
+                </a:r>
+                <a:r>
+                  <a:rPr lang="en-US" dirty="0">
+                    <a:ea typeface="Cambria Math" panose="02040503050406030204" pitchFamily="18" charset="0"/>
+                  </a:rPr>
+                  <a:t> </a:t>
+                </a:r>
+              </a:p>
+            </p:txBody>
+          </p:sp>
+        </mc:Choice>
+        <mc:Fallback>
+          <p:sp>
+            <p:nvSpPr>
+              <p:cNvPr id="3" name="Content Placeholder 2">
+                <a:extLst>
+                  <a:ext uri="{FF2B5EF4-FFF2-40B4-BE49-F238E27FC236}">
+                    <a16:creationId xmlns:a16="http://schemas.microsoft.com/office/drawing/2014/main" id="{CA03134D-F068-4BC9-B038-F3D5CBDDE3F9}"/>
+                  </a:ext>
+                </a:extLst>
+              </p:cNvPr>
+              <p:cNvSpPr>
+                <a:spLocks noGrp="1" noRot="1" noChangeAspect="1" noMove="1" noResize="1" noEditPoints="1" noAdjustHandles="1" noChangeArrowheads="1" noChangeShapeType="1" noTextEdit="1"/>
+              </p:cNvSpPr>
+              <p:nvPr>
+                <p:ph idx="1"/>
+              </p:nvPr>
+            </p:nvSpPr>
+            <p:spPr>
+              <a:xfrm>
+                <a:off x="775447" y="1198536"/>
+                <a:ext cx="10792776" cy="5457758"/>
+              </a:xfrm>
+              <a:blipFill>
+                <a:blip r:embed="rId2"/>
+                <a:stretch>
+                  <a:fillRect l="-1129" t="-1899"/>
+                </a:stretch>
+              </a:blipFill>
+            </p:spPr>
+            <p:txBody>
+              <a:bodyPr/>
+              <a:lstStyle/>
+              <a:p>
+                <a:r>
+                  <a:rPr lang="en-US">
+                    <a:noFill/>
+                  </a:rPr>
+                  <a:t> </a:t>
+                </a:r>
+              </a:p>
+            </p:txBody>
+          </p:sp>
+        </mc:Fallback>
+      </mc:AlternateContent>
     </p:spTree>
     <p:extLst>
       <p:ext uri="{BB962C8B-B14F-4D97-AF65-F5344CB8AC3E}">
-        <p14:creationId xmlns:p14="http://schemas.microsoft.com/office/powerpoint/2010/main" val="3171747314"/>
+        <p14:creationId xmlns:p14="http://schemas.microsoft.com/office/powerpoint/2010/main" val="3294648250"/>
       </p:ext>
     </p:extLst>
   </p:cSld>
   <p:clrMapOvr>
     <a:masterClrMapping/>
   </p:clrMapOvr>
+  <p:timing>
+    <p:tnLst>
+      <p:par>
+        <p:cTn id="1" dur="indefinite" restart="never" nodeType="tmRoot">
+          <p:childTnLst>
+            <p:seq concurrent="1" nextAc="seek">
+              <p:cTn id="2" dur="indefinite" nodeType="mainSeq">
+                <p:childTnLst>
+                  <p:par>
+                    <p:cTn id="3" fill="hold">
+                      <p:stCondLst>
+                        <p:cond delay="indefinite"/>
+                      </p:stCondLst>
+                      <p:childTnLst>
+                        <p:par>
+                          <p:cTn id="4" fill="hold">
+                            <p:stCondLst>
+                              <p:cond delay="0"/>
+                            </p:stCondLst>
+                            <p:childTnLst>
+                              <p:par>
+                                <p:cTn id="5" presetID="1" presetClass="entr" presetSubtype="0" fill="hold" nodeType="clickEffect">
+                                  <p:stCondLst>
+                                    <p:cond delay="0"/>
+                                  </p:stCondLst>
+                                  <p:childTnLst>
+                                    <p:set>
+                                      <p:cBhvr>
+                                        <p:cTn id="6" dur="1" fill="hold">
+                                          <p:stCondLst>
+                                            <p:cond delay="0"/>
+                                          </p:stCondLst>
+                                        </p:cTn>
+                                        <p:tgtEl>
+                                          <p:spTgt spid="3">
+                                            <p:txEl>
+                                              <p:pRg st="3" end="3"/>
+                                            </p:txEl>
+                                          </p:spTgt>
+                                        </p:tgtEl>
+                                        <p:attrNameLst>
+                                          <p:attrName>style.visibility</p:attrName>
+                                        </p:attrNameLst>
+                                      </p:cBhvr>
+                                      <p:to>
+                                        <p:strVal val="visible"/>
+                                      </p:to>
+                                    </p:set>
+                                  </p:childTnLst>
+                                </p:cTn>
+                              </p:par>
+                            </p:childTnLst>
+                          </p:cTn>
+                        </p:par>
+                      </p:childTnLst>
+                    </p:cTn>
+                  </p:par>
+                  <p:par>
+                    <p:cTn id="7" fill="hold">
+                      <p:stCondLst>
+                        <p:cond delay="indefinite"/>
+                      </p:stCondLst>
+                      <p:childTnLst>
+                        <p:par>
+                          <p:cTn id="8" fill="hold">
+                            <p:stCondLst>
+                              <p:cond delay="0"/>
+                            </p:stCondLst>
+                            <p:childTnLst>
+                              <p:par>
+                                <p:cTn id="9" presetID="1" presetClass="entr" presetSubtype="0" fill="hold" nodeType="clickEffect">
+                                  <p:stCondLst>
+                                    <p:cond delay="0"/>
+                                  </p:stCondLst>
+                                  <p:childTnLst>
+                                    <p:set>
+                                      <p:cBhvr>
+                                        <p:cTn id="10" dur="1" fill="hold">
+                                          <p:stCondLst>
+                                            <p:cond delay="0"/>
+                                          </p:stCondLst>
+                                        </p:cTn>
+                                        <p:tgtEl>
+                                          <p:spTgt spid="3">
+                                            <p:txEl>
+                                              <p:pRg st="4" end="4"/>
+                                            </p:txEl>
+                                          </p:spTgt>
+                                        </p:tgtEl>
+                                        <p:attrNameLst>
+                                          <p:attrName>style.visibility</p:attrName>
+                                        </p:attrNameLst>
+                                      </p:cBhvr>
+                                      <p:to>
+                                        <p:strVal val="visible"/>
+                                      </p:to>
+                                    </p:set>
+                                  </p:childTnLst>
+                                </p:cTn>
+                              </p:par>
+                            </p:childTnLst>
+                          </p:cTn>
+                        </p:par>
+                      </p:childTnLst>
+                    </p:cTn>
+                  </p:par>
+                  <p:par>
+                    <p:cTn id="11" fill="hold">
+                      <p:stCondLst>
+                        <p:cond delay="indefinite"/>
+                      </p:stCondLst>
+                      <p:childTnLst>
+                        <p:par>
+                          <p:cTn id="12" fill="hold">
+                            <p:stCondLst>
+                              <p:cond delay="0"/>
+                            </p:stCondLst>
+                            <p:childTnLst>
+                              <p:par>
+                                <p:cTn id="13" presetID="1" presetClass="entr" presetSubtype="0" fill="hold" nodeType="clickEffect">
+                                  <p:stCondLst>
+                                    <p:cond delay="0"/>
+                                  </p:stCondLst>
+                                  <p:childTnLst>
+                                    <p:set>
+                                      <p:cBhvr>
+                                        <p:cTn id="14" dur="1" fill="hold">
+                                          <p:stCondLst>
+                                            <p:cond delay="0"/>
+                                          </p:stCondLst>
+                                        </p:cTn>
+                                        <p:tgtEl>
+                                          <p:spTgt spid="3">
+                                            <p:txEl>
+                                              <p:pRg st="5" end="5"/>
+                                            </p:txEl>
+                                          </p:spTgt>
+                                        </p:tgtEl>
+                                        <p:attrNameLst>
+                                          <p:attrName>style.visibility</p:attrName>
+                                        </p:attrNameLst>
+                                      </p:cBhvr>
+                                      <p:to>
+                                        <p:strVal val="visible"/>
+                                      </p:to>
+                                    </p:set>
+                                  </p:childTnLst>
+                                </p:cTn>
+                              </p:par>
+                            </p:childTnLst>
+                          </p:cTn>
+                        </p:par>
+                      </p:childTnLst>
+                    </p:cTn>
+                  </p:par>
+                  <p:par>
+                    <p:cTn id="15" fill="hold">
+                      <p:stCondLst>
+                        <p:cond delay="indefinite"/>
+                      </p:stCondLst>
+                      <p:childTnLst>
+                        <p:par>
+                          <p:cTn id="16" fill="hold">
+                            <p:stCondLst>
+                              <p:cond delay="0"/>
+                            </p:stCondLst>
+                            <p:childTnLst>
+                              <p:par>
+                                <p:cTn id="17" presetID="1" presetClass="entr" presetSubtype="0" fill="hold" nodeType="clickEffect">
+                                  <p:stCondLst>
+                                    <p:cond delay="0"/>
+                                  </p:stCondLst>
+                                  <p:childTnLst>
+                                    <p:set>
+                                      <p:cBhvr>
+                                        <p:cTn id="18" dur="1" fill="hold">
+                                          <p:stCondLst>
+                                            <p:cond delay="0"/>
+                                          </p:stCondLst>
+                                        </p:cTn>
+                                        <p:tgtEl>
+                                          <p:spTgt spid="3">
+                                            <p:txEl>
+                                              <p:pRg st="6" end="6"/>
+                                            </p:txEl>
+                                          </p:spTgt>
+                                        </p:tgtEl>
+                                        <p:attrNameLst>
+                                          <p:attrName>style.visibility</p:attrName>
+                                        </p:attrNameLst>
+                                      </p:cBhvr>
+                                      <p:to>
+                                        <p:strVal val="visible"/>
+                                      </p:to>
+                                    </p:set>
+                                  </p:childTnLst>
+                                </p:cTn>
+                              </p:par>
+                            </p:childTnLst>
+                          </p:cTn>
+                        </p:par>
+                      </p:childTnLst>
+                    </p:cTn>
+                  </p:par>
+                </p:childTnLst>
+              </p:cTn>
+              <p:prevCondLst>
+                <p:cond evt="onPrev" delay="0">
+                  <p:tgtEl>
+                    <p:sldTgt/>
+                  </p:tgtEl>
+                </p:cond>
+              </p:prevCondLst>
+              <p:nextCondLst>
+                <p:cond evt="onNext" delay="0">
+                  <p:tgtEl>
+                    <p:sldTgt/>
+                  </p:tgtEl>
+                </p:cond>
+              </p:nextCondLst>
+            </p:seq>
+          </p:childTnLst>
+        </p:cTn>
+      </p:par>
+    </p:tnLst>
+  </p:timing>
 </p:sld>
 </file>
 
@@ -41727,6 +43383,784 @@
                                           <p:spTgt spid="3">
                                             <p:txEl>
                                               <p:pRg st="7" end="7"/>
+                                            </p:txEl>
+                                          </p:spTgt>
+                                        </p:tgtEl>
+                                        <p:attrNameLst>
+                                          <p:attrName>style.visibility</p:attrName>
+                                        </p:attrNameLst>
+                                      </p:cBhvr>
+                                      <p:to>
+                                        <p:strVal val="visible"/>
+                                      </p:to>
+                                    </p:set>
+                                  </p:childTnLst>
+                                </p:cTn>
+                              </p:par>
+                            </p:childTnLst>
+                          </p:cTn>
+                        </p:par>
+                      </p:childTnLst>
+                    </p:cTn>
+                  </p:par>
+                </p:childTnLst>
+              </p:cTn>
+              <p:prevCondLst>
+                <p:cond evt="onPrev" delay="0">
+                  <p:tgtEl>
+                    <p:sldTgt/>
+                  </p:tgtEl>
+                </p:cond>
+              </p:prevCondLst>
+              <p:nextCondLst>
+                <p:cond evt="onNext" delay="0">
+                  <p:tgtEl>
+                    <p:sldTgt/>
+                  </p:tgtEl>
+                </p:cond>
+              </p:nextCondLst>
+            </p:seq>
+          </p:childTnLst>
+        </p:cTn>
+      </p:par>
+    </p:tnLst>
+  </p:timing>
+</p:sld>
+</file>
+
+<file path=ppt/slides/slide50.xml><?xml version="1.0" encoding="utf-8"?>
+<p:sld xmlns:a="http://schemas.openxmlformats.org/drawingml/2006/main" xmlns:r="http://schemas.openxmlformats.org/officeDocument/2006/relationships" xmlns:p="http://schemas.openxmlformats.org/presentationml/2006/main">
+  <p:cSld>
+    <p:spTree>
+      <p:nvGrpSpPr>
+        <p:cNvPr id="1" name=""/>
+        <p:cNvGrpSpPr/>
+        <p:nvPr/>
+      </p:nvGrpSpPr>
+      <p:grpSpPr>
+        <a:xfrm>
+          <a:off x="0" y="0"/>
+          <a:ext cx="0" cy="0"/>
+          <a:chOff x="0" y="0"/>
+          <a:chExt cx="0" cy="0"/>
+        </a:xfrm>
+      </p:grpSpPr>
+      <p:sp>
+        <p:nvSpPr>
+          <p:cNvPr id="2" name="Title 1">
+            <a:extLst>
+              <a:ext uri="{FF2B5EF4-FFF2-40B4-BE49-F238E27FC236}">
+                <a16:creationId xmlns:a16="http://schemas.microsoft.com/office/drawing/2014/main" id="{3B3EA3CE-8DB0-40A5-B4A6-AFCE2156CC1F}"/>
+              </a:ext>
+            </a:extLst>
+          </p:cNvPr>
+          <p:cNvSpPr>
+            <a:spLocks noGrp="1"/>
+          </p:cNvSpPr>
+          <p:nvPr>
+            <p:ph type="title"/>
+          </p:nvPr>
+        </p:nvSpPr>
+        <p:spPr>
+          <a:xfrm>
+            <a:off x="838200" y="365125"/>
+            <a:ext cx="10515600" cy="620993"/>
+          </a:xfrm>
+        </p:spPr>
+        <p:txBody>
+          <a:bodyPr>
+            <a:normAutofit fontScale="90000"/>
+          </a:bodyPr>
+          <a:lstStyle/>
+          <a:p>
+            <a:r>
+              <a:rPr lang="en-US" dirty="0">
+                <a:latin typeface="+mn-lt"/>
+              </a:rPr>
+              <a:t>Summary</a:t>
+            </a:r>
+            <a:endParaRPr lang="en-US" dirty="0"/>
+          </a:p>
+        </p:txBody>
+      </p:sp>
+      <p:sp>
+        <p:nvSpPr>
+          <p:cNvPr id="3" name="Content Placeholder 2">
+            <a:extLst>
+              <a:ext uri="{FF2B5EF4-FFF2-40B4-BE49-F238E27FC236}">
+                <a16:creationId xmlns:a16="http://schemas.microsoft.com/office/drawing/2014/main" id="{CA03134D-F068-4BC9-B038-F3D5CBDDE3F9}"/>
+              </a:ext>
+            </a:extLst>
+          </p:cNvPr>
+          <p:cNvSpPr>
+            <a:spLocks noGrp="1"/>
+          </p:cNvSpPr>
+          <p:nvPr>
+            <p:ph idx="1"/>
+          </p:nvPr>
+        </p:nvSpPr>
+        <p:spPr>
+          <a:xfrm>
+            <a:off x="775447" y="1208868"/>
+            <a:ext cx="10515600" cy="5447426"/>
+          </a:xfrm>
+        </p:spPr>
+        <p:txBody>
+          <a:bodyPr>
+            <a:normAutofit/>
+          </a:bodyPr>
+          <a:lstStyle/>
+          <a:p>
+            <a:pPr marL="0" indent="0">
+              <a:buNone/>
+            </a:pPr>
+            <a:r>
+              <a:rPr lang="en-US" dirty="0"/>
+              <a:t>Many methods to find communities in social networks  </a:t>
+            </a:r>
+          </a:p>
+          <a:p>
+            <a:r>
+              <a:rPr lang="en-US" dirty="0"/>
+              <a:t>Communities defined by </a:t>
+            </a:r>
+            <a:r>
+              <a:rPr lang="en-US" b="1" dirty="0"/>
+              <a:t>high connectivity   </a:t>
+            </a:r>
+          </a:p>
+          <a:p>
+            <a:r>
+              <a:rPr lang="en-US" dirty="0"/>
+              <a:t>Can find communities by the </a:t>
+            </a:r>
+            <a:r>
+              <a:rPr lang="en-US" b="1" dirty="0"/>
+              <a:t>centrality</a:t>
+            </a:r>
+            <a:r>
+              <a:rPr lang="en-US" dirty="0"/>
+              <a:t> of nodes:    </a:t>
+            </a:r>
+          </a:p>
+          <a:p>
+            <a:pPr lvl="1"/>
+            <a:r>
+              <a:rPr lang="en-US" dirty="0"/>
+              <a:t>Kratz centrality   </a:t>
+            </a:r>
+          </a:p>
+          <a:p>
+            <a:pPr lvl="1"/>
+            <a:r>
+              <a:rPr lang="en-US" dirty="0"/>
+              <a:t>Closeness centrality  </a:t>
+            </a:r>
+          </a:p>
+          <a:p>
+            <a:pPr lvl="1"/>
+            <a:r>
+              <a:rPr lang="en-US" dirty="0"/>
+              <a:t>K-Cores   </a:t>
+            </a:r>
+          </a:p>
+          <a:p>
+            <a:pPr lvl="1"/>
+            <a:r>
+              <a:rPr lang="en-US" dirty="0"/>
+              <a:t>Triangle density and clustering  </a:t>
+            </a:r>
+          </a:p>
+          <a:p>
+            <a:pPr lvl="1"/>
+            <a:r>
+              <a:rPr lang="en-US" dirty="0"/>
+              <a:t>Betweenness centrality  </a:t>
+            </a:r>
+          </a:p>
+          <a:p>
+            <a:r>
+              <a:rPr lang="en-US" dirty="0"/>
+              <a:t>Partition communities by betweenness </a:t>
+            </a:r>
+          </a:p>
+          <a:p>
+            <a:r>
+              <a:rPr lang="en-US" dirty="0"/>
+              <a:t>Find communities by </a:t>
+            </a:r>
+            <a:r>
+              <a:rPr lang="en-US" b="1" dirty="0"/>
+              <a:t>modularity</a:t>
+            </a:r>
+            <a:r>
+              <a:rPr lang="en-US" dirty="0"/>
+              <a:t> of groups of nodes</a:t>
+            </a:r>
+          </a:p>
+          <a:p>
+            <a:pPr lvl="1"/>
+            <a:r>
+              <a:rPr lang="en-US" dirty="0"/>
+              <a:t>Greedy algorithms  </a:t>
+            </a:r>
+          </a:p>
+          <a:p>
+            <a:pPr lvl="1"/>
+            <a:r>
+              <a:rPr lang="en-US" dirty="0"/>
+              <a:t>Louvain community modularity</a:t>
+            </a:r>
+          </a:p>
+          <a:p>
+            <a:pPr lvl="1"/>
+            <a:endParaRPr lang="en-US" dirty="0"/>
+          </a:p>
+          <a:p>
+            <a:endParaRPr lang="en-US" dirty="0"/>
+          </a:p>
+          <a:p>
+            <a:endParaRPr lang="en-US" dirty="0"/>
+          </a:p>
+        </p:txBody>
+      </p:sp>
+    </p:spTree>
+    <p:extLst>
+      <p:ext uri="{BB962C8B-B14F-4D97-AF65-F5344CB8AC3E}">
+        <p14:creationId xmlns:p14="http://schemas.microsoft.com/office/powerpoint/2010/main" val="1688064822"/>
+      </p:ext>
+    </p:extLst>
+  </p:cSld>
+  <p:clrMapOvr>
+    <a:masterClrMapping/>
+  </p:clrMapOvr>
+  <p:timing>
+    <p:tnLst>
+      <p:par>
+        <p:cTn id="1" dur="indefinite" restart="never" nodeType="tmRoot">
+          <p:childTnLst>
+            <p:seq concurrent="1" nextAc="seek">
+              <p:cTn id="2" dur="indefinite" nodeType="mainSeq">
+                <p:childTnLst>
+                  <p:par>
+                    <p:cTn id="3" fill="hold">
+                      <p:stCondLst>
+                        <p:cond delay="indefinite"/>
+                      </p:stCondLst>
+                      <p:childTnLst>
+                        <p:par>
+                          <p:cTn id="4" fill="hold">
+                            <p:stCondLst>
+                              <p:cond delay="0"/>
+                            </p:stCondLst>
+                            <p:childTnLst>
+                              <p:par>
+                                <p:cTn id="5" presetID="1" presetClass="entr" presetSubtype="0" fill="hold" nodeType="clickEffect">
+                                  <p:stCondLst>
+                                    <p:cond delay="0"/>
+                                  </p:stCondLst>
+                                  <p:childTnLst>
+                                    <p:set>
+                                      <p:cBhvr>
+                                        <p:cTn id="6" dur="1" fill="hold">
+                                          <p:stCondLst>
+                                            <p:cond delay="0"/>
+                                          </p:stCondLst>
+                                        </p:cTn>
+                                        <p:tgtEl>
+                                          <p:spTgt spid="3">
+                                            <p:txEl>
+                                              <p:pRg st="1" end="1"/>
+                                            </p:txEl>
+                                          </p:spTgt>
+                                        </p:tgtEl>
+                                        <p:attrNameLst>
+                                          <p:attrName>style.visibility</p:attrName>
+                                        </p:attrNameLst>
+                                      </p:cBhvr>
+                                      <p:to>
+                                        <p:strVal val="visible"/>
+                                      </p:to>
+                                    </p:set>
+                                  </p:childTnLst>
+                                </p:cTn>
+                              </p:par>
+                            </p:childTnLst>
+                          </p:cTn>
+                        </p:par>
+                      </p:childTnLst>
+                    </p:cTn>
+                  </p:par>
+                  <p:par>
+                    <p:cTn id="7" fill="hold">
+                      <p:stCondLst>
+                        <p:cond delay="indefinite"/>
+                      </p:stCondLst>
+                      <p:childTnLst>
+                        <p:par>
+                          <p:cTn id="8" fill="hold">
+                            <p:stCondLst>
+                              <p:cond delay="0"/>
+                            </p:stCondLst>
+                            <p:childTnLst>
+                              <p:par>
+                                <p:cTn id="9" presetID="1" presetClass="entr" presetSubtype="0" fill="hold" nodeType="clickEffect">
+                                  <p:stCondLst>
+                                    <p:cond delay="0"/>
+                                  </p:stCondLst>
+                                  <p:childTnLst>
+                                    <p:set>
+                                      <p:cBhvr>
+                                        <p:cTn id="10" dur="1" fill="hold">
+                                          <p:stCondLst>
+                                            <p:cond delay="0"/>
+                                          </p:stCondLst>
+                                        </p:cTn>
+                                        <p:tgtEl>
+                                          <p:spTgt spid="3">
+                                            <p:txEl>
+                                              <p:pRg st="2" end="2"/>
+                                            </p:txEl>
+                                          </p:spTgt>
+                                        </p:tgtEl>
+                                        <p:attrNameLst>
+                                          <p:attrName>style.visibility</p:attrName>
+                                        </p:attrNameLst>
+                                      </p:cBhvr>
+                                      <p:to>
+                                        <p:strVal val="visible"/>
+                                      </p:to>
+                                    </p:set>
+                                  </p:childTnLst>
+                                </p:cTn>
+                              </p:par>
+                            </p:childTnLst>
+                          </p:cTn>
+                        </p:par>
+                      </p:childTnLst>
+                    </p:cTn>
+                  </p:par>
+                  <p:par>
+                    <p:cTn id="11" fill="hold">
+                      <p:stCondLst>
+                        <p:cond delay="indefinite"/>
+                      </p:stCondLst>
+                      <p:childTnLst>
+                        <p:par>
+                          <p:cTn id="12" fill="hold">
+                            <p:stCondLst>
+                              <p:cond delay="0"/>
+                            </p:stCondLst>
+                            <p:childTnLst>
+                              <p:par>
+                                <p:cTn id="13" presetID="1" presetClass="entr" presetSubtype="0" fill="hold" nodeType="clickEffect">
+                                  <p:stCondLst>
+                                    <p:cond delay="0"/>
+                                  </p:stCondLst>
+                                  <p:childTnLst>
+                                    <p:set>
+                                      <p:cBhvr>
+                                        <p:cTn id="14" dur="1" fill="hold">
+                                          <p:stCondLst>
+                                            <p:cond delay="0"/>
+                                          </p:stCondLst>
+                                        </p:cTn>
+                                        <p:tgtEl>
+                                          <p:spTgt spid="3">
+                                            <p:txEl>
+                                              <p:pRg st="3" end="3"/>
+                                            </p:txEl>
+                                          </p:spTgt>
+                                        </p:tgtEl>
+                                        <p:attrNameLst>
+                                          <p:attrName>style.visibility</p:attrName>
+                                        </p:attrNameLst>
+                                      </p:cBhvr>
+                                      <p:to>
+                                        <p:strVal val="visible"/>
+                                      </p:to>
+                                    </p:set>
+                                  </p:childTnLst>
+                                </p:cTn>
+                              </p:par>
+                            </p:childTnLst>
+                          </p:cTn>
+                        </p:par>
+                      </p:childTnLst>
+                    </p:cTn>
+                  </p:par>
+                  <p:par>
+                    <p:cTn id="15" fill="hold">
+                      <p:stCondLst>
+                        <p:cond delay="indefinite"/>
+                      </p:stCondLst>
+                      <p:childTnLst>
+                        <p:par>
+                          <p:cTn id="16" fill="hold">
+                            <p:stCondLst>
+                              <p:cond delay="0"/>
+                            </p:stCondLst>
+                            <p:childTnLst>
+                              <p:par>
+                                <p:cTn id="17" presetID="1" presetClass="entr" presetSubtype="0" fill="hold" nodeType="clickEffect">
+                                  <p:stCondLst>
+                                    <p:cond delay="0"/>
+                                  </p:stCondLst>
+                                  <p:childTnLst>
+                                    <p:set>
+                                      <p:cBhvr>
+                                        <p:cTn id="18" dur="1" fill="hold">
+                                          <p:stCondLst>
+                                            <p:cond delay="0"/>
+                                          </p:stCondLst>
+                                        </p:cTn>
+                                        <p:tgtEl>
+                                          <p:spTgt spid="3">
+                                            <p:txEl>
+                                              <p:pRg st="4" end="4"/>
+                                            </p:txEl>
+                                          </p:spTgt>
+                                        </p:tgtEl>
+                                        <p:attrNameLst>
+                                          <p:attrName>style.visibility</p:attrName>
+                                        </p:attrNameLst>
+                                      </p:cBhvr>
+                                      <p:to>
+                                        <p:strVal val="visible"/>
+                                      </p:to>
+                                    </p:set>
+                                  </p:childTnLst>
+                                </p:cTn>
+                              </p:par>
+                            </p:childTnLst>
+                          </p:cTn>
+                        </p:par>
+                      </p:childTnLst>
+                    </p:cTn>
+                  </p:par>
+                  <p:par>
+                    <p:cTn id="19" fill="hold">
+                      <p:stCondLst>
+                        <p:cond delay="indefinite"/>
+                      </p:stCondLst>
+                      <p:childTnLst>
+                        <p:par>
+                          <p:cTn id="20" fill="hold">
+                            <p:stCondLst>
+                              <p:cond delay="0"/>
+                            </p:stCondLst>
+                            <p:childTnLst>
+                              <p:par>
+                                <p:cTn id="21" presetID="1" presetClass="entr" presetSubtype="0" fill="hold" nodeType="clickEffect">
+                                  <p:stCondLst>
+                                    <p:cond delay="0"/>
+                                  </p:stCondLst>
+                                  <p:childTnLst>
+                                    <p:set>
+                                      <p:cBhvr>
+                                        <p:cTn id="22" dur="1" fill="hold">
+                                          <p:stCondLst>
+                                            <p:cond delay="0"/>
+                                          </p:stCondLst>
+                                        </p:cTn>
+                                        <p:tgtEl>
+                                          <p:spTgt spid="3">
+                                            <p:txEl>
+                                              <p:pRg st="5" end="5"/>
+                                            </p:txEl>
+                                          </p:spTgt>
+                                        </p:tgtEl>
+                                        <p:attrNameLst>
+                                          <p:attrName>style.visibility</p:attrName>
+                                        </p:attrNameLst>
+                                      </p:cBhvr>
+                                      <p:to>
+                                        <p:strVal val="visible"/>
+                                      </p:to>
+                                    </p:set>
+                                  </p:childTnLst>
+                                </p:cTn>
+                              </p:par>
+                            </p:childTnLst>
+                          </p:cTn>
+                        </p:par>
+                      </p:childTnLst>
+                    </p:cTn>
+                  </p:par>
+                  <p:par>
+                    <p:cTn id="23" fill="hold">
+                      <p:stCondLst>
+                        <p:cond delay="indefinite"/>
+                      </p:stCondLst>
+                      <p:childTnLst>
+                        <p:par>
+                          <p:cTn id="24" fill="hold">
+                            <p:stCondLst>
+                              <p:cond delay="0"/>
+                            </p:stCondLst>
+                            <p:childTnLst>
+                              <p:par>
+                                <p:cTn id="25" presetID="1" presetClass="entr" presetSubtype="0" fill="hold" nodeType="clickEffect">
+                                  <p:stCondLst>
+                                    <p:cond delay="0"/>
+                                  </p:stCondLst>
+                                  <p:childTnLst>
+                                    <p:set>
+                                      <p:cBhvr>
+                                        <p:cTn id="26" dur="1" fill="hold">
+                                          <p:stCondLst>
+                                            <p:cond delay="0"/>
+                                          </p:stCondLst>
+                                        </p:cTn>
+                                        <p:tgtEl>
+                                          <p:spTgt spid="3">
+                                            <p:txEl>
+                                              <p:pRg st="6" end="6"/>
+                                            </p:txEl>
+                                          </p:spTgt>
+                                        </p:tgtEl>
+                                        <p:attrNameLst>
+                                          <p:attrName>style.visibility</p:attrName>
+                                        </p:attrNameLst>
+                                      </p:cBhvr>
+                                      <p:to>
+                                        <p:strVal val="visible"/>
+                                      </p:to>
+                                    </p:set>
+                                  </p:childTnLst>
+                                </p:cTn>
+                              </p:par>
+                            </p:childTnLst>
+                          </p:cTn>
+                        </p:par>
+                      </p:childTnLst>
+                    </p:cTn>
+                  </p:par>
+                  <p:par>
+                    <p:cTn id="27" fill="hold">
+                      <p:stCondLst>
+                        <p:cond delay="indefinite"/>
+                      </p:stCondLst>
+                      <p:childTnLst>
+                        <p:par>
+                          <p:cTn id="28" fill="hold">
+                            <p:stCondLst>
+                              <p:cond delay="0"/>
+                            </p:stCondLst>
+                            <p:childTnLst>
+                              <p:par>
+                                <p:cTn id="29" presetID="1" presetClass="entr" presetSubtype="0" fill="hold" nodeType="clickEffect">
+                                  <p:stCondLst>
+                                    <p:cond delay="0"/>
+                                  </p:stCondLst>
+                                  <p:childTnLst>
+                                    <p:set>
+                                      <p:cBhvr>
+                                        <p:cTn id="30" dur="1" fill="hold">
+                                          <p:stCondLst>
+                                            <p:cond delay="0"/>
+                                          </p:stCondLst>
+                                        </p:cTn>
+                                        <p:tgtEl>
+                                          <p:spTgt spid="3">
+                                            <p:txEl>
+                                              <p:pRg st="7" end="7"/>
+                                            </p:txEl>
+                                          </p:spTgt>
+                                        </p:tgtEl>
+                                        <p:attrNameLst>
+                                          <p:attrName>style.visibility</p:attrName>
+                                        </p:attrNameLst>
+                                      </p:cBhvr>
+                                      <p:to>
+                                        <p:strVal val="visible"/>
+                                      </p:to>
+                                    </p:set>
+                                  </p:childTnLst>
+                                </p:cTn>
+                              </p:par>
+                            </p:childTnLst>
+                          </p:cTn>
+                        </p:par>
+                      </p:childTnLst>
+                    </p:cTn>
+                  </p:par>
+                  <p:par>
+                    <p:cTn id="31" fill="hold">
+                      <p:stCondLst>
+                        <p:cond delay="indefinite"/>
+                      </p:stCondLst>
+                      <p:childTnLst>
+                        <p:par>
+                          <p:cTn id="32" fill="hold">
+                            <p:stCondLst>
+                              <p:cond delay="0"/>
+                            </p:stCondLst>
+                            <p:childTnLst>
+                              <p:par>
+                                <p:cTn id="33" presetID="1" presetClass="entr" presetSubtype="0" fill="hold" nodeType="clickEffect">
+                                  <p:stCondLst>
+                                    <p:cond delay="0"/>
+                                  </p:stCondLst>
+                                  <p:childTnLst>
+                                    <p:set>
+                                      <p:cBhvr>
+                                        <p:cTn id="34" dur="1" fill="hold">
+                                          <p:stCondLst>
+                                            <p:cond delay="0"/>
+                                          </p:stCondLst>
+                                        </p:cTn>
+                                        <p:tgtEl>
+                                          <p:spTgt spid="3">
+                                            <p:txEl>
+                                              <p:pRg st="8" end="8"/>
+                                            </p:txEl>
+                                          </p:spTgt>
+                                        </p:tgtEl>
+                                        <p:attrNameLst>
+                                          <p:attrName>style.visibility</p:attrName>
+                                        </p:attrNameLst>
+                                      </p:cBhvr>
+                                      <p:to>
+                                        <p:strVal val="visible"/>
+                                      </p:to>
+                                    </p:set>
+                                  </p:childTnLst>
+                                </p:cTn>
+                              </p:par>
+                            </p:childTnLst>
+                          </p:cTn>
+                        </p:par>
+                      </p:childTnLst>
+                    </p:cTn>
+                  </p:par>
+                  <p:par>
+                    <p:cTn id="35" fill="hold">
+                      <p:stCondLst>
+                        <p:cond delay="indefinite"/>
+                      </p:stCondLst>
+                      <p:childTnLst>
+                        <p:par>
+                          <p:cTn id="36" fill="hold">
+                            <p:stCondLst>
+                              <p:cond delay="0"/>
+                            </p:stCondLst>
+                            <p:childTnLst>
+                              <p:par>
+                                <p:cTn id="37" presetID="1" presetClass="entr" presetSubtype="0" fill="hold" nodeType="clickEffect">
+                                  <p:stCondLst>
+                                    <p:cond delay="0"/>
+                                  </p:stCondLst>
+                                  <p:childTnLst>
+                                    <p:set>
+                                      <p:cBhvr>
+                                        <p:cTn id="38" dur="1" fill="hold">
+                                          <p:stCondLst>
+                                            <p:cond delay="0"/>
+                                          </p:stCondLst>
+                                        </p:cTn>
+                                        <p:tgtEl>
+                                          <p:spTgt spid="3">
+                                            <p:txEl>
+                                              <p:pRg st="9" end="9"/>
+                                            </p:txEl>
+                                          </p:spTgt>
+                                        </p:tgtEl>
+                                        <p:attrNameLst>
+                                          <p:attrName>style.visibility</p:attrName>
+                                        </p:attrNameLst>
+                                      </p:cBhvr>
+                                      <p:to>
+                                        <p:strVal val="visible"/>
+                                      </p:to>
+                                    </p:set>
+                                  </p:childTnLst>
+                                </p:cTn>
+                              </p:par>
+                            </p:childTnLst>
+                          </p:cTn>
+                        </p:par>
+                      </p:childTnLst>
+                    </p:cTn>
+                  </p:par>
+                  <p:par>
+                    <p:cTn id="39" fill="hold">
+                      <p:stCondLst>
+                        <p:cond delay="indefinite"/>
+                      </p:stCondLst>
+                      <p:childTnLst>
+                        <p:par>
+                          <p:cTn id="40" fill="hold">
+                            <p:stCondLst>
+                              <p:cond delay="0"/>
+                            </p:stCondLst>
+                            <p:childTnLst>
+                              <p:par>
+                                <p:cTn id="41" presetID="1" presetClass="entr" presetSubtype="0" fill="hold" nodeType="clickEffect">
+                                  <p:stCondLst>
+                                    <p:cond delay="0"/>
+                                  </p:stCondLst>
+                                  <p:childTnLst>
+                                    <p:set>
+                                      <p:cBhvr>
+                                        <p:cTn id="42" dur="1" fill="hold">
+                                          <p:stCondLst>
+                                            <p:cond delay="0"/>
+                                          </p:stCondLst>
+                                        </p:cTn>
+                                        <p:tgtEl>
+                                          <p:spTgt spid="3">
+                                            <p:txEl>
+                                              <p:pRg st="10" end="10"/>
+                                            </p:txEl>
+                                          </p:spTgt>
+                                        </p:tgtEl>
+                                        <p:attrNameLst>
+                                          <p:attrName>style.visibility</p:attrName>
+                                        </p:attrNameLst>
+                                      </p:cBhvr>
+                                      <p:to>
+                                        <p:strVal val="visible"/>
+                                      </p:to>
+                                    </p:set>
+                                  </p:childTnLst>
+                                </p:cTn>
+                              </p:par>
+                            </p:childTnLst>
+                          </p:cTn>
+                        </p:par>
+                      </p:childTnLst>
+                    </p:cTn>
+                  </p:par>
+                  <p:par>
+                    <p:cTn id="43" fill="hold">
+                      <p:stCondLst>
+                        <p:cond delay="indefinite"/>
+                      </p:stCondLst>
+                      <p:childTnLst>
+                        <p:par>
+                          <p:cTn id="44" fill="hold">
+                            <p:stCondLst>
+                              <p:cond delay="0"/>
+                            </p:stCondLst>
+                            <p:childTnLst>
+                              <p:par>
+                                <p:cTn id="45" presetID="1" presetClass="entr" presetSubtype="0" fill="hold" nodeType="clickEffect">
+                                  <p:stCondLst>
+                                    <p:cond delay="0"/>
+                                  </p:stCondLst>
+                                  <p:childTnLst>
+                                    <p:set>
+                                      <p:cBhvr>
+                                        <p:cTn id="46" dur="1" fill="hold">
+                                          <p:stCondLst>
+                                            <p:cond delay="0"/>
+                                          </p:stCondLst>
+                                        </p:cTn>
+                                        <p:tgtEl>
+                                          <p:spTgt spid="3">
+                                            <p:txEl>
+                                              <p:pRg st="11" end="11"/>
                                             </p:txEl>
                                           </p:spTgt>
                                         </p:tgtEl>
@@ -42481,7 +44915,13 @@
           <a:p>
             <a:r>
               <a:rPr lang="en-US" dirty="0"/>
-              <a:t>Or, find communities by </a:t>
+              <a:t>Partition communities by betweenness </a:t>
+            </a:r>
+          </a:p>
+          <a:p>
+            <a:r>
+              <a:rPr lang="en-US" dirty="0"/>
+              <a:t>Find communities by </a:t>
             </a:r>
             <a:r>
               <a:rPr lang="en-US" b="1" dirty="0"/>
@@ -42491,6 +44931,24 @@
               <a:rPr lang="en-US" dirty="0"/>
               <a:t> of groups of nodes</a:t>
             </a:r>
+          </a:p>
+          <a:p>
+            <a:pPr lvl="1"/>
+            <a:r>
+              <a:rPr lang="en-US" dirty="0"/>
+              <a:t>Greedy algorithms  </a:t>
+            </a:r>
+          </a:p>
+          <a:p>
+            <a:pPr lvl="1"/>
+            <a:r>
+              <a:rPr lang="en-US" dirty="0"/>
+              <a:t>Louvain community modularity</a:t>
+            </a:r>
+          </a:p>
+          <a:p>
+            <a:pPr lvl="1"/>
+            <a:endParaRPr lang="en-US" dirty="0"/>
           </a:p>
           <a:p>
             <a:endParaRPr lang="en-US" dirty="0"/>
@@ -42890,6 +45348,153 @@
                                           <p:spTgt spid="3">
                                             <p:txEl>
                                               <p:pRg st="8" end="8"/>
+                                            </p:txEl>
+                                          </p:spTgt>
+                                        </p:tgtEl>
+                                        <p:attrNameLst>
+                                          <p:attrName>style.visibility</p:attrName>
+                                        </p:attrNameLst>
+                                      </p:cBhvr>
+                                      <p:to>
+                                        <p:strVal val="visible"/>
+                                      </p:to>
+                                    </p:set>
+                                  </p:childTnLst>
+                                </p:cTn>
+                              </p:par>
+                            </p:childTnLst>
+                          </p:cTn>
+                        </p:par>
+                      </p:childTnLst>
+                    </p:cTn>
+                  </p:par>
+                  <p:par>
+                    <p:cTn id="35" fill="hold">
+                      <p:stCondLst>
+                        <p:cond delay="indefinite"/>
+                      </p:stCondLst>
+                      <p:childTnLst>
+                        <p:par>
+                          <p:cTn id="36" fill="hold">
+                            <p:stCondLst>
+                              <p:cond delay="0"/>
+                            </p:stCondLst>
+                            <p:childTnLst>
+                              <p:par>
+                                <p:cTn id="37" presetID="1" presetClass="entr" presetSubtype="0" fill="hold" nodeType="clickEffect">
+                                  <p:stCondLst>
+                                    <p:cond delay="0"/>
+                                  </p:stCondLst>
+                                  <p:childTnLst>
+                                    <p:set>
+                                      <p:cBhvr>
+                                        <p:cTn id="38" dur="1" fill="hold">
+                                          <p:stCondLst>
+                                            <p:cond delay="0"/>
+                                          </p:stCondLst>
+                                        </p:cTn>
+                                        <p:tgtEl>
+                                          <p:spTgt spid="3">
+                                            <p:txEl>
+                                              <p:pRg st="9" end="9"/>
+                                            </p:txEl>
+                                          </p:spTgt>
+                                        </p:tgtEl>
+                                        <p:attrNameLst>
+                                          <p:attrName>style.visibility</p:attrName>
+                                        </p:attrNameLst>
+                                      </p:cBhvr>
+                                      <p:to>
+                                        <p:strVal val="visible"/>
+                                      </p:to>
+                                    </p:set>
+                                  </p:childTnLst>
+                                </p:cTn>
+                              </p:par>
+                            </p:childTnLst>
+                          </p:cTn>
+                        </p:par>
+                      </p:childTnLst>
+                    </p:cTn>
+                  </p:par>
+                  <p:par>
+                    <p:cTn id="39" fill="hold">
+                      <p:stCondLst>
+                        <p:cond delay="indefinite"/>
+                      </p:stCondLst>
+                      <p:childTnLst>
+                        <p:par>
+                          <p:cTn id="40" fill="hold">
+                            <p:stCondLst>
+                              <p:cond delay="0"/>
+                            </p:stCondLst>
+                            <p:childTnLst>
+                              <p:par>
+                                <p:cTn id="41" presetID="1" presetClass="entr" presetSubtype="0" fill="hold" nodeType="clickEffect">
+                                  <p:stCondLst>
+                                    <p:cond delay="0"/>
+                                  </p:stCondLst>
+                                  <p:childTnLst>
+                                    <p:set>
+                                      <p:cBhvr>
+                                        <p:cTn id="42" dur="1" fill="hold">
+                                          <p:stCondLst>
+                                            <p:cond delay="0"/>
+                                          </p:stCondLst>
+                                        </p:cTn>
+                                        <p:tgtEl>
+                                          <p:spTgt spid="3">
+                                            <p:txEl>
+                                              <p:pRg st="10" end="10"/>
+                                            </p:txEl>
+                                          </p:spTgt>
+                                        </p:tgtEl>
+                                        <p:attrNameLst>
+                                          <p:attrName>style.visibility</p:attrName>
+                                        </p:attrNameLst>
+                                      </p:cBhvr>
+                                      <p:to>
+                                        <p:strVal val="visible"/>
+                                      </p:to>
+                                    </p:set>
+                                  </p:childTnLst>
+                                </p:cTn>
+                              </p:par>
+                            </p:childTnLst>
+                          </p:cTn>
+                        </p:par>
+                      </p:childTnLst>
+                    </p:cTn>
+                  </p:par>
+                  <p:par>
+                    <p:cTn id="43" fill="hold">
+                      <p:stCondLst>
+                        <p:cond delay="indefinite"/>
+                      </p:stCondLst>
+                      <p:childTnLst>
+                        <p:par>
+                          <p:cTn id="44" fill="hold">
+                            <p:stCondLst>
+                              <p:cond delay="0"/>
+                            </p:stCondLst>
+                            <p:childTnLst>
+                              <p:par>
+                                <p:cTn id="45" presetID="1" presetClass="entr" presetSubtype="0" fill="hold" nodeType="clickEffect">
+                                  <p:stCondLst>
+                                    <p:cond delay="0"/>
+                                  </p:stCondLst>
+                                  <p:childTnLst>
+                                    <p:set>
+                                      <p:cBhvr>
+                                        <p:cTn id="46" dur="1" fill="hold">
+                                          <p:stCondLst>
+                                            <p:cond delay="0"/>
+                                          </p:stCondLst>
+                                        </p:cTn>
+                                        <p:tgtEl>
+                                          <p:spTgt spid="3">
+                                            <p:txEl>
+                                              <p:pRg st="11" end="11"/>
                                             </p:txEl>
                                           </p:spTgt>
                                         </p:tgtEl>
